--- a/presentation/mvp .pptx
+++ b/presentation/mvp .pptx
@@ -10,6 +10,7 @@
     <p:sldId id="258" r:id="rId4"/>
     <p:sldId id="259" r:id="rId5"/>
     <p:sldId id="260" r:id="rId6"/>
+    <p:sldId id="261" r:id="rId7"/>
   </p:sldIdLst>
   <p:sldSz cx="12192000" cy="6858000"/>
   <p:notesSz cx="6858000" cy="9144000"/>
@@ -108,6 +109,11 @@
       </a:defRPr>
     </a:lvl9pPr>
   </p:defaultTextStyle>
+  <p:extLst>
+    <p:ext uri="{EFAFB233-063F-42B5-8137-9DF3F51BA10A}">
+      <p15:sldGuideLst xmlns:p15="http://schemas.microsoft.com/office/powerpoint/2012/main"/>
+    </p:ext>
+  </p:extLst>
 </p:presentation>
 </file>
 
@@ -599,7 +605,7 @@
           <a:p>
             <a:fld id="{72345051-2045-45DA-935E-2E3CA1A69ADC}" type="datetimeFigureOut">
               <a:rPr lang="en-US" smtClean="0"/>
-              <a:t>11/30/20</a:t>
+              <a:t>12/1/20</a:t>
             </a:fld>
             <a:endParaRPr lang="en-US" dirty="0"/>
           </a:p>
@@ -797,7 +803,7 @@
           <a:p>
             <a:fld id="{72345051-2045-45DA-935E-2E3CA1A69ADC}" type="datetimeFigureOut">
               <a:rPr lang="en-US" smtClean="0"/>
-              <a:t>11/30/20</a:t>
+              <a:t>12/1/20</a:t>
             </a:fld>
             <a:endParaRPr lang="en-US"/>
           </a:p>
@@ -1005,7 +1011,7 @@
           <a:p>
             <a:fld id="{72345051-2045-45DA-935E-2E3CA1A69ADC}" type="datetimeFigureOut">
               <a:rPr lang="en-US" smtClean="0"/>
-              <a:t>11/30/20</a:t>
+              <a:t>12/1/20</a:t>
             </a:fld>
             <a:endParaRPr lang="en-US"/>
           </a:p>
@@ -1227,7 +1233,7 @@
           <a:p>
             <a:fld id="{72345051-2045-45DA-935E-2E3CA1A69ADC}" type="datetimeFigureOut">
               <a:rPr lang="en-US" smtClean="0"/>
-              <a:t>11/30/20</a:t>
+              <a:t>12/1/20</a:t>
             </a:fld>
             <a:endParaRPr lang="en-US"/>
           </a:p>
@@ -2138,7 +2144,7 @@
           <a:p>
             <a:fld id="{72345051-2045-45DA-935E-2E3CA1A69ADC}" type="datetimeFigureOut">
               <a:rPr lang="en-US" smtClean="0"/>
-              <a:t>11/30/20</a:t>
+              <a:t>12/1/20</a:t>
             </a:fld>
             <a:endParaRPr lang="en-US"/>
           </a:p>
@@ -2741,7 +2747,7 @@
           <a:p>
             <a:fld id="{72345051-2045-45DA-935E-2E3CA1A69ADC}" type="datetimeFigureOut">
               <a:rPr lang="en-US" smtClean="0"/>
-              <a:t>11/30/20</a:t>
+              <a:t>12/1/20</a:t>
             </a:fld>
             <a:endParaRPr lang="en-US"/>
           </a:p>
@@ -3789,7 +3795,7 @@
           <a:p>
             <a:fld id="{72345051-2045-45DA-935E-2E3CA1A69ADC}" type="datetimeFigureOut">
               <a:rPr lang="en-US" smtClean="0"/>
-              <a:t>11/30/20</a:t>
+              <a:t>12/1/20</a:t>
             </a:fld>
             <a:endParaRPr lang="en-US"/>
           </a:p>
@@ -4573,7 +4579,7 @@
           <a:p>
             <a:fld id="{72345051-2045-45DA-935E-2E3CA1A69ADC}" type="datetimeFigureOut">
               <a:rPr lang="en-US" smtClean="0"/>
-              <a:t>11/30/20</a:t>
+              <a:t>12/1/20</a:t>
             </a:fld>
             <a:endParaRPr lang="en-US"/>
           </a:p>
@@ -5022,7 +5028,7 @@
           <a:p>
             <a:fld id="{72345051-2045-45DA-935E-2E3CA1A69ADC}" type="datetimeFigureOut">
               <a:rPr lang="en-US" smtClean="0"/>
-              <a:t>11/30/20</a:t>
+              <a:t>12/1/20</a:t>
             </a:fld>
             <a:endParaRPr lang="en-US"/>
           </a:p>
@@ -5339,7 +5345,7 @@
           <a:p>
             <a:fld id="{72345051-2045-45DA-935E-2E3CA1A69ADC}" type="datetimeFigureOut">
               <a:rPr lang="en-US" smtClean="0"/>
-              <a:t>11/30/20</a:t>
+              <a:t>12/1/20</a:t>
             </a:fld>
             <a:endParaRPr lang="en-US"/>
           </a:p>
@@ -5967,7 +5973,7 @@
           <a:p>
             <a:fld id="{72345051-2045-45DA-935E-2E3CA1A69ADC}" type="datetimeFigureOut">
               <a:rPr lang="en-US" smtClean="0"/>
-              <a:t>11/30/20</a:t>
+              <a:t>12/1/20</a:t>
             </a:fld>
             <a:endParaRPr lang="en-US"/>
           </a:p>
@@ -6540,7 +6546,7 @@
           <a:p>
             <a:fld id="{72345051-2045-45DA-935E-2E3CA1A69ADC}" type="datetimeFigureOut">
               <a:rPr lang="en-US" smtClean="0"/>
-              <a:t>11/30/20</a:t>
+              <a:t>12/1/20</a:t>
             </a:fld>
             <a:endParaRPr lang="en-US" dirty="0"/>
           </a:p>
@@ -7751,7 +7757,7 @@
                 <a:latin typeface="Sanskrit Text" panose="02020503050405020304" pitchFamily="18" charset="0"/>
                 <a:cs typeface="Sanskrit Text" panose="02020503050405020304" pitchFamily="18" charset="0"/>
               </a:rPr>
-              <a:t>100k x 771 </a:t>
+              <a:t>Data size: 100k x 771 </a:t>
             </a:r>
             <a:r>
               <a:rPr lang="en-US" dirty="0" err="1">
@@ -8012,19 +8018,8 @@
                 <a:latin typeface="Sanskrit Text" panose="02020503050405020304" pitchFamily="18" charset="0"/>
                 <a:cs typeface="Sanskrit Text" panose="02020503050405020304" pitchFamily="18" charset="0"/>
               </a:rPr>
-              <a:t>Working on reducing features through p-value </a:t>
-            </a:r>
-            <a:r>
-              <a:rPr lang="en-US">
-                <a:latin typeface="Sanskrit Text" panose="02020503050405020304" pitchFamily="18" charset="0"/>
-                <a:cs typeface="Sanskrit Text" panose="02020503050405020304" pitchFamily="18" charset="0"/>
-              </a:rPr>
-              <a:t>and coefficient</a:t>
-            </a:r>
-            <a:endParaRPr lang="en-US" dirty="0">
-              <a:latin typeface="Sanskrit Text" panose="02020503050405020304" pitchFamily="18" charset="0"/>
-              <a:cs typeface="Sanskrit Text" panose="02020503050405020304" pitchFamily="18" charset="0"/>
-            </a:endParaRPr>
+              <a:t>Working on reducing features through p-value and coefficient</a:t>
+            </a:r>
           </a:p>
           <a:p>
             <a:endParaRPr lang="en-US" dirty="0">
@@ -8128,6 +8123,121 @@
     <p:extLst>
       <p:ext uri="{BB962C8B-B14F-4D97-AF65-F5344CB8AC3E}">
         <p14:creationId xmlns:p14="http://schemas.microsoft.com/office/powerpoint/2010/main" val="301161123"/>
+      </p:ext>
+    </p:extLst>
+  </p:cSld>
+  <p:clrMapOvr>
+    <a:masterClrMapping/>
+  </p:clrMapOvr>
+</p:sld>
+</file>
+
+<file path=ppt/slides/slide6.xml><?xml version="1.0" encoding="utf-8"?>
+<p:sld xmlns:a="http://schemas.openxmlformats.org/drawingml/2006/main" xmlns:r="http://schemas.openxmlformats.org/officeDocument/2006/relationships" xmlns:p="http://schemas.openxmlformats.org/presentationml/2006/main">
+  <p:cSld>
+    <p:spTree>
+      <p:nvGrpSpPr>
+        <p:cNvPr id="1" name=""/>
+        <p:cNvGrpSpPr/>
+        <p:nvPr/>
+      </p:nvGrpSpPr>
+      <p:grpSpPr>
+        <a:xfrm>
+          <a:off x="0" y="0"/>
+          <a:ext cx="0" cy="0"/>
+          <a:chOff x="0" y="0"/>
+          <a:chExt cx="0" cy="0"/>
+        </a:xfrm>
+      </p:grpSpPr>
+      <p:sp>
+        <p:nvSpPr>
+          <p:cNvPr id="2" name="Title 1">
+            <a:extLst>
+              <a:ext uri="{FF2B5EF4-FFF2-40B4-BE49-F238E27FC236}">
+                <a16:creationId xmlns:a16="http://schemas.microsoft.com/office/drawing/2014/main" id="{3A79EB82-8B22-264A-B3C9-564083CCBFB5}"/>
+              </a:ext>
+            </a:extLst>
+          </p:cNvPr>
+          <p:cNvSpPr>
+            <a:spLocks noGrp="1"/>
+          </p:cNvSpPr>
+          <p:nvPr>
+            <p:ph type="title"/>
+          </p:nvPr>
+        </p:nvSpPr>
+        <p:spPr/>
+        <p:txBody>
+          <a:bodyPr/>
+          <a:lstStyle/>
+          <a:p>
+            <a:r>
+              <a:rPr lang="en-US" dirty="0">
+                <a:latin typeface="Sanskrit Text" panose="02020503050405020304" pitchFamily="18" charset="0"/>
+                <a:cs typeface="Sanskrit Text" panose="02020503050405020304" pitchFamily="18" charset="0"/>
+              </a:rPr>
+              <a:t>Next Steps</a:t>
+            </a:r>
+          </a:p>
+        </p:txBody>
+      </p:sp>
+      <p:sp>
+        <p:nvSpPr>
+          <p:cNvPr id="3" name="Content Placeholder 2">
+            <a:extLst>
+              <a:ext uri="{FF2B5EF4-FFF2-40B4-BE49-F238E27FC236}">
+                <a16:creationId xmlns:a16="http://schemas.microsoft.com/office/drawing/2014/main" id="{81E54D86-4BAF-7447-8F43-45C8DDFAB442}"/>
+              </a:ext>
+            </a:extLst>
+          </p:cNvPr>
+          <p:cNvSpPr>
+            <a:spLocks noGrp="1"/>
+          </p:cNvSpPr>
+          <p:nvPr>
+            <p:ph idx="1"/>
+          </p:nvPr>
+        </p:nvSpPr>
+        <p:spPr/>
+        <p:txBody>
+          <a:bodyPr/>
+          <a:lstStyle/>
+          <a:p>
+            <a:r>
+              <a:rPr lang="en-US" dirty="0">
+                <a:latin typeface="Sanskrit Text" panose="02020503050405020304" pitchFamily="18" charset="0"/>
+                <a:cs typeface="Sanskrit Text" panose="02020503050405020304" pitchFamily="18" charset="0"/>
+              </a:rPr>
+              <a:t>Improve R-squared of multiple regression model</a:t>
+            </a:r>
+          </a:p>
+          <a:p>
+            <a:r>
+              <a:rPr lang="en-US" dirty="0">
+                <a:latin typeface="Sanskrit Text" panose="02020503050405020304" pitchFamily="18" charset="0"/>
+                <a:cs typeface="Sanskrit Text" panose="02020503050405020304" pitchFamily="18" charset="0"/>
+              </a:rPr>
+              <a:t>Create </a:t>
+            </a:r>
+            <a:r>
+              <a:rPr lang="en-US" dirty="0" err="1">
+                <a:latin typeface="Sanskrit Text" panose="02020503050405020304" pitchFamily="18" charset="0"/>
+                <a:cs typeface="Sanskrit Text" panose="02020503050405020304" pitchFamily="18" charset="0"/>
+              </a:rPr>
+              <a:t>streamlit</a:t>
+            </a:r>
+            <a:r>
+              <a:rPr lang="en-US" dirty="0">
+                <a:latin typeface="Sanskrit Text" panose="02020503050405020304" pitchFamily="18" charset="0"/>
+                <a:cs typeface="Sanskrit Text" panose="02020503050405020304" pitchFamily="18" charset="0"/>
+              </a:rPr>
+              <a:t> app containing process and results</a:t>
+            </a:r>
+          </a:p>
+        </p:txBody>
+      </p:sp>
+    </p:spTree>
+    <p:extLst>
+      <p:ext uri="{BB962C8B-B14F-4D97-AF65-F5344CB8AC3E}">
+        <p14:creationId xmlns:p14="http://schemas.microsoft.com/office/powerpoint/2010/main" val="2850634392"/>
       </p:ext>
     </p:extLst>
   </p:cSld>

--- a/presentation/mvp .pptx
+++ b/presentation/mvp .pptx
@@ -4,13 +4,19 @@
   <p:sldMasterIdLst>
     <p:sldMasterId id="2147483686" r:id="rId1"/>
   </p:sldMasterIdLst>
+  <p:notesMasterIdLst>
+    <p:notesMasterId r:id="rId11"/>
+  </p:notesMasterIdLst>
   <p:sldIdLst>
     <p:sldId id="256" r:id="rId2"/>
-    <p:sldId id="257" r:id="rId3"/>
-    <p:sldId id="258" r:id="rId4"/>
-    <p:sldId id="259" r:id="rId5"/>
-    <p:sldId id="260" r:id="rId6"/>
-    <p:sldId id="261" r:id="rId7"/>
+    <p:sldId id="286" r:id="rId3"/>
+    <p:sldId id="291" r:id="rId4"/>
+    <p:sldId id="287" r:id="rId5"/>
+    <p:sldId id="289" r:id="rId6"/>
+    <p:sldId id="288" r:id="rId7"/>
+    <p:sldId id="290" r:id="rId8"/>
+    <p:sldId id="261" r:id="rId9"/>
+    <p:sldId id="285" r:id="rId10"/>
   </p:sldIdLst>
   <p:sldSz cx="12192000" cy="6858000"/>
   <p:notesSz cx="6858000" cy="9144000"/>
@@ -117,6 +123,355 @@
 </p:presentation>
 </file>
 
+<file path=ppt/notesMasters/notesMaster1.xml><?xml version="1.0" encoding="utf-8"?>
+<p:notesMaster xmlns:a="http://schemas.openxmlformats.org/drawingml/2006/main" xmlns:r="http://schemas.openxmlformats.org/officeDocument/2006/relationships" xmlns:p="http://schemas.openxmlformats.org/presentationml/2006/main">
+  <p:cSld>
+    <p:bg>
+      <p:bgRef idx="1001">
+        <a:schemeClr val="bg1"/>
+      </p:bgRef>
+    </p:bg>
+    <p:spTree>
+      <p:nvGrpSpPr>
+        <p:cNvPr id="1" name=""/>
+        <p:cNvGrpSpPr/>
+        <p:nvPr/>
+      </p:nvGrpSpPr>
+      <p:grpSpPr>
+        <a:xfrm>
+          <a:off x="0" y="0"/>
+          <a:ext cx="0" cy="0"/>
+          <a:chOff x="0" y="0"/>
+          <a:chExt cx="0" cy="0"/>
+        </a:xfrm>
+      </p:grpSpPr>
+      <p:sp>
+        <p:nvSpPr>
+          <p:cNvPr id="2" name="Header Placeholder 1"/>
+          <p:cNvSpPr>
+            <a:spLocks noGrp="1"/>
+          </p:cNvSpPr>
+          <p:nvPr>
+            <p:ph type="hdr" sz="quarter"/>
+          </p:nvPr>
+        </p:nvSpPr>
+        <p:spPr>
+          <a:xfrm>
+            <a:off x="0" y="0"/>
+            <a:ext cx="2971800" cy="458788"/>
+          </a:xfrm>
+          <a:prstGeom prst="rect">
+            <a:avLst/>
+          </a:prstGeom>
+        </p:spPr>
+        <p:txBody>
+          <a:bodyPr vert="horz" lIns="91440" tIns="45720" rIns="91440" bIns="45720" rtlCol="0"/>
+          <a:lstStyle>
+            <a:lvl1pPr algn="l">
+              <a:defRPr sz="1200"/>
+            </a:lvl1pPr>
+          </a:lstStyle>
+          <a:p>
+            <a:endParaRPr lang="en-US"/>
+          </a:p>
+        </p:txBody>
+      </p:sp>
+      <p:sp>
+        <p:nvSpPr>
+          <p:cNvPr id="3" name="Date Placeholder 2"/>
+          <p:cNvSpPr>
+            <a:spLocks noGrp="1"/>
+          </p:cNvSpPr>
+          <p:nvPr>
+            <p:ph type="dt" idx="1"/>
+          </p:nvPr>
+        </p:nvSpPr>
+        <p:spPr>
+          <a:xfrm>
+            <a:off x="3884613" y="0"/>
+            <a:ext cx="2971800" cy="458788"/>
+          </a:xfrm>
+          <a:prstGeom prst="rect">
+            <a:avLst/>
+          </a:prstGeom>
+        </p:spPr>
+        <p:txBody>
+          <a:bodyPr vert="horz" lIns="91440" tIns="45720" rIns="91440" bIns="45720" rtlCol="0"/>
+          <a:lstStyle>
+            <a:lvl1pPr algn="r">
+              <a:defRPr sz="1200"/>
+            </a:lvl1pPr>
+          </a:lstStyle>
+          <a:p>
+            <a:fld id="{668C48E3-7567-B94B-9019-BF6912A31FE8}" type="datetimeFigureOut">
+              <a:rPr lang="en-US" smtClean="0"/>
+              <a:t>12/3/20</a:t>
+            </a:fld>
+            <a:endParaRPr lang="en-US"/>
+          </a:p>
+        </p:txBody>
+      </p:sp>
+      <p:sp>
+        <p:nvSpPr>
+          <p:cNvPr id="4" name="Slide Image Placeholder 3"/>
+          <p:cNvSpPr>
+            <a:spLocks noGrp="1" noRot="1" noChangeAspect="1"/>
+          </p:cNvSpPr>
+          <p:nvPr>
+            <p:ph type="sldImg" idx="2"/>
+          </p:nvPr>
+        </p:nvSpPr>
+        <p:spPr>
+          <a:xfrm>
+            <a:off x="685800" y="1143000"/>
+            <a:ext cx="5486400" cy="3086100"/>
+          </a:xfrm>
+          <a:prstGeom prst="rect">
+            <a:avLst/>
+          </a:prstGeom>
+          <a:noFill/>
+          <a:ln w="12700">
+            <a:solidFill>
+              <a:prstClr val="black"/>
+            </a:solidFill>
+          </a:ln>
+        </p:spPr>
+        <p:txBody>
+          <a:bodyPr vert="horz" lIns="91440" tIns="45720" rIns="91440" bIns="45720" rtlCol="0" anchor="ctr"/>
+          <a:lstStyle/>
+          <a:p>
+            <a:endParaRPr lang="en-US"/>
+          </a:p>
+        </p:txBody>
+      </p:sp>
+      <p:sp>
+        <p:nvSpPr>
+          <p:cNvPr id="5" name="Notes Placeholder 4"/>
+          <p:cNvSpPr>
+            <a:spLocks noGrp="1"/>
+          </p:cNvSpPr>
+          <p:nvPr>
+            <p:ph type="body" sz="quarter" idx="3"/>
+          </p:nvPr>
+        </p:nvSpPr>
+        <p:spPr>
+          <a:xfrm>
+            <a:off x="685800" y="4400550"/>
+            <a:ext cx="5486400" cy="3600450"/>
+          </a:xfrm>
+          <a:prstGeom prst="rect">
+            <a:avLst/>
+          </a:prstGeom>
+        </p:spPr>
+        <p:txBody>
+          <a:bodyPr vert="horz" lIns="91440" tIns="45720" rIns="91440" bIns="45720" rtlCol="0"/>
+          <a:lstStyle/>
+          <a:p>
+            <a:pPr lvl="0"/>
+            <a:r>
+              <a:rPr lang="en-US"/>
+              <a:t>Click to edit Master text styles</a:t>
+            </a:r>
+          </a:p>
+          <a:p>
+            <a:pPr lvl="1"/>
+            <a:r>
+              <a:rPr lang="en-US"/>
+              <a:t>Second level</a:t>
+            </a:r>
+          </a:p>
+          <a:p>
+            <a:pPr lvl="2"/>
+            <a:r>
+              <a:rPr lang="en-US"/>
+              <a:t>Third level</a:t>
+            </a:r>
+          </a:p>
+          <a:p>
+            <a:pPr lvl="3"/>
+            <a:r>
+              <a:rPr lang="en-US"/>
+              <a:t>Fourth level</a:t>
+            </a:r>
+          </a:p>
+          <a:p>
+            <a:pPr lvl="4"/>
+            <a:r>
+              <a:rPr lang="en-US"/>
+              <a:t>Fifth level</a:t>
+            </a:r>
+          </a:p>
+        </p:txBody>
+      </p:sp>
+      <p:sp>
+        <p:nvSpPr>
+          <p:cNvPr id="6" name="Footer Placeholder 5"/>
+          <p:cNvSpPr>
+            <a:spLocks noGrp="1"/>
+          </p:cNvSpPr>
+          <p:nvPr>
+            <p:ph type="ftr" sz="quarter" idx="4"/>
+          </p:nvPr>
+        </p:nvSpPr>
+        <p:spPr>
+          <a:xfrm>
+            <a:off x="0" y="8685213"/>
+            <a:ext cx="2971800" cy="458787"/>
+          </a:xfrm>
+          <a:prstGeom prst="rect">
+            <a:avLst/>
+          </a:prstGeom>
+        </p:spPr>
+        <p:txBody>
+          <a:bodyPr vert="horz" lIns="91440" tIns="45720" rIns="91440" bIns="45720" rtlCol="0" anchor="b"/>
+          <a:lstStyle>
+            <a:lvl1pPr algn="l">
+              <a:defRPr sz="1200"/>
+            </a:lvl1pPr>
+          </a:lstStyle>
+          <a:p>
+            <a:endParaRPr lang="en-US"/>
+          </a:p>
+        </p:txBody>
+      </p:sp>
+      <p:sp>
+        <p:nvSpPr>
+          <p:cNvPr id="7" name="Slide Number Placeholder 6"/>
+          <p:cNvSpPr>
+            <a:spLocks noGrp="1"/>
+          </p:cNvSpPr>
+          <p:nvPr>
+            <p:ph type="sldNum" sz="quarter" idx="5"/>
+          </p:nvPr>
+        </p:nvSpPr>
+        <p:spPr>
+          <a:xfrm>
+            <a:off x="3884613" y="8685213"/>
+            <a:ext cx="2971800" cy="458787"/>
+          </a:xfrm>
+          <a:prstGeom prst="rect">
+            <a:avLst/>
+          </a:prstGeom>
+        </p:spPr>
+        <p:txBody>
+          <a:bodyPr vert="horz" lIns="91440" tIns="45720" rIns="91440" bIns="45720" rtlCol="0" anchor="b"/>
+          <a:lstStyle>
+            <a:lvl1pPr algn="r">
+              <a:defRPr sz="1200"/>
+            </a:lvl1pPr>
+          </a:lstStyle>
+          <a:p>
+            <a:fld id="{EFB78494-D181-ED42-B065-9EC1B423AB39}" type="slidenum">
+              <a:rPr lang="en-US" smtClean="0"/>
+              <a:t>‹#›</a:t>
+            </a:fld>
+            <a:endParaRPr lang="en-US"/>
+          </a:p>
+        </p:txBody>
+      </p:sp>
+    </p:spTree>
+    <p:extLst>
+      <p:ext uri="{BB962C8B-B14F-4D97-AF65-F5344CB8AC3E}">
+        <p14:creationId xmlns:p14="http://schemas.microsoft.com/office/powerpoint/2010/main" val="3526038356"/>
+      </p:ext>
+    </p:extLst>
+  </p:cSld>
+  <p:clrMap bg1="lt1" tx1="dk1" bg2="lt2" tx2="dk2" accent1="accent1" accent2="accent2" accent3="accent3" accent4="accent4" accent5="accent5" accent6="accent6" hlink="hlink" folHlink="folHlink"/>
+  <p:notesStyle>
+    <a:lvl1pPr marL="0" algn="l" defTabSz="914400" rtl="0" eaLnBrk="1" latinLnBrk="0" hangingPunct="1">
+      <a:defRPr sz="1200" kern="1200">
+        <a:solidFill>
+          <a:schemeClr val="tx1"/>
+        </a:solidFill>
+        <a:latin typeface="+mn-lt"/>
+        <a:ea typeface="+mn-ea"/>
+        <a:cs typeface="+mn-cs"/>
+      </a:defRPr>
+    </a:lvl1pPr>
+    <a:lvl2pPr marL="457200" algn="l" defTabSz="914400" rtl="0" eaLnBrk="1" latinLnBrk="0" hangingPunct="1">
+      <a:defRPr sz="1200" kern="1200">
+        <a:solidFill>
+          <a:schemeClr val="tx1"/>
+        </a:solidFill>
+        <a:latin typeface="+mn-lt"/>
+        <a:ea typeface="+mn-ea"/>
+        <a:cs typeface="+mn-cs"/>
+      </a:defRPr>
+    </a:lvl2pPr>
+    <a:lvl3pPr marL="914400" algn="l" defTabSz="914400" rtl="0" eaLnBrk="1" latinLnBrk="0" hangingPunct="1">
+      <a:defRPr sz="1200" kern="1200">
+        <a:solidFill>
+          <a:schemeClr val="tx1"/>
+        </a:solidFill>
+        <a:latin typeface="+mn-lt"/>
+        <a:ea typeface="+mn-ea"/>
+        <a:cs typeface="+mn-cs"/>
+      </a:defRPr>
+    </a:lvl3pPr>
+    <a:lvl4pPr marL="1371600" algn="l" defTabSz="914400" rtl="0" eaLnBrk="1" latinLnBrk="0" hangingPunct="1">
+      <a:defRPr sz="1200" kern="1200">
+        <a:solidFill>
+          <a:schemeClr val="tx1"/>
+        </a:solidFill>
+        <a:latin typeface="+mn-lt"/>
+        <a:ea typeface="+mn-ea"/>
+        <a:cs typeface="+mn-cs"/>
+      </a:defRPr>
+    </a:lvl4pPr>
+    <a:lvl5pPr marL="1828800" algn="l" defTabSz="914400" rtl="0" eaLnBrk="1" latinLnBrk="0" hangingPunct="1">
+      <a:defRPr sz="1200" kern="1200">
+        <a:solidFill>
+          <a:schemeClr val="tx1"/>
+        </a:solidFill>
+        <a:latin typeface="+mn-lt"/>
+        <a:ea typeface="+mn-ea"/>
+        <a:cs typeface="+mn-cs"/>
+      </a:defRPr>
+    </a:lvl5pPr>
+    <a:lvl6pPr marL="2286000" algn="l" defTabSz="914400" rtl="0" eaLnBrk="1" latinLnBrk="0" hangingPunct="1">
+      <a:defRPr sz="1200" kern="1200">
+        <a:solidFill>
+          <a:schemeClr val="tx1"/>
+        </a:solidFill>
+        <a:latin typeface="+mn-lt"/>
+        <a:ea typeface="+mn-ea"/>
+        <a:cs typeface="+mn-cs"/>
+      </a:defRPr>
+    </a:lvl6pPr>
+    <a:lvl7pPr marL="2743200" algn="l" defTabSz="914400" rtl="0" eaLnBrk="1" latinLnBrk="0" hangingPunct="1">
+      <a:defRPr sz="1200" kern="1200">
+        <a:solidFill>
+          <a:schemeClr val="tx1"/>
+        </a:solidFill>
+        <a:latin typeface="+mn-lt"/>
+        <a:ea typeface="+mn-ea"/>
+        <a:cs typeface="+mn-cs"/>
+      </a:defRPr>
+    </a:lvl7pPr>
+    <a:lvl8pPr marL="3200400" algn="l" defTabSz="914400" rtl="0" eaLnBrk="1" latinLnBrk="0" hangingPunct="1">
+      <a:defRPr sz="1200" kern="1200">
+        <a:solidFill>
+          <a:schemeClr val="tx1"/>
+        </a:solidFill>
+        <a:latin typeface="+mn-lt"/>
+        <a:ea typeface="+mn-ea"/>
+        <a:cs typeface="+mn-cs"/>
+      </a:defRPr>
+    </a:lvl8pPr>
+    <a:lvl9pPr marL="3657600" algn="l" defTabSz="914400" rtl="0" eaLnBrk="1" latinLnBrk="0" hangingPunct="1">
+      <a:defRPr sz="1200" kern="1200">
+        <a:solidFill>
+          <a:schemeClr val="tx1"/>
+        </a:solidFill>
+        <a:latin typeface="+mn-lt"/>
+        <a:ea typeface="+mn-ea"/>
+        <a:cs typeface="+mn-cs"/>
+      </a:defRPr>
+    </a:lvl9pPr>
+  </p:notesStyle>
+</p:notesMaster>
+</file>
+
 <file path=ppt/slideLayouts/slideLayout1.xml><?xml version="1.0" encoding="utf-8"?>
 <p:sldLayout xmlns:a="http://schemas.openxmlformats.org/drawingml/2006/main" xmlns:r="http://schemas.openxmlformats.org/officeDocument/2006/relationships" xmlns:p="http://schemas.openxmlformats.org/presentationml/2006/main" type="title" preserve="1">
   <p:cSld name="Title Slide">
@@ -605,7 +960,7 @@
           <a:p>
             <a:fld id="{72345051-2045-45DA-935E-2E3CA1A69ADC}" type="datetimeFigureOut">
               <a:rPr lang="en-US" smtClean="0"/>
-              <a:t>12/1/20</a:t>
+              <a:t>12/3/20</a:t>
             </a:fld>
             <a:endParaRPr lang="en-US" dirty="0"/>
           </a:p>
@@ -803,7 +1158,7 @@
           <a:p>
             <a:fld id="{72345051-2045-45DA-935E-2E3CA1A69ADC}" type="datetimeFigureOut">
               <a:rPr lang="en-US" smtClean="0"/>
-              <a:t>12/1/20</a:t>
+              <a:t>12/3/20</a:t>
             </a:fld>
             <a:endParaRPr lang="en-US"/>
           </a:p>
@@ -1011,7 +1366,7 @@
           <a:p>
             <a:fld id="{72345051-2045-45DA-935E-2E3CA1A69ADC}" type="datetimeFigureOut">
               <a:rPr lang="en-US" smtClean="0"/>
-              <a:t>12/1/20</a:t>
+              <a:t>12/3/20</a:t>
             </a:fld>
             <a:endParaRPr lang="en-US"/>
           </a:p>
@@ -1233,7 +1588,7 @@
           <a:p>
             <a:fld id="{72345051-2045-45DA-935E-2E3CA1A69ADC}" type="datetimeFigureOut">
               <a:rPr lang="en-US" smtClean="0"/>
-              <a:t>12/1/20</a:t>
+              <a:t>12/3/20</a:t>
             </a:fld>
             <a:endParaRPr lang="en-US"/>
           </a:p>
@@ -2144,7 +2499,7 @@
           <a:p>
             <a:fld id="{72345051-2045-45DA-935E-2E3CA1A69ADC}" type="datetimeFigureOut">
               <a:rPr lang="en-US" smtClean="0"/>
-              <a:t>12/1/20</a:t>
+              <a:t>12/3/20</a:t>
             </a:fld>
             <a:endParaRPr lang="en-US"/>
           </a:p>
@@ -2747,7 +3102,7 @@
           <a:p>
             <a:fld id="{72345051-2045-45DA-935E-2E3CA1A69ADC}" type="datetimeFigureOut">
               <a:rPr lang="en-US" smtClean="0"/>
-              <a:t>12/1/20</a:t>
+              <a:t>12/3/20</a:t>
             </a:fld>
             <a:endParaRPr lang="en-US"/>
           </a:p>
@@ -3795,7 +4150,7 @@
           <a:p>
             <a:fld id="{72345051-2045-45DA-935E-2E3CA1A69ADC}" type="datetimeFigureOut">
               <a:rPr lang="en-US" smtClean="0"/>
-              <a:t>12/1/20</a:t>
+              <a:t>12/3/20</a:t>
             </a:fld>
             <a:endParaRPr lang="en-US"/>
           </a:p>
@@ -4579,7 +4934,7 @@
           <a:p>
             <a:fld id="{72345051-2045-45DA-935E-2E3CA1A69ADC}" type="datetimeFigureOut">
               <a:rPr lang="en-US" smtClean="0"/>
-              <a:t>12/1/20</a:t>
+              <a:t>12/3/20</a:t>
             </a:fld>
             <a:endParaRPr lang="en-US"/>
           </a:p>
@@ -5028,7 +5383,7 @@
           <a:p>
             <a:fld id="{72345051-2045-45DA-935E-2E3CA1A69ADC}" type="datetimeFigureOut">
               <a:rPr lang="en-US" smtClean="0"/>
-              <a:t>12/1/20</a:t>
+              <a:t>12/3/20</a:t>
             </a:fld>
             <a:endParaRPr lang="en-US"/>
           </a:p>
@@ -5345,7 +5700,7 @@
           <a:p>
             <a:fld id="{72345051-2045-45DA-935E-2E3CA1A69ADC}" type="datetimeFigureOut">
               <a:rPr lang="en-US" smtClean="0"/>
-              <a:t>12/1/20</a:t>
+              <a:t>12/3/20</a:t>
             </a:fld>
             <a:endParaRPr lang="en-US"/>
           </a:p>
@@ -5973,7 +6328,7 @@
           <a:p>
             <a:fld id="{72345051-2045-45DA-935E-2E3CA1A69ADC}" type="datetimeFigureOut">
               <a:rPr lang="en-US" smtClean="0"/>
-              <a:t>12/1/20</a:t>
+              <a:t>12/3/20</a:t>
             </a:fld>
             <a:endParaRPr lang="en-US"/>
           </a:p>
@@ -6546,7 +6901,7 @@
           <a:p>
             <a:fld id="{72345051-2045-45DA-935E-2E3CA1A69ADC}" type="datetimeFigureOut">
               <a:rPr lang="en-US" smtClean="0"/>
-              <a:t>12/1/20</a:t>
+              <a:t>12/3/20</a:t>
             </a:fld>
             <a:endParaRPr lang="en-US" dirty="0"/>
           </a:p>
@@ -7060,11 +7415,11 @@
           <a:lstStyle/>
           <a:p>
             <a:r>
-              <a:rPr lang="en-US" sz="5400" dirty="0">
+              <a:rPr lang="en-US" sz="4800" dirty="0">
                 <a:latin typeface="Sanskrit Text" panose="020B0604020202020204" pitchFamily="34" charset="0"/>
                 <a:cs typeface="Sanskrit Text" panose="020B0604020202020204" pitchFamily="34" charset="0"/>
               </a:rPr>
-              <a:t>Loan Decision Modeling</a:t>
+              <a:t>Credit Risk Prediction using Machine Learning</a:t>
             </a:r>
           </a:p>
         </p:txBody>
@@ -7556,7 +7911,7 @@
           <p:cNvPr id="2" name="Title 1">
             <a:extLst>
               <a:ext uri="{FF2B5EF4-FFF2-40B4-BE49-F238E27FC236}">
-                <a16:creationId xmlns:a16="http://schemas.microsoft.com/office/drawing/2014/main" id="{5D9533D3-62E2-874A-95AE-2926D8F32C24}"/>
+                <a16:creationId xmlns:a16="http://schemas.microsoft.com/office/drawing/2014/main" id="{258AAA2D-E359-7247-95D1-FC4E32A64131}"/>
               </a:ext>
             </a:extLst>
           </p:cNvPr>
@@ -7569,7 +7924,9 @@
         </p:nvSpPr>
         <p:spPr/>
         <p:txBody>
-          <a:bodyPr/>
+          <a:bodyPr>
+            <a:normAutofit fontScale="90000"/>
+          </a:bodyPr>
           <a:lstStyle/>
           <a:p>
             <a:r>
@@ -7577,7 +7934,7 @@
                 <a:latin typeface="Sanskrit Text" panose="02020503050405020304" pitchFamily="18" charset="0"/>
                 <a:cs typeface="Sanskrit Text" panose="02020503050405020304" pitchFamily="18" charset="0"/>
               </a:rPr>
-              <a:t>Project Idea</a:t>
+              <a:t>Can I predict loan loss of a particular loan?</a:t>
             </a:r>
           </a:p>
         </p:txBody>
@@ -7587,7 +7944,7 @@
           <p:cNvPr id="3" name="Content Placeholder 2">
             <a:extLst>
               <a:ext uri="{FF2B5EF4-FFF2-40B4-BE49-F238E27FC236}">
-                <a16:creationId xmlns:a16="http://schemas.microsoft.com/office/drawing/2014/main" id="{B74FBC65-115C-6348-BAA8-ECE3F2CD92D2}"/>
+                <a16:creationId xmlns:a16="http://schemas.microsoft.com/office/drawing/2014/main" id="{0B8E57CC-FCCE-A444-A3C2-D2B86DD953E8}"/>
               </a:ext>
             </a:extLst>
           </p:cNvPr>
@@ -7608,68 +7965,43 @@
                 <a:latin typeface="Sanskrit Text" panose="02020503050405020304" pitchFamily="18" charset="0"/>
                 <a:cs typeface="Sanskrit Text" panose="02020503050405020304" pitchFamily="18" charset="0"/>
               </a:rPr>
-              <a:t>Predicting credit default risk of loan applicant</a:t>
-            </a:r>
-          </a:p>
-          <a:p>
-            <a:pPr lvl="1"/>
+              <a:t>Establish audience (in progress)</a:t>
+            </a:r>
+          </a:p>
+          <a:p>
             <a:r>
               <a:rPr lang="en-US" dirty="0">
                 <a:latin typeface="Sanskrit Text" panose="02020503050405020304" pitchFamily="18" charset="0"/>
                 <a:cs typeface="Sanskrit Text" panose="02020503050405020304" pitchFamily="18" charset="0"/>
               </a:rPr>
-              <a:t>Features: 771 columns of anonamized, numerical data</a:t>
-            </a:r>
-          </a:p>
-          <a:p>
-            <a:pPr lvl="1"/>
+              <a:t>What is the problem I trying to solve (in progress)</a:t>
+            </a:r>
+          </a:p>
+          <a:p>
             <a:r>
               <a:rPr lang="en-US" dirty="0">
                 <a:latin typeface="Sanskrit Text" panose="02020503050405020304" pitchFamily="18" charset="0"/>
                 <a:cs typeface="Sanskrit Text" panose="02020503050405020304" pitchFamily="18" charset="0"/>
               </a:rPr>
-              <a:t>Target: 0-100, default amount</a:t>
-            </a:r>
-          </a:p>
-          <a:p>
-            <a:pPr lvl="2"/>
+              <a:t>Interested in recall to capture all potential defaults</a:t>
+            </a:r>
+          </a:p>
+          <a:p>
+            <a:pPr lvl="1"/>
             <a:r>
               <a:rPr lang="en-US" dirty="0">
                 <a:latin typeface="Sanskrit Text" panose="02020503050405020304" pitchFamily="18" charset="0"/>
                 <a:cs typeface="Sanskrit Text" panose="02020503050405020304" pitchFamily="18" charset="0"/>
               </a:rPr>
-              <a:t>0 </a:t>
-            </a:r>
-            <a:r>
-              <a:rPr lang="en-US" dirty="0">
-                <a:latin typeface="Sanskrit Text" panose="02020503050405020304" pitchFamily="18" charset="0"/>
-                <a:cs typeface="Sanskrit Text" panose="02020503050405020304" pitchFamily="18" charset="0"/>
-                <a:sym typeface="Wingdings" pitchFamily="2" charset="2"/>
-              </a:rPr>
-              <a:t> no to very low loan loss: approve loan</a:t>
-            </a:r>
-          </a:p>
-          <a:p>
-            <a:pPr lvl="2"/>
-            <a:r>
-              <a:rPr lang="en-US" dirty="0">
-                <a:latin typeface="Sanskrit Text" panose="02020503050405020304" pitchFamily="18" charset="0"/>
-                <a:cs typeface="Sanskrit Text" panose="02020503050405020304" pitchFamily="18" charset="0"/>
-                <a:sym typeface="Wingdings" pitchFamily="2" charset="2"/>
-              </a:rPr>
-              <a:t>&gt;0  some to very high loan loss: decline loan</a:t>
-            </a:r>
-            <a:endParaRPr lang="en-US" dirty="0">
-              <a:latin typeface="Sanskrit Text" panose="02020503050405020304" pitchFamily="18" charset="0"/>
-              <a:cs typeface="Sanskrit Text" panose="02020503050405020304" pitchFamily="18" charset="0"/>
-            </a:endParaRPr>
+              <a:t>False negatives more costly than false positives</a:t>
+            </a:r>
           </a:p>
         </p:txBody>
       </p:sp>
     </p:spTree>
     <p:extLst>
       <p:ext uri="{BB962C8B-B14F-4D97-AF65-F5344CB8AC3E}">
-        <p14:creationId xmlns:p14="http://schemas.microsoft.com/office/powerpoint/2010/main" val="2584565108"/>
+        <p14:creationId xmlns:p14="http://schemas.microsoft.com/office/powerpoint/2010/main" val="2526551051"/>
       </p:ext>
     </p:extLst>
   </p:cSld>
@@ -7701,7 +8033,7 @@
           <p:cNvPr id="2" name="Title 1">
             <a:extLst>
               <a:ext uri="{FF2B5EF4-FFF2-40B4-BE49-F238E27FC236}">
-                <a16:creationId xmlns:a16="http://schemas.microsoft.com/office/drawing/2014/main" id="{1FDFDFE9-01DC-2744-B4BD-B45BC36259D3}"/>
+                <a16:creationId xmlns:a16="http://schemas.microsoft.com/office/drawing/2014/main" id="{258AAA2D-E359-7247-95D1-FC4E32A64131}"/>
               </a:ext>
             </a:extLst>
           </p:cNvPr>
@@ -7715,7 +8047,7 @@
         <p:spPr/>
         <p:txBody>
           <a:bodyPr>
-            <a:normAutofit fontScale="90000"/>
+            <a:normAutofit/>
           </a:bodyPr>
           <a:lstStyle/>
           <a:p>
@@ -7724,7 +8056,7 @@
                 <a:latin typeface="Sanskrit Text" panose="02020503050405020304" pitchFamily="18" charset="0"/>
                 <a:cs typeface="Sanskrit Text" panose="02020503050405020304" pitchFamily="18" charset="0"/>
               </a:rPr>
-              <a:t>Workflow of data collection and modeling</a:t>
+              <a:t>Data</a:t>
             </a:r>
           </a:p>
         </p:txBody>
@@ -7734,7 +8066,7 @@
           <p:cNvPr id="3" name="Content Placeholder 2">
             <a:extLst>
               <a:ext uri="{FF2B5EF4-FFF2-40B4-BE49-F238E27FC236}">
-                <a16:creationId xmlns:a16="http://schemas.microsoft.com/office/drawing/2014/main" id="{F483A199-AB3F-C24B-AF02-EB1C5046F010}"/>
+                <a16:creationId xmlns:a16="http://schemas.microsoft.com/office/drawing/2014/main" id="{0B8E57CC-FCCE-A444-A3C2-D2B86DD953E8}"/>
               </a:ext>
             </a:extLst>
           </p:cNvPr>
@@ -7747,9 +8079,7 @@
         </p:nvSpPr>
         <p:spPr/>
         <p:txBody>
-          <a:bodyPr>
-            <a:normAutofit fontScale="92500" lnSpcReduction="10000"/>
-          </a:bodyPr>
+          <a:bodyPr/>
           <a:lstStyle/>
           <a:p>
             <a:r>
@@ -7757,27 +8087,17 @@
                 <a:latin typeface="Sanskrit Text" panose="02020503050405020304" pitchFamily="18" charset="0"/>
                 <a:cs typeface="Sanskrit Text" panose="02020503050405020304" pitchFamily="18" charset="0"/>
               </a:rPr>
-              <a:t>Data size: 100k x 771 </a:t>
-            </a:r>
-            <a:r>
-              <a:rPr lang="en-US" dirty="0" err="1">
-                <a:latin typeface="Sanskrit Text" panose="02020503050405020304" pitchFamily="18" charset="0"/>
-                <a:cs typeface="Sanskrit Text" panose="02020503050405020304" pitchFamily="18" charset="0"/>
-              </a:rPr>
-              <a:t>dataframe</a:t>
-            </a:r>
-            <a:endParaRPr lang="en-US" dirty="0">
-              <a:latin typeface="Sanskrit Text" panose="02020503050405020304" pitchFamily="18" charset="0"/>
-              <a:cs typeface="Sanskrit Text" panose="02020503050405020304" pitchFamily="18" charset="0"/>
-            </a:endParaRPr>
-          </a:p>
-          <a:p>
+              <a:t>Portfolio of ~100,000 loans</a:t>
+            </a:r>
+          </a:p>
+          <a:p>
+            <a:pPr lvl="1"/>
             <a:r>
               <a:rPr lang="en-US" dirty="0">
                 <a:latin typeface="Sanskrit Text" panose="02020503050405020304" pitchFamily="18" charset="0"/>
                 <a:cs typeface="Sanskrit Text" panose="02020503050405020304" pitchFamily="18" charset="0"/>
               </a:rPr>
-              <a:t>Kaggle competition: Loan Default Prediction</a:t>
+              <a:t>Features: 771 numerical, anonymized columns</a:t>
             </a:r>
           </a:p>
           <a:p>
@@ -7787,91 +8107,15 @@
                 <a:latin typeface="Sanskrit Text" panose="02020503050405020304" pitchFamily="18" charset="0"/>
                 <a:cs typeface="Sanskrit Text" panose="02020503050405020304" pitchFamily="18" charset="0"/>
               </a:rPr>
-              <a:t>Imperial College of London</a:t>
-            </a:r>
-            <a:endParaRPr lang="en-US" b="1" dirty="0">
-              <a:latin typeface="Sanskrit Text" panose="02020503050405020304" pitchFamily="18" charset="0"/>
-              <a:cs typeface="Sanskrit Text" panose="02020503050405020304" pitchFamily="18" charset="0"/>
-            </a:endParaRPr>
-          </a:p>
-          <a:p>
-            <a:pPr lvl="1"/>
-            <a:r>
-              <a:rPr lang="en-US" dirty="0">
-                <a:latin typeface="Sanskrit Text" panose="02020503050405020304" pitchFamily="18" charset="0"/>
-                <a:cs typeface="Sanskrit Text" panose="02020503050405020304" pitchFamily="18" charset="0"/>
-                <a:hlinkClick r:id="rId2"/>
-              </a:rPr>
-              <a:t>Kaggle Dataset</a:t>
-            </a:r>
-            <a:endParaRPr lang="en-US" dirty="0">
-              <a:latin typeface="Sanskrit Text" panose="02020503050405020304" pitchFamily="18" charset="0"/>
-              <a:cs typeface="Sanskrit Text" panose="02020503050405020304" pitchFamily="18" charset="0"/>
-            </a:endParaRPr>
-          </a:p>
-          <a:p>
-            <a:r>
-              <a:rPr lang="en-US" dirty="0">
-                <a:latin typeface="Sanskrit Text" panose="02020503050405020304" pitchFamily="18" charset="0"/>
-                <a:cs typeface="Sanskrit Text" panose="02020503050405020304" pitchFamily="18" charset="0"/>
-              </a:rPr>
-              <a:t>Classification</a:t>
-            </a:r>
-          </a:p>
-          <a:p>
-            <a:pPr lvl="1"/>
-            <a:r>
-              <a:rPr lang="en-US" dirty="0">
-                <a:latin typeface="Sanskrit Text" panose="02020503050405020304" pitchFamily="18" charset="0"/>
-                <a:cs typeface="Sanskrit Text" panose="02020503050405020304" pitchFamily="18" charset="0"/>
-              </a:rPr>
-              <a:t>Predict binary outcome to approve or decline</a:t>
-            </a:r>
-          </a:p>
-          <a:p>
-            <a:r>
-              <a:rPr lang="en-US" dirty="0">
-                <a:latin typeface="Sanskrit Text" panose="02020503050405020304" pitchFamily="18" charset="0"/>
-                <a:cs typeface="Sanskrit Text" panose="02020503050405020304" pitchFamily="18" charset="0"/>
-              </a:rPr>
-              <a:t>Linear Regression</a:t>
-            </a:r>
-          </a:p>
-          <a:p>
-            <a:pPr lvl="1"/>
-            <a:r>
-              <a:rPr lang="en-US" dirty="0">
-                <a:latin typeface="Sanskrit Text" panose="02020503050405020304" pitchFamily="18" charset="0"/>
-                <a:cs typeface="Sanskrit Text" panose="02020503050405020304" pitchFamily="18" charset="0"/>
-              </a:rPr>
-              <a:t>Predict loan loss amount to optimize portfolio</a:t>
-            </a:r>
-          </a:p>
-          <a:p>
-            <a:pPr lvl="1"/>
-            <a:r>
-              <a:rPr lang="en-US" dirty="0">
-                <a:latin typeface="Sanskrit Text" panose="02020503050405020304" pitchFamily="18" charset="0"/>
-                <a:cs typeface="Sanskrit Text" panose="02020503050405020304" pitchFamily="18" charset="0"/>
-              </a:rPr>
-              <a:t>Minimize RMSE</a:t>
-            </a:r>
-          </a:p>
-          <a:p>
-            <a:pPr marL="457200" lvl="1" indent="0">
-              <a:buNone/>
-            </a:pPr>
-            <a:endParaRPr lang="en-US" dirty="0">
-              <a:latin typeface="Sanskrit Text" panose="02020503050405020304" pitchFamily="18" charset="0"/>
-              <a:cs typeface="Sanskrit Text" panose="02020503050405020304" pitchFamily="18" charset="0"/>
-            </a:endParaRPr>
+              <a:t>Target: loss, from 0 to 100</a:t>
+            </a:r>
           </a:p>
         </p:txBody>
       </p:sp>
     </p:spTree>
     <p:extLst>
       <p:ext uri="{BB962C8B-B14F-4D97-AF65-F5344CB8AC3E}">
-        <p14:creationId xmlns:p14="http://schemas.microsoft.com/office/powerpoint/2010/main" val="1634222867"/>
+        <p14:creationId xmlns:p14="http://schemas.microsoft.com/office/powerpoint/2010/main" val="404064912"/>
       </p:ext>
     </p:extLst>
   </p:cSld>
@@ -7903,7 +8147,7 @@
           <p:cNvPr id="2" name="Title 1">
             <a:extLst>
               <a:ext uri="{FF2B5EF4-FFF2-40B4-BE49-F238E27FC236}">
-                <a16:creationId xmlns:a16="http://schemas.microsoft.com/office/drawing/2014/main" id="{A04410F6-CAD5-8643-9714-2AD884D93389}"/>
+                <a16:creationId xmlns:a16="http://schemas.microsoft.com/office/drawing/2014/main" id="{BBED074E-3852-5746-A04F-0482AE64609F}"/>
               </a:ext>
             </a:extLst>
           </p:cNvPr>
@@ -7924,7 +8168,7 @@
                 <a:latin typeface="Sanskrit Text" panose="02020503050405020304" pitchFamily="18" charset="0"/>
                 <a:cs typeface="Sanskrit Text" panose="02020503050405020304" pitchFamily="18" charset="0"/>
               </a:rPr>
-              <a:t>Initial Results and Takeaways</a:t>
+              <a:t>Methodology</a:t>
             </a:r>
           </a:p>
         </p:txBody>
@@ -7934,7 +8178,7 @@
           <p:cNvPr id="3" name="Content Placeholder 2">
             <a:extLst>
               <a:ext uri="{FF2B5EF4-FFF2-40B4-BE49-F238E27FC236}">
-                <a16:creationId xmlns:a16="http://schemas.microsoft.com/office/drawing/2014/main" id="{BEE3BFFA-08A9-8447-9CF1-D97B060EDE79}"/>
+                <a16:creationId xmlns:a16="http://schemas.microsoft.com/office/drawing/2014/main" id="{F665778D-7C59-B842-8E43-F5011DAA3C99}"/>
               </a:ext>
             </a:extLst>
           </p:cNvPr>
@@ -7945,9 +8189,16 @@
             <p:ph idx="1"/>
           </p:nvPr>
         </p:nvSpPr>
-        <p:spPr/>
+        <p:spPr>
+          <a:xfrm>
+            <a:off x="838200" y="1929384"/>
+            <a:ext cx="10515600" cy="4650092"/>
+          </a:xfrm>
+        </p:spPr>
         <p:txBody>
-          <a:bodyPr/>
+          <a:bodyPr>
+            <a:normAutofit fontScale="92500" lnSpcReduction="10000"/>
+          </a:bodyPr>
           <a:lstStyle/>
           <a:p>
             <a:r>
@@ -7955,11 +8206,115 @@
                 <a:latin typeface="Sanskrit Text" panose="02020503050405020304" pitchFamily="18" charset="0"/>
                 <a:cs typeface="Sanskrit Text" panose="02020503050405020304" pitchFamily="18" charset="0"/>
               </a:rPr>
-              <a:t>Best classification model:</a:t>
+              <a:t>EDA</a:t>
             </a:r>
           </a:p>
           <a:p>
             <a:pPr lvl="1"/>
+            <a:r>
+              <a:rPr lang="en-US" dirty="0">
+                <a:latin typeface="Sanskrit Text" panose="02020503050405020304" pitchFamily="18" charset="0"/>
+                <a:cs typeface="Sanskrit Text" panose="02020503050405020304" pitchFamily="18" charset="0"/>
+              </a:rPr>
+              <a:t>Data cleaning, </a:t>
+            </a:r>
+            <a:r>
+              <a:rPr lang="en-US" dirty="0" err="1">
+                <a:latin typeface="Sanskrit Text" panose="02020503050405020304" pitchFamily="18" charset="0"/>
+                <a:cs typeface="Sanskrit Text" panose="02020503050405020304" pitchFamily="18" charset="0"/>
+              </a:rPr>
+              <a:t>NaN</a:t>
+            </a:r>
+            <a:r>
+              <a:rPr lang="en-US" dirty="0">
+                <a:latin typeface="Sanskrit Text" panose="02020503050405020304" pitchFamily="18" charset="0"/>
+                <a:cs typeface="Sanskrit Text" panose="02020503050405020304" pitchFamily="18" charset="0"/>
+              </a:rPr>
+              <a:t> values, </a:t>
+            </a:r>
+            <a:r>
+              <a:rPr lang="en-US" dirty="0" err="1">
+                <a:latin typeface="Sanskrit Text" panose="02020503050405020304" pitchFamily="18" charset="0"/>
+                <a:cs typeface="Sanskrit Text" panose="02020503050405020304" pitchFamily="18" charset="0"/>
+              </a:rPr>
+              <a:t>dtypes</a:t>
+            </a:r>
+            <a:endParaRPr lang="en-US" dirty="0">
+              <a:latin typeface="Sanskrit Text" panose="02020503050405020304" pitchFamily="18" charset="0"/>
+              <a:cs typeface="Sanskrit Text" panose="02020503050405020304" pitchFamily="18" charset="0"/>
+            </a:endParaRPr>
+          </a:p>
+          <a:p>
+            <a:r>
+              <a:rPr lang="en-US" dirty="0">
+                <a:latin typeface="Sanskrit Text" panose="02020503050405020304" pitchFamily="18" charset="0"/>
+                <a:cs typeface="Sanskrit Text" panose="02020503050405020304" pitchFamily="18" charset="0"/>
+              </a:rPr>
+              <a:t>Data Preparation</a:t>
+            </a:r>
+          </a:p>
+          <a:p>
+            <a:pPr lvl="1"/>
+            <a:r>
+              <a:rPr lang="en-US" dirty="0">
+                <a:latin typeface="Sanskrit Text" panose="02020503050405020304" pitchFamily="18" charset="0"/>
+                <a:cs typeface="Sanskrit Text" panose="02020503050405020304" pitchFamily="18" charset="0"/>
+              </a:rPr>
+              <a:t>Feature Selection</a:t>
+            </a:r>
+          </a:p>
+          <a:p>
+            <a:pPr lvl="1"/>
+            <a:r>
+              <a:rPr lang="en-US" dirty="0">
+                <a:latin typeface="Sanskrit Text" panose="02020503050405020304" pitchFamily="18" charset="0"/>
+                <a:cs typeface="Sanskrit Text" panose="02020503050405020304" pitchFamily="18" charset="0"/>
+              </a:rPr>
+              <a:t>Feature Engineering</a:t>
+            </a:r>
+          </a:p>
+          <a:p>
+            <a:r>
+              <a:rPr lang="en-US" dirty="0">
+                <a:latin typeface="Sanskrit Text" panose="02020503050405020304" pitchFamily="18" charset="0"/>
+                <a:cs typeface="Sanskrit Text" panose="02020503050405020304" pitchFamily="18" charset="0"/>
+              </a:rPr>
+              <a:t>For classification:</a:t>
+            </a:r>
+          </a:p>
+          <a:p>
+            <a:pPr lvl="1"/>
+            <a:r>
+              <a:rPr lang="en-US" dirty="0">
+                <a:latin typeface="Sanskrit Text" panose="02020503050405020304" pitchFamily="18" charset="0"/>
+                <a:cs typeface="Sanskrit Text" panose="02020503050405020304" pitchFamily="18" charset="0"/>
+              </a:rPr>
+              <a:t>Over/</a:t>
+            </a:r>
+            <a:r>
+              <a:rPr lang="en-US" dirty="0" err="1">
+                <a:latin typeface="Sanskrit Text" panose="02020503050405020304" pitchFamily="18" charset="0"/>
+                <a:cs typeface="Sanskrit Text" panose="02020503050405020304" pitchFamily="18" charset="0"/>
+              </a:rPr>
+              <a:t>undersampling</a:t>
+            </a:r>
+            <a:r>
+              <a:rPr lang="en-US" dirty="0">
+                <a:latin typeface="Sanskrit Text" panose="02020503050405020304" pitchFamily="18" charset="0"/>
+                <a:cs typeface="Sanskrit Text" panose="02020503050405020304" pitchFamily="18" charset="0"/>
+              </a:rPr>
+              <a:t> for Class Imbalance</a:t>
+            </a:r>
+          </a:p>
+          <a:p>
+            <a:pPr lvl="1"/>
+            <a:r>
+              <a:rPr lang="en-US" dirty="0">
+                <a:latin typeface="Sanskrit Text" panose="02020503050405020304" pitchFamily="18" charset="0"/>
+                <a:cs typeface="Sanskrit Text" panose="02020503050405020304" pitchFamily="18" charset="0"/>
+              </a:rPr>
+              <a:t>Hyperparameter Tuning for </a:t>
+            </a:r>
             <a:r>
               <a:rPr lang="en-US" dirty="0" err="1">
                 <a:latin typeface="Sanskrit Text" panose="02020503050405020304" pitchFamily="18" charset="0"/>
@@ -7973,55 +8328,37 @@
             </a:endParaRPr>
           </a:p>
           <a:p>
-            <a:pPr lvl="1"/>
             <a:r>
               <a:rPr lang="en-US" dirty="0">
                 <a:latin typeface="Sanskrit Text" panose="02020503050405020304" pitchFamily="18" charset="0"/>
                 <a:cs typeface="Sanskrit Text" panose="02020503050405020304" pitchFamily="18" charset="0"/>
               </a:rPr>
-              <a:t>Currently overfit</a:t>
-            </a:r>
-          </a:p>
-          <a:p>
-            <a:r>
-              <a:rPr lang="en-US" dirty="0">
+              <a:t>For Linear Regression:</a:t>
+            </a:r>
+          </a:p>
+          <a:p>
+            <a:pPr lvl="1"/>
+            <a:r>
+              <a:rPr lang="en-US">
                 <a:latin typeface="Sanskrit Text" panose="02020503050405020304" pitchFamily="18" charset="0"/>
                 <a:cs typeface="Sanskrit Text" panose="02020503050405020304" pitchFamily="18" charset="0"/>
               </a:rPr>
-              <a:t>Best linear Model:</a:t>
-            </a:r>
+              <a:t>XGB Regressor</a:t>
+            </a:r>
+            <a:endParaRPr lang="en-US" dirty="0">
+              <a:latin typeface="Sanskrit Text" panose="02020503050405020304" pitchFamily="18" charset="0"/>
+              <a:cs typeface="Sanskrit Text" panose="02020503050405020304" pitchFamily="18" charset="0"/>
+            </a:endParaRPr>
           </a:p>
           <a:p>
             <a:pPr lvl="1"/>
-            <a:r>
-              <a:rPr lang="en-US" dirty="0">
-                <a:latin typeface="Sanskrit Text" panose="02020503050405020304" pitchFamily="18" charset="0"/>
-                <a:cs typeface="Sanskrit Text" panose="02020503050405020304" pitchFamily="18" charset="0"/>
-              </a:rPr>
-              <a:t>R-squared of 0</a:t>
-            </a:r>
+            <a:endParaRPr lang="en-US" dirty="0">
+              <a:latin typeface="Sanskrit Text" panose="02020503050405020304" pitchFamily="18" charset="0"/>
+              <a:cs typeface="Sanskrit Text" panose="02020503050405020304" pitchFamily="18" charset="0"/>
+            </a:endParaRPr>
           </a:p>
           <a:p>
             <a:pPr lvl="1"/>
-            <a:r>
-              <a:rPr lang="en-US" dirty="0">
-                <a:latin typeface="Sanskrit Text" panose="02020503050405020304" pitchFamily="18" charset="0"/>
-                <a:cs typeface="Sanskrit Text" panose="02020503050405020304" pitchFamily="18" charset="0"/>
-              </a:rPr>
-              <a:t>Horrible at explaining variance</a:t>
-            </a:r>
-          </a:p>
-          <a:p>
-            <a:pPr lvl="1"/>
-            <a:r>
-              <a:rPr lang="en-US" dirty="0">
-                <a:latin typeface="Sanskrit Text" panose="02020503050405020304" pitchFamily="18" charset="0"/>
-                <a:cs typeface="Sanskrit Text" panose="02020503050405020304" pitchFamily="18" charset="0"/>
-              </a:rPr>
-              <a:t>Working on reducing features through p-value and coefficient</a:t>
-            </a:r>
-          </a:p>
-          <a:p>
             <a:endParaRPr lang="en-US" dirty="0">
               <a:latin typeface="Sanskrit Text" panose="02020503050405020304" pitchFamily="18" charset="0"/>
               <a:cs typeface="Sanskrit Text" panose="02020503050405020304" pitchFamily="18" charset="0"/>
@@ -8032,7 +8369,7 @@
     </p:spTree>
     <p:extLst>
       <p:ext uri="{BB962C8B-B14F-4D97-AF65-F5344CB8AC3E}">
-        <p14:creationId xmlns:p14="http://schemas.microsoft.com/office/powerpoint/2010/main" val="3116643686"/>
+        <p14:creationId xmlns:p14="http://schemas.microsoft.com/office/powerpoint/2010/main" val="2606240161"/>
       </p:ext>
     </p:extLst>
   </p:cSld>
@@ -8064,7 +8401,7 @@
           <p:cNvPr id="2" name="Title 1">
             <a:extLst>
               <a:ext uri="{FF2B5EF4-FFF2-40B4-BE49-F238E27FC236}">
-                <a16:creationId xmlns:a16="http://schemas.microsoft.com/office/drawing/2014/main" id="{0B451AC1-5569-244B-8A35-C750AB41D915}"/>
+                <a16:creationId xmlns:a16="http://schemas.microsoft.com/office/drawing/2014/main" id="{BBED074E-3852-5746-A04F-0482AE64609F}"/>
               </a:ext>
             </a:extLst>
           </p:cNvPr>
@@ -8085,44 +8422,55 @@
                 <a:latin typeface="Sanskrit Text" panose="02020503050405020304" pitchFamily="18" charset="0"/>
                 <a:cs typeface="Sanskrit Text" panose="02020503050405020304" pitchFamily="18" charset="0"/>
               </a:rPr>
-              <a:t>Visualization</a:t>
+              <a:t>Feature Engineering</a:t>
             </a:r>
           </a:p>
         </p:txBody>
       </p:sp>
-      <p:pic>
-        <p:nvPicPr>
-          <p:cNvPr id="5" name="Content Placeholder 4" descr="Chart, line chart&#10;&#10;Description automatically generated">
-            <a:extLst>
-              <a:ext uri="{FF2B5EF4-FFF2-40B4-BE49-F238E27FC236}">
-                <a16:creationId xmlns:a16="http://schemas.microsoft.com/office/drawing/2014/main" id="{1E952566-D0C4-A346-AC16-B273EA7C897D}"/>
-              </a:ext>
-            </a:extLst>
-          </p:cNvPr>
-          <p:cNvPicPr>
-            <a:picLocks noGrp="1" noChangeAspect="1"/>
-          </p:cNvPicPr>
+      <p:sp>
+        <p:nvSpPr>
+          <p:cNvPr id="3" name="Content Placeholder 2">
+            <a:extLst>
+              <a:ext uri="{FF2B5EF4-FFF2-40B4-BE49-F238E27FC236}">
+                <a16:creationId xmlns:a16="http://schemas.microsoft.com/office/drawing/2014/main" id="{F665778D-7C59-B842-8E43-F5011DAA3C99}"/>
+              </a:ext>
+            </a:extLst>
+          </p:cNvPr>
+          <p:cNvSpPr>
+            <a:spLocks noGrp="1"/>
+          </p:cNvSpPr>
           <p:nvPr>
             <p:ph idx="1"/>
           </p:nvPr>
-        </p:nvPicPr>
-        <p:blipFill>
-          <a:blip r:embed="rId2"/>
-          <a:stretch>
-            <a:fillRect/>
-          </a:stretch>
-        </p:blipFill>
-        <p:spPr>
-          <a:xfrm>
-            <a:off x="3164939" y="1928813"/>
-            <a:ext cx="5862121" cy="4252912"/>
-          </a:xfrm>
-        </p:spPr>
-      </p:pic>
+        </p:nvSpPr>
+        <p:spPr/>
+        <p:txBody>
+          <a:bodyPr/>
+          <a:lstStyle/>
+          <a:p>
+            <a:r>
+              <a:rPr lang="en-US" dirty="0">
+                <a:latin typeface="Sanskrit Text" panose="02020503050405020304" pitchFamily="18" charset="0"/>
+                <a:cs typeface="Sanskrit Text" panose="02020503050405020304" pitchFamily="18" charset="0"/>
+              </a:rPr>
+              <a:t>Improved models significantly</a:t>
+            </a:r>
+          </a:p>
+          <a:p>
+            <a:r>
+              <a:rPr lang="en-US" dirty="0">
+                <a:latin typeface="Sanskrit Text" panose="02020503050405020304" pitchFamily="18" charset="0"/>
+                <a:cs typeface="Sanskrit Text" panose="02020503050405020304" pitchFamily="18" charset="0"/>
+              </a:rPr>
+              <a:t>Transformed correlated features</a:t>
+            </a:r>
+          </a:p>
+        </p:txBody>
+      </p:sp>
     </p:spTree>
     <p:extLst>
       <p:ext uri="{BB962C8B-B14F-4D97-AF65-F5344CB8AC3E}">
-        <p14:creationId xmlns:p14="http://schemas.microsoft.com/office/powerpoint/2010/main" val="301161123"/>
+        <p14:creationId xmlns:p14="http://schemas.microsoft.com/office/powerpoint/2010/main" val="497860811"/>
       </p:ext>
     </p:extLst>
   </p:cSld>
@@ -8154,7 +8502,7 @@
           <p:cNvPr id="2" name="Title 1">
             <a:extLst>
               <a:ext uri="{FF2B5EF4-FFF2-40B4-BE49-F238E27FC236}">
-                <a16:creationId xmlns:a16="http://schemas.microsoft.com/office/drawing/2014/main" id="{3A79EB82-8B22-264A-B3C9-564083CCBFB5}"/>
+                <a16:creationId xmlns:a16="http://schemas.microsoft.com/office/drawing/2014/main" id="{0AA79B75-4C5E-C644-91E9-F6139C54B116}"/>
               </a:ext>
             </a:extLst>
           </p:cNvPr>
@@ -8175,17 +8523,17 @@
                 <a:latin typeface="Sanskrit Text" panose="02020503050405020304" pitchFamily="18" charset="0"/>
                 <a:cs typeface="Sanskrit Text" panose="02020503050405020304" pitchFamily="18" charset="0"/>
               </a:rPr>
-              <a:t>Next Steps</a:t>
+              <a:t>Results/Metrics</a:t>
             </a:r>
           </a:p>
         </p:txBody>
       </p:sp>
       <p:sp>
         <p:nvSpPr>
-          <p:cNvPr id="3" name="Content Placeholder 2">
-            <a:extLst>
-              <a:ext uri="{FF2B5EF4-FFF2-40B4-BE49-F238E27FC236}">
-                <a16:creationId xmlns:a16="http://schemas.microsoft.com/office/drawing/2014/main" id="{81E54D86-4BAF-7447-8F43-45C8DDFAB442}"/>
+          <p:cNvPr id="6" name="Content Placeholder 5">
+            <a:extLst>
+              <a:ext uri="{FF2B5EF4-FFF2-40B4-BE49-F238E27FC236}">
+                <a16:creationId xmlns:a16="http://schemas.microsoft.com/office/drawing/2014/main" id="{E9AEC062-B789-BC48-93A6-05FBD88C9210}"/>
               </a:ext>
             </a:extLst>
           </p:cNvPr>
@@ -8201,14 +8549,222 @@
           <a:bodyPr/>
           <a:lstStyle/>
           <a:p>
+            <a:endParaRPr lang="en-US" dirty="0">
+              <a:latin typeface="Sanskrit Text" panose="02020503050405020304" pitchFamily="18" charset="0"/>
+              <a:cs typeface="Sanskrit Text" panose="02020503050405020304" pitchFamily="18" charset="0"/>
+            </a:endParaRPr>
+          </a:p>
+        </p:txBody>
+      </p:sp>
+    </p:spTree>
+    <p:extLst>
+      <p:ext uri="{BB962C8B-B14F-4D97-AF65-F5344CB8AC3E}">
+        <p14:creationId xmlns:p14="http://schemas.microsoft.com/office/powerpoint/2010/main" val="1996548817"/>
+      </p:ext>
+    </p:extLst>
+  </p:cSld>
+  <p:clrMapOvr>
+    <a:masterClrMapping/>
+  </p:clrMapOvr>
+</p:sld>
+</file>
+
+<file path=ppt/slides/slide7.xml><?xml version="1.0" encoding="utf-8"?>
+<p:sld xmlns:a="http://schemas.openxmlformats.org/drawingml/2006/main" xmlns:r="http://schemas.openxmlformats.org/officeDocument/2006/relationships" xmlns:p="http://schemas.openxmlformats.org/presentationml/2006/main">
+  <p:cSld>
+    <p:spTree>
+      <p:nvGrpSpPr>
+        <p:cNvPr id="1" name=""/>
+        <p:cNvGrpSpPr/>
+        <p:nvPr/>
+      </p:nvGrpSpPr>
+      <p:grpSpPr>
+        <a:xfrm>
+          <a:off x="0" y="0"/>
+          <a:ext cx="0" cy="0"/>
+          <a:chOff x="0" y="0"/>
+          <a:chExt cx="0" cy="0"/>
+        </a:xfrm>
+      </p:grpSpPr>
+      <p:sp>
+        <p:nvSpPr>
+          <p:cNvPr id="2" name="Title 1">
+            <a:extLst>
+              <a:ext uri="{FF2B5EF4-FFF2-40B4-BE49-F238E27FC236}">
+                <a16:creationId xmlns:a16="http://schemas.microsoft.com/office/drawing/2014/main" id="{0AA79B75-4C5E-C644-91E9-F6139C54B116}"/>
+              </a:ext>
+            </a:extLst>
+          </p:cNvPr>
+          <p:cNvSpPr>
+            <a:spLocks noGrp="1"/>
+          </p:cNvSpPr>
+          <p:nvPr>
+            <p:ph type="title"/>
+          </p:nvPr>
+        </p:nvSpPr>
+        <p:spPr/>
+        <p:txBody>
+          <a:bodyPr/>
+          <a:lstStyle/>
+          <a:p>
             <a:r>
               <a:rPr lang="en-US" dirty="0">
                 <a:latin typeface="Sanskrit Text" panose="02020503050405020304" pitchFamily="18" charset="0"/>
                 <a:cs typeface="Sanskrit Text" panose="02020503050405020304" pitchFamily="18" charset="0"/>
               </a:rPr>
-              <a:t>Improve R-squared of multiple regression model</a:t>
-            </a:r>
-          </a:p>
+              <a:t>Why do Banks care?</a:t>
+            </a:r>
+          </a:p>
+        </p:txBody>
+      </p:sp>
+      <p:sp>
+        <p:nvSpPr>
+          <p:cNvPr id="3" name="Content Placeholder 2">
+            <a:extLst>
+              <a:ext uri="{FF2B5EF4-FFF2-40B4-BE49-F238E27FC236}">
+                <a16:creationId xmlns:a16="http://schemas.microsoft.com/office/drawing/2014/main" id="{E4CDD73E-F784-5643-9AA2-36939D1492E8}"/>
+              </a:ext>
+            </a:extLst>
+          </p:cNvPr>
+          <p:cNvSpPr>
+            <a:spLocks noGrp="1"/>
+          </p:cNvSpPr>
+          <p:nvPr>
+            <p:ph idx="1"/>
+          </p:nvPr>
+        </p:nvSpPr>
+        <p:spPr/>
+        <p:txBody>
+          <a:bodyPr/>
+          <a:lstStyle/>
+          <a:p>
+            <a:r>
+              <a:rPr lang="en-US" dirty="0">
+                <a:latin typeface="Sanskrit Text" panose="02020503050405020304" pitchFamily="18" charset="0"/>
+                <a:cs typeface="Sanskrit Text" panose="02020503050405020304" pitchFamily="18" charset="0"/>
+              </a:rPr>
+              <a:t>Loans are the largest portion of any bank’s business</a:t>
+            </a:r>
+          </a:p>
+          <a:p>
+            <a:r>
+              <a:rPr lang="en-US" dirty="0">
+                <a:latin typeface="Sanskrit Text" panose="02020503050405020304" pitchFamily="18" charset="0"/>
+                <a:cs typeface="Sanskrit Text" panose="02020503050405020304" pitchFamily="18" charset="0"/>
+              </a:rPr>
+              <a:t>Preventive measures</a:t>
+            </a:r>
+          </a:p>
+          <a:p>
+            <a:r>
+              <a:rPr lang="en-US" dirty="0">
+                <a:latin typeface="Sanskrit Text" panose="02020503050405020304" pitchFamily="18" charset="0"/>
+                <a:cs typeface="Sanskrit Text" panose="02020503050405020304" pitchFamily="18" charset="0"/>
+              </a:rPr>
+              <a:t>Capital reserves requirements</a:t>
+            </a:r>
+          </a:p>
+          <a:p>
+            <a:r>
+              <a:rPr lang="en-US" dirty="0">
+                <a:latin typeface="Sanskrit Text" panose="02020503050405020304" pitchFamily="18" charset="0"/>
+                <a:cs typeface="Sanskrit Text" panose="02020503050405020304" pitchFamily="18" charset="0"/>
+              </a:rPr>
+              <a:t>Increase profits</a:t>
+            </a:r>
+          </a:p>
+          <a:p>
+            <a:r>
+              <a:rPr lang="en-US" dirty="0">
+                <a:latin typeface="Sanskrit Text" panose="02020503050405020304" pitchFamily="18" charset="0"/>
+                <a:cs typeface="Sanskrit Text" panose="02020503050405020304" pitchFamily="18" charset="0"/>
+              </a:rPr>
+              <a:t>Decrease risks</a:t>
+            </a:r>
+          </a:p>
+        </p:txBody>
+      </p:sp>
+    </p:spTree>
+    <p:extLst>
+      <p:ext uri="{BB962C8B-B14F-4D97-AF65-F5344CB8AC3E}">
+        <p14:creationId xmlns:p14="http://schemas.microsoft.com/office/powerpoint/2010/main" val="3993413614"/>
+      </p:ext>
+    </p:extLst>
+  </p:cSld>
+  <p:clrMapOvr>
+    <a:masterClrMapping/>
+  </p:clrMapOvr>
+</p:sld>
+</file>
+
+<file path=ppt/slides/slide8.xml><?xml version="1.0" encoding="utf-8"?>
+<p:sld xmlns:a="http://schemas.openxmlformats.org/drawingml/2006/main" xmlns:r="http://schemas.openxmlformats.org/officeDocument/2006/relationships" xmlns:p="http://schemas.openxmlformats.org/presentationml/2006/main">
+  <p:cSld>
+    <p:spTree>
+      <p:nvGrpSpPr>
+        <p:cNvPr id="1" name=""/>
+        <p:cNvGrpSpPr/>
+        <p:nvPr/>
+      </p:nvGrpSpPr>
+      <p:grpSpPr>
+        <a:xfrm>
+          <a:off x="0" y="0"/>
+          <a:ext cx="0" cy="0"/>
+          <a:chOff x="0" y="0"/>
+          <a:chExt cx="0" cy="0"/>
+        </a:xfrm>
+      </p:grpSpPr>
+      <p:sp>
+        <p:nvSpPr>
+          <p:cNvPr id="2" name="Title 1">
+            <a:extLst>
+              <a:ext uri="{FF2B5EF4-FFF2-40B4-BE49-F238E27FC236}">
+                <a16:creationId xmlns:a16="http://schemas.microsoft.com/office/drawing/2014/main" id="{3A79EB82-8B22-264A-B3C9-564083CCBFB5}"/>
+              </a:ext>
+            </a:extLst>
+          </p:cNvPr>
+          <p:cNvSpPr>
+            <a:spLocks noGrp="1"/>
+          </p:cNvSpPr>
+          <p:nvPr>
+            <p:ph type="title"/>
+          </p:nvPr>
+        </p:nvSpPr>
+        <p:spPr/>
+        <p:txBody>
+          <a:bodyPr/>
+          <a:lstStyle/>
+          <a:p>
+            <a:r>
+              <a:rPr lang="en-US" dirty="0">
+                <a:latin typeface="Sanskrit Text" panose="02020503050405020304" pitchFamily="18" charset="0"/>
+                <a:cs typeface="Sanskrit Text" panose="02020503050405020304" pitchFamily="18" charset="0"/>
+              </a:rPr>
+              <a:t>Next Steps</a:t>
+            </a:r>
+          </a:p>
+        </p:txBody>
+      </p:sp>
+      <p:sp>
+        <p:nvSpPr>
+          <p:cNvPr id="3" name="Content Placeholder 2">
+            <a:extLst>
+              <a:ext uri="{FF2B5EF4-FFF2-40B4-BE49-F238E27FC236}">
+                <a16:creationId xmlns:a16="http://schemas.microsoft.com/office/drawing/2014/main" id="{81E54D86-4BAF-7447-8F43-45C8DDFAB442}"/>
+              </a:ext>
+            </a:extLst>
+          </p:cNvPr>
+          <p:cNvSpPr>
+            <a:spLocks noGrp="1"/>
+          </p:cNvSpPr>
+          <p:nvPr>
+            <p:ph idx="1"/>
+          </p:nvPr>
+        </p:nvSpPr>
+        <p:spPr/>
+        <p:txBody>
+          <a:bodyPr/>
+          <a:lstStyle/>
           <a:p>
             <a:r>
               <a:rPr lang="en-US" dirty="0">
@@ -8238,6 +8794,452 @@
     <p:extLst>
       <p:ext uri="{BB962C8B-B14F-4D97-AF65-F5344CB8AC3E}">
         <p14:creationId xmlns:p14="http://schemas.microsoft.com/office/powerpoint/2010/main" val="2850634392"/>
+      </p:ext>
+    </p:extLst>
+  </p:cSld>
+  <p:clrMapOvr>
+    <a:masterClrMapping/>
+  </p:clrMapOvr>
+</p:sld>
+</file>
+
+<file path=ppt/slides/slide9.xml><?xml version="1.0" encoding="utf-8"?>
+<p:sld xmlns:a="http://schemas.openxmlformats.org/drawingml/2006/main" xmlns:r="http://schemas.openxmlformats.org/officeDocument/2006/relationships" xmlns:p="http://schemas.openxmlformats.org/presentationml/2006/main">
+  <p:cSld>
+    <p:spTree>
+      <p:nvGrpSpPr>
+        <p:cNvPr id="1" name=""/>
+        <p:cNvGrpSpPr/>
+        <p:nvPr/>
+      </p:nvGrpSpPr>
+      <p:grpSpPr>
+        <a:xfrm>
+          <a:off x="0" y="0"/>
+          <a:ext cx="0" cy="0"/>
+          <a:chOff x="0" y="0"/>
+          <a:chExt cx="0" cy="0"/>
+        </a:xfrm>
+      </p:grpSpPr>
+      <p:sp>
+        <p:nvSpPr>
+          <p:cNvPr id="2" name="Title 1">
+            <a:extLst>
+              <a:ext uri="{FF2B5EF4-FFF2-40B4-BE49-F238E27FC236}">
+                <a16:creationId xmlns:a16="http://schemas.microsoft.com/office/drawing/2014/main" id="{50A46AF8-ABF4-754C-98A2-31DDAF2A3E37}"/>
+              </a:ext>
+            </a:extLst>
+          </p:cNvPr>
+          <p:cNvSpPr>
+            <a:spLocks noGrp="1"/>
+          </p:cNvSpPr>
+          <p:nvPr>
+            <p:ph type="title"/>
+          </p:nvPr>
+        </p:nvSpPr>
+        <p:spPr/>
+        <p:txBody>
+          <a:bodyPr/>
+          <a:lstStyle/>
+          <a:p>
+            <a:pPr algn="ctr"/>
+            <a:r>
+              <a:rPr lang="en-US" dirty="0">
+                <a:latin typeface="Sanskrit Text" panose="02020503050405020304" pitchFamily="18" charset="0"/>
+                <a:cs typeface="Sanskrit Text" panose="02020503050405020304" pitchFamily="18" charset="0"/>
+              </a:rPr>
+              <a:t>Thanks!</a:t>
+            </a:r>
+          </a:p>
+        </p:txBody>
+      </p:sp>
+      <p:sp>
+        <p:nvSpPr>
+          <p:cNvPr id="3" name="Content Placeholder 2">
+            <a:extLst>
+              <a:ext uri="{FF2B5EF4-FFF2-40B4-BE49-F238E27FC236}">
+                <a16:creationId xmlns:a16="http://schemas.microsoft.com/office/drawing/2014/main" id="{AE9203F9-1002-3D4C-A4B9-C7E646F61F8D}"/>
+              </a:ext>
+            </a:extLst>
+          </p:cNvPr>
+          <p:cNvSpPr>
+            <a:spLocks noGrp="1"/>
+          </p:cNvSpPr>
+          <p:nvPr>
+            <p:ph idx="1"/>
+          </p:nvPr>
+        </p:nvSpPr>
+        <p:spPr>
+          <a:xfrm>
+            <a:off x="838200" y="1929384"/>
+            <a:ext cx="10515600" cy="1888990"/>
+          </a:xfrm>
+        </p:spPr>
+        <p:txBody>
+          <a:bodyPr/>
+          <a:lstStyle/>
+          <a:p>
+            <a:r>
+              <a:rPr lang="en-US" dirty="0">
+                <a:latin typeface="Sanskrit Text" panose="02020503050405020304" pitchFamily="18" charset="0"/>
+                <a:cs typeface="Sanskrit Text" panose="02020503050405020304" pitchFamily="18" charset="0"/>
+              </a:rPr>
+              <a:t>Acknowledgements:</a:t>
+            </a:r>
+          </a:p>
+        </p:txBody>
+      </p:sp>
+      <p:pic>
+        <p:nvPicPr>
+          <p:cNvPr id="4" name="Picture 2" descr="Courses - 0 TO 100 ACADEMY">
+            <a:extLst>
+              <a:ext uri="{FF2B5EF4-FFF2-40B4-BE49-F238E27FC236}">
+                <a16:creationId xmlns:a16="http://schemas.microsoft.com/office/drawing/2014/main" id="{DC051F4D-EDF2-BA42-94F8-A3D6D93BEBEB}"/>
+              </a:ext>
+            </a:extLst>
+          </p:cNvPr>
+          <p:cNvPicPr>
+            <a:picLocks noChangeAspect="1" noChangeArrowheads="1"/>
+          </p:cNvPicPr>
+          <p:nvPr/>
+        </p:nvPicPr>
+        <p:blipFill>
+          <a:blip r:embed="rId2">
+            <a:extLst>
+              <a:ext uri="{28A0092B-C50C-407E-A947-70E740481C1C}">
+                <a14:useLocalDpi xmlns:a14="http://schemas.microsoft.com/office/drawing/2010/main" val="0"/>
+              </a:ext>
+            </a:extLst>
+          </a:blip>
+          <a:srcRect/>
+          <a:stretch>
+            <a:fillRect/>
+          </a:stretch>
+        </p:blipFill>
+        <p:spPr bwMode="auto">
+          <a:xfrm>
+            <a:off x="4087944" y="3163658"/>
+            <a:ext cx="829649" cy="795285"/>
+          </a:xfrm>
+          <a:prstGeom prst="rect">
+            <a:avLst/>
+          </a:prstGeom>
+          <a:noFill/>
+          <a:extLst>
+            <a:ext uri="{909E8E84-426E-40DD-AFC4-6F175D3DCCD1}">
+              <a14:hiddenFill xmlns:a14="http://schemas.microsoft.com/office/drawing/2010/main">
+                <a:solidFill>
+                  <a:srgbClr val="FFFFFF"/>
+                </a:solidFill>
+              </a14:hiddenFill>
+            </a:ext>
+          </a:extLst>
+        </p:spPr>
+      </p:pic>
+      <p:pic>
+        <p:nvPicPr>
+          <p:cNvPr id="5" name="Picture 4" descr="scikit-learn Statistics on Twitter followers | Socialbakers">
+            <a:extLst>
+              <a:ext uri="{FF2B5EF4-FFF2-40B4-BE49-F238E27FC236}">
+                <a16:creationId xmlns:a16="http://schemas.microsoft.com/office/drawing/2014/main" id="{AB695731-7B17-E14F-93AB-BFBCE6B033B1}"/>
+              </a:ext>
+            </a:extLst>
+          </p:cNvPr>
+          <p:cNvPicPr>
+            <a:picLocks noChangeAspect="1" noChangeArrowheads="1"/>
+          </p:cNvPicPr>
+          <p:nvPr/>
+        </p:nvPicPr>
+        <p:blipFill>
+          <a:blip r:embed="rId3">
+            <a:extLst>
+              <a:ext uri="{28A0092B-C50C-407E-A947-70E740481C1C}">
+                <a14:useLocalDpi xmlns:a14="http://schemas.microsoft.com/office/drawing/2010/main" val="0"/>
+              </a:ext>
+            </a:extLst>
+          </a:blip>
+          <a:srcRect/>
+          <a:stretch>
+            <a:fillRect/>
+          </a:stretch>
+        </p:blipFill>
+        <p:spPr bwMode="auto">
+          <a:xfrm>
+            <a:off x="3195498" y="3163471"/>
+            <a:ext cx="778748" cy="778748"/>
+          </a:xfrm>
+          <a:prstGeom prst="rect">
+            <a:avLst/>
+          </a:prstGeom>
+          <a:noFill/>
+          <a:extLst>
+            <a:ext uri="{909E8E84-426E-40DD-AFC4-6F175D3DCCD1}">
+              <a14:hiddenFill xmlns:a14="http://schemas.microsoft.com/office/drawing/2010/main">
+                <a:solidFill>
+                  <a:srgbClr val="FFFFFF"/>
+                </a:solidFill>
+              </a14:hiddenFill>
+            </a:ext>
+          </a:extLst>
+        </p:spPr>
+      </p:pic>
+      <p:pic>
+        <p:nvPicPr>
+          <p:cNvPr id="6" name="Picture 8" descr="Announcing the release of seaborn 0.11 | by Michael Waskom | Medium">
+            <a:extLst>
+              <a:ext uri="{FF2B5EF4-FFF2-40B4-BE49-F238E27FC236}">
+                <a16:creationId xmlns:a16="http://schemas.microsoft.com/office/drawing/2014/main" id="{AFD331C5-AA89-8D49-AECF-56EEDD51A7E9}"/>
+              </a:ext>
+            </a:extLst>
+          </p:cNvPr>
+          <p:cNvPicPr>
+            <a:picLocks noChangeAspect="1" noChangeArrowheads="1"/>
+          </p:cNvPicPr>
+          <p:nvPr/>
+        </p:nvPicPr>
+        <p:blipFill>
+          <a:blip r:embed="rId4">
+            <a:extLst>
+              <a:ext uri="{28A0092B-C50C-407E-A947-70E740481C1C}">
+                <a14:useLocalDpi xmlns:a14="http://schemas.microsoft.com/office/drawing/2010/main" val="0"/>
+              </a:ext>
+            </a:extLst>
+          </a:blip>
+          <a:srcRect/>
+          <a:stretch>
+            <a:fillRect/>
+          </a:stretch>
+        </p:blipFill>
+        <p:spPr bwMode="auto">
+          <a:xfrm>
+            <a:off x="2638965" y="2640148"/>
+            <a:ext cx="1480863" cy="423948"/>
+          </a:xfrm>
+          <a:prstGeom prst="rect">
+            <a:avLst/>
+          </a:prstGeom>
+          <a:noFill/>
+          <a:extLst>
+            <a:ext uri="{909E8E84-426E-40DD-AFC4-6F175D3DCCD1}">
+              <a14:hiddenFill xmlns:a14="http://schemas.microsoft.com/office/drawing/2010/main">
+                <a:solidFill>
+                  <a:srgbClr val="FFFFFF"/>
+                </a:solidFill>
+              </a14:hiddenFill>
+            </a:ext>
+          </a:extLst>
+        </p:spPr>
+      </p:pic>
+      <p:pic>
+        <p:nvPicPr>
+          <p:cNvPr id="7" name="Picture 10" descr="How to create NumPy arrays from scratch? | by Tanu N Prabhu | Towards Data  Science">
+            <a:extLst>
+              <a:ext uri="{FF2B5EF4-FFF2-40B4-BE49-F238E27FC236}">
+                <a16:creationId xmlns:a16="http://schemas.microsoft.com/office/drawing/2014/main" id="{A26C8647-AC93-204C-8F71-22653AE63112}"/>
+              </a:ext>
+            </a:extLst>
+          </p:cNvPr>
+          <p:cNvPicPr>
+            <a:picLocks noChangeAspect="1" noChangeArrowheads="1"/>
+          </p:cNvPicPr>
+          <p:nvPr/>
+        </p:nvPicPr>
+        <p:blipFill>
+          <a:blip r:embed="rId5">
+            <a:extLst>
+              <a:ext uri="{28A0092B-C50C-407E-A947-70E740481C1C}">
+                <a14:useLocalDpi xmlns:a14="http://schemas.microsoft.com/office/drawing/2010/main" val="0"/>
+              </a:ext>
+            </a:extLst>
+          </a:blip>
+          <a:srcRect/>
+          <a:stretch>
+            <a:fillRect/>
+          </a:stretch>
+        </p:blipFill>
+        <p:spPr bwMode="auto">
+          <a:xfrm>
+            <a:off x="1708521" y="3374008"/>
+            <a:ext cx="1562784" cy="468836"/>
+          </a:xfrm>
+          <a:prstGeom prst="rect">
+            <a:avLst/>
+          </a:prstGeom>
+          <a:noFill/>
+          <a:extLst>
+            <a:ext uri="{909E8E84-426E-40DD-AFC4-6F175D3DCCD1}">
+              <a14:hiddenFill xmlns:a14="http://schemas.microsoft.com/office/drawing/2010/main">
+                <a:solidFill>
+                  <a:srgbClr val="FFFFFF"/>
+                </a:solidFill>
+              </a14:hiddenFill>
+            </a:ext>
+          </a:extLst>
+        </p:spPr>
+      </p:pic>
+      <p:pic>
+        <p:nvPicPr>
+          <p:cNvPr id="8" name="Picture 12" descr="Learn Pandas: A Complete Introduction for Beginners | Iqra Blogger %">
+            <a:extLst>
+              <a:ext uri="{FF2B5EF4-FFF2-40B4-BE49-F238E27FC236}">
+                <a16:creationId xmlns:a16="http://schemas.microsoft.com/office/drawing/2014/main" id="{07F4F9A2-9DD7-1641-9E3B-BDA5E0AFF4F9}"/>
+              </a:ext>
+            </a:extLst>
+          </p:cNvPr>
+          <p:cNvPicPr>
+            <a:picLocks noChangeAspect="1" noChangeArrowheads="1"/>
+          </p:cNvPicPr>
+          <p:nvPr/>
+        </p:nvPicPr>
+        <p:blipFill>
+          <a:blip r:embed="rId6">
+            <a:extLst>
+              <a:ext uri="{28A0092B-C50C-407E-A947-70E740481C1C}">
+                <a14:useLocalDpi xmlns:a14="http://schemas.microsoft.com/office/drawing/2010/main" val="0"/>
+              </a:ext>
+            </a:extLst>
+          </a:blip>
+          <a:srcRect/>
+          <a:stretch>
+            <a:fillRect/>
+          </a:stretch>
+        </p:blipFill>
+        <p:spPr bwMode="auto">
+          <a:xfrm>
+            <a:off x="1052341" y="2592609"/>
+            <a:ext cx="1365989" cy="466951"/>
+          </a:xfrm>
+          <a:prstGeom prst="rect">
+            <a:avLst/>
+          </a:prstGeom>
+          <a:noFill/>
+          <a:extLst>
+            <a:ext uri="{909E8E84-426E-40DD-AFC4-6F175D3DCCD1}">
+              <a14:hiddenFill xmlns:a14="http://schemas.microsoft.com/office/drawing/2010/main">
+                <a:solidFill>
+                  <a:srgbClr val="FFFFFF"/>
+                </a:solidFill>
+              </a14:hiddenFill>
+            </a:ext>
+          </a:extLst>
+        </p:spPr>
+      </p:pic>
+      <p:pic>
+        <p:nvPicPr>
+          <p:cNvPr id="9" name="Picture 14" descr="Google cloud - Free social media icons">
+            <a:extLst>
+              <a:ext uri="{FF2B5EF4-FFF2-40B4-BE49-F238E27FC236}">
+                <a16:creationId xmlns:a16="http://schemas.microsoft.com/office/drawing/2014/main" id="{B0A8A23D-F253-7349-B74F-2201497AB7CB}"/>
+              </a:ext>
+            </a:extLst>
+          </p:cNvPr>
+          <p:cNvPicPr>
+            <a:picLocks noChangeAspect="1" noChangeArrowheads="1"/>
+          </p:cNvPicPr>
+          <p:nvPr/>
+        </p:nvPicPr>
+        <p:blipFill>
+          <a:blip r:embed="rId7">
+            <a:extLst>
+              <a:ext uri="{28A0092B-C50C-407E-A947-70E740481C1C}">
+                <a14:useLocalDpi xmlns:a14="http://schemas.microsoft.com/office/drawing/2010/main" val="0"/>
+              </a:ext>
+            </a:extLst>
+          </a:blip>
+          <a:srcRect/>
+          <a:stretch>
+            <a:fillRect/>
+          </a:stretch>
+        </p:blipFill>
+        <p:spPr bwMode="auto">
+          <a:xfrm>
+            <a:off x="1052341" y="3284621"/>
+            <a:ext cx="536448" cy="536448"/>
+          </a:xfrm>
+          <a:prstGeom prst="rect">
+            <a:avLst/>
+          </a:prstGeom>
+          <a:noFill/>
+          <a:extLst>
+            <a:ext uri="{909E8E84-426E-40DD-AFC4-6F175D3DCCD1}">
+              <a14:hiddenFill xmlns:a14="http://schemas.microsoft.com/office/drawing/2010/main">
+                <a:solidFill>
+                  <a:srgbClr val="FFFFFF"/>
+                </a:solidFill>
+              </a14:hiddenFill>
+            </a:ext>
+          </a:extLst>
+        </p:spPr>
+      </p:pic>
+      <p:sp>
+        <p:nvSpPr>
+          <p:cNvPr id="10" name="TextBox 9">
+            <a:extLst>
+              <a:ext uri="{FF2B5EF4-FFF2-40B4-BE49-F238E27FC236}">
+                <a16:creationId xmlns:a16="http://schemas.microsoft.com/office/drawing/2014/main" id="{C2EFF84C-6951-F544-AD34-8ED3CCDB319B}"/>
+              </a:ext>
+            </a:extLst>
+          </p:cNvPr>
+          <p:cNvSpPr txBox="1"/>
+          <p:nvPr/>
+        </p:nvSpPr>
+        <p:spPr>
+          <a:xfrm>
+            <a:off x="1056256" y="4229773"/>
+            <a:ext cx="10297544" cy="954107"/>
+          </a:xfrm>
+          <a:prstGeom prst="rect">
+            <a:avLst/>
+          </a:prstGeom>
+          <a:noFill/>
+        </p:spPr>
+        <p:txBody>
+          <a:bodyPr wrap="square" rtlCol="0">
+            <a:spAutoFit/>
+          </a:bodyPr>
+          <a:lstStyle/>
+          <a:p>
+            <a:pPr marL="285750" indent="-285750">
+              <a:buFont typeface="Arial" panose="020B0604020202020204" pitchFamily="34" charset="0"/>
+              <a:buChar char="•"/>
+            </a:pPr>
+            <a:r>
+              <a:rPr lang="en-US" sz="2800" dirty="0">
+                <a:latin typeface="Sanskrit Text" panose="02020503050405020304" pitchFamily="18" charset="0"/>
+                <a:cs typeface="Sanskrit Text" panose="02020503050405020304" pitchFamily="18" charset="0"/>
+              </a:rPr>
+              <a:t>Questions?</a:t>
+            </a:r>
+          </a:p>
+          <a:p>
+            <a:pPr marL="742950" lvl="1" indent="-285750">
+              <a:buFont typeface="Arial" panose="020B0604020202020204" pitchFamily="34" charset="0"/>
+              <a:buChar char="•"/>
+            </a:pPr>
+            <a:r>
+              <a:rPr lang="en-US" sz="2800" dirty="0">
+                <a:latin typeface="Sanskrit Text" panose="02020503050405020304" pitchFamily="18" charset="0"/>
+                <a:cs typeface="Sanskrit Text" panose="02020503050405020304" pitchFamily="18" charset="0"/>
+              </a:rPr>
+              <a:t>Contact me at </a:t>
+            </a:r>
+            <a:r>
+              <a:rPr lang="en-US" sz="2800" dirty="0" err="1">
+                <a:latin typeface="Sanskrit Text" panose="02020503050405020304" pitchFamily="18" charset="0"/>
+                <a:cs typeface="Sanskrit Text" panose="02020503050405020304" pitchFamily="18" charset="0"/>
+              </a:rPr>
+              <a:t>md.ghsd@gmail.com</a:t>
+            </a:r>
+            <a:endParaRPr lang="en-US" sz="2800" dirty="0">
+              <a:latin typeface="Sanskrit Text" panose="02020503050405020304" pitchFamily="18" charset="0"/>
+              <a:cs typeface="Sanskrit Text" panose="02020503050405020304" pitchFamily="18" charset="0"/>
+            </a:endParaRPr>
+          </a:p>
+        </p:txBody>
+      </p:sp>
+    </p:spTree>
+    <p:extLst>
+      <p:ext uri="{BB962C8B-B14F-4D97-AF65-F5344CB8AC3E}">
+        <p14:creationId xmlns:p14="http://schemas.microsoft.com/office/powerpoint/2010/main" val="4233572500"/>
       </p:ext>
     </p:extLst>
   </p:cSld>
@@ -8446,4 +9448,299 @@
     </a:ext>
   </a:extLst>
 </a:theme>
+</file>
+
+<file path=ppt/theme/theme2.xml><?xml version="1.0" encoding="utf-8"?>
+<a:theme xmlns:a="http://schemas.openxmlformats.org/drawingml/2006/main" name="Office Theme">
+  <a:themeElements>
+    <a:clrScheme name="Office">
+      <a:dk1>
+        <a:sysClr val="windowText" lastClr="000000"/>
+      </a:dk1>
+      <a:lt1>
+        <a:sysClr val="window" lastClr="FFFFFF"/>
+      </a:lt1>
+      <a:dk2>
+        <a:srgbClr val="44546A"/>
+      </a:dk2>
+      <a:lt2>
+        <a:srgbClr val="E7E6E6"/>
+      </a:lt2>
+      <a:accent1>
+        <a:srgbClr val="4472C4"/>
+      </a:accent1>
+      <a:accent2>
+        <a:srgbClr val="ED7D31"/>
+      </a:accent2>
+      <a:accent3>
+        <a:srgbClr val="A5A5A5"/>
+      </a:accent3>
+      <a:accent4>
+        <a:srgbClr val="FFC000"/>
+      </a:accent4>
+      <a:accent5>
+        <a:srgbClr val="5B9BD5"/>
+      </a:accent5>
+      <a:accent6>
+        <a:srgbClr val="70AD47"/>
+      </a:accent6>
+      <a:hlink>
+        <a:srgbClr val="0563C1"/>
+      </a:hlink>
+      <a:folHlink>
+        <a:srgbClr val="954F72"/>
+      </a:folHlink>
+    </a:clrScheme>
+    <a:fontScheme name="Office">
+      <a:majorFont>
+        <a:latin typeface="Calibri Light" panose="020F0302020204030204"/>
+        <a:ea typeface=""/>
+        <a:cs typeface=""/>
+        <a:font script="Jpan" typeface="游ゴシック Light"/>
+        <a:font script="Hang" typeface="맑은 고딕"/>
+        <a:font script="Hans" typeface="等线 Light"/>
+        <a:font script="Hant" typeface="新細明體"/>
+        <a:font script="Arab" typeface="Times New Roman"/>
+        <a:font script="Hebr" typeface="Times New Roman"/>
+        <a:font script="Thai" typeface="Angsana New"/>
+        <a:font script="Ethi" typeface="Nyala"/>
+        <a:font script="Beng" typeface="Vrinda"/>
+        <a:font script="Gujr" typeface="Shruti"/>
+        <a:font script="Khmr" typeface="MoolBoran"/>
+        <a:font script="Knda" typeface="Tunga"/>
+        <a:font script="Guru" typeface="Raavi"/>
+        <a:font script="Cans" typeface="Euphemia"/>
+        <a:font script="Cher" typeface="Plantagenet Cherokee"/>
+        <a:font script="Yiii" typeface="Microsoft Yi Baiti"/>
+        <a:font script="Tibt" typeface="Microsoft Himalaya"/>
+        <a:font script="Thaa" typeface="MV Boli"/>
+        <a:font script="Deva" typeface="Mangal"/>
+        <a:font script="Telu" typeface="Gautami"/>
+        <a:font script="Taml" typeface="Latha"/>
+        <a:font script="Syrc" typeface="Estrangelo Edessa"/>
+        <a:font script="Orya" typeface="Kalinga"/>
+        <a:font script="Mlym" typeface="Kartika"/>
+        <a:font script="Laoo" typeface="DokChampa"/>
+        <a:font script="Sinh" typeface="Iskoola Pota"/>
+        <a:font script="Mong" typeface="Mongolian Baiti"/>
+        <a:font script="Viet" typeface="Times New Roman"/>
+        <a:font script="Uigh" typeface="Microsoft Uighur"/>
+        <a:font script="Geor" typeface="Sylfaen"/>
+        <a:font script="Armn" typeface="Arial"/>
+        <a:font script="Bugi" typeface="Leelawadee UI"/>
+        <a:font script="Bopo" typeface="Microsoft JhengHei"/>
+        <a:font script="Java" typeface="Javanese Text"/>
+        <a:font script="Lisu" typeface="Segoe UI"/>
+        <a:font script="Mymr" typeface="Myanmar Text"/>
+        <a:font script="Nkoo" typeface="Ebrima"/>
+        <a:font script="Olck" typeface="Nirmala UI"/>
+        <a:font script="Osma" typeface="Ebrima"/>
+        <a:font script="Phag" typeface="Phagspa"/>
+        <a:font script="Syrn" typeface="Estrangelo Edessa"/>
+        <a:font script="Syrj" typeface="Estrangelo Edessa"/>
+        <a:font script="Syre" typeface="Estrangelo Edessa"/>
+        <a:font script="Sora" typeface="Nirmala UI"/>
+        <a:font script="Tale" typeface="Microsoft Tai Le"/>
+        <a:font script="Talu" typeface="Microsoft New Tai Lue"/>
+        <a:font script="Tfng" typeface="Ebrima"/>
+      </a:majorFont>
+      <a:minorFont>
+        <a:latin typeface="Calibri" panose="020F0502020204030204"/>
+        <a:ea typeface=""/>
+        <a:cs typeface=""/>
+        <a:font script="Jpan" typeface="游ゴシック"/>
+        <a:font script="Hang" typeface="맑은 고딕"/>
+        <a:font script="Hans" typeface="等线"/>
+        <a:font script="Hant" typeface="新細明體"/>
+        <a:font script="Arab" typeface="Arial"/>
+        <a:font script="Hebr" typeface="Arial"/>
+        <a:font script="Thai" typeface="Cordia New"/>
+        <a:font script="Ethi" typeface="Nyala"/>
+        <a:font script="Beng" typeface="Vrinda"/>
+        <a:font script="Gujr" typeface="Shruti"/>
+        <a:font script="Khmr" typeface="DaunPenh"/>
+        <a:font script="Knda" typeface="Tunga"/>
+        <a:font script="Guru" typeface="Raavi"/>
+        <a:font script="Cans" typeface="Euphemia"/>
+        <a:font script="Cher" typeface="Plantagenet Cherokee"/>
+        <a:font script="Yiii" typeface="Microsoft Yi Baiti"/>
+        <a:font script="Tibt" typeface="Microsoft Himalaya"/>
+        <a:font script="Thaa" typeface="MV Boli"/>
+        <a:font script="Deva" typeface="Mangal"/>
+        <a:font script="Telu" typeface="Gautami"/>
+        <a:font script="Taml" typeface="Latha"/>
+        <a:font script="Syrc" typeface="Estrangelo Edessa"/>
+        <a:font script="Orya" typeface="Kalinga"/>
+        <a:font script="Mlym" typeface="Kartika"/>
+        <a:font script="Laoo" typeface="DokChampa"/>
+        <a:font script="Sinh" typeface="Iskoola Pota"/>
+        <a:font script="Mong" typeface="Mongolian Baiti"/>
+        <a:font script="Viet" typeface="Arial"/>
+        <a:font script="Uigh" typeface="Microsoft Uighur"/>
+        <a:font script="Geor" typeface="Sylfaen"/>
+        <a:font script="Armn" typeface="Arial"/>
+        <a:font script="Bugi" typeface="Leelawadee UI"/>
+        <a:font script="Bopo" typeface="Microsoft JhengHei"/>
+        <a:font script="Java" typeface="Javanese Text"/>
+        <a:font script="Lisu" typeface="Segoe UI"/>
+        <a:font script="Mymr" typeface="Myanmar Text"/>
+        <a:font script="Nkoo" typeface="Ebrima"/>
+        <a:font script="Olck" typeface="Nirmala UI"/>
+        <a:font script="Osma" typeface="Ebrima"/>
+        <a:font script="Phag" typeface="Phagspa"/>
+        <a:font script="Syrn" typeface="Estrangelo Edessa"/>
+        <a:font script="Syrj" typeface="Estrangelo Edessa"/>
+        <a:font script="Syre" typeface="Estrangelo Edessa"/>
+        <a:font script="Sora" typeface="Nirmala UI"/>
+        <a:font script="Tale" typeface="Microsoft Tai Le"/>
+        <a:font script="Talu" typeface="Microsoft New Tai Lue"/>
+        <a:font script="Tfng" typeface="Ebrima"/>
+      </a:minorFont>
+    </a:fontScheme>
+    <a:fmtScheme name="Office">
+      <a:fillStyleLst>
+        <a:solidFill>
+          <a:schemeClr val="phClr"/>
+        </a:solidFill>
+        <a:gradFill rotWithShape="1">
+          <a:gsLst>
+            <a:gs pos="0">
+              <a:schemeClr val="phClr">
+                <a:lumMod val="110000"/>
+                <a:satMod val="105000"/>
+                <a:tint val="67000"/>
+              </a:schemeClr>
+            </a:gs>
+            <a:gs pos="50000">
+              <a:schemeClr val="phClr">
+                <a:lumMod val="105000"/>
+                <a:satMod val="103000"/>
+                <a:tint val="73000"/>
+              </a:schemeClr>
+            </a:gs>
+            <a:gs pos="100000">
+              <a:schemeClr val="phClr">
+                <a:lumMod val="105000"/>
+                <a:satMod val="109000"/>
+                <a:tint val="81000"/>
+              </a:schemeClr>
+            </a:gs>
+          </a:gsLst>
+          <a:lin ang="5400000" scaled="0"/>
+        </a:gradFill>
+        <a:gradFill rotWithShape="1">
+          <a:gsLst>
+            <a:gs pos="0">
+              <a:schemeClr val="phClr">
+                <a:satMod val="103000"/>
+                <a:lumMod val="102000"/>
+                <a:tint val="94000"/>
+              </a:schemeClr>
+            </a:gs>
+            <a:gs pos="50000">
+              <a:schemeClr val="phClr">
+                <a:satMod val="110000"/>
+                <a:lumMod val="100000"/>
+                <a:shade val="100000"/>
+              </a:schemeClr>
+            </a:gs>
+            <a:gs pos="100000">
+              <a:schemeClr val="phClr">
+                <a:lumMod val="99000"/>
+                <a:satMod val="120000"/>
+                <a:shade val="78000"/>
+              </a:schemeClr>
+            </a:gs>
+          </a:gsLst>
+          <a:lin ang="5400000" scaled="0"/>
+        </a:gradFill>
+      </a:fillStyleLst>
+      <a:lnStyleLst>
+        <a:ln w="6350" cap="flat" cmpd="sng" algn="ctr">
+          <a:solidFill>
+            <a:schemeClr val="phClr"/>
+          </a:solidFill>
+          <a:prstDash val="solid"/>
+          <a:miter lim="800000"/>
+        </a:ln>
+        <a:ln w="12700" cap="flat" cmpd="sng" algn="ctr">
+          <a:solidFill>
+            <a:schemeClr val="phClr"/>
+          </a:solidFill>
+          <a:prstDash val="solid"/>
+          <a:miter lim="800000"/>
+        </a:ln>
+        <a:ln w="19050" cap="flat" cmpd="sng" algn="ctr">
+          <a:solidFill>
+            <a:schemeClr val="phClr"/>
+          </a:solidFill>
+          <a:prstDash val="solid"/>
+          <a:miter lim="800000"/>
+        </a:ln>
+      </a:lnStyleLst>
+      <a:effectStyleLst>
+        <a:effectStyle>
+          <a:effectLst/>
+        </a:effectStyle>
+        <a:effectStyle>
+          <a:effectLst/>
+        </a:effectStyle>
+        <a:effectStyle>
+          <a:effectLst>
+            <a:outerShdw blurRad="57150" dist="19050" dir="5400000" algn="ctr" rotWithShape="0">
+              <a:srgbClr val="000000">
+                <a:alpha val="63000"/>
+              </a:srgbClr>
+            </a:outerShdw>
+          </a:effectLst>
+        </a:effectStyle>
+      </a:effectStyleLst>
+      <a:bgFillStyleLst>
+        <a:solidFill>
+          <a:schemeClr val="phClr"/>
+        </a:solidFill>
+        <a:solidFill>
+          <a:schemeClr val="phClr">
+            <a:tint val="95000"/>
+            <a:satMod val="170000"/>
+          </a:schemeClr>
+        </a:solidFill>
+        <a:gradFill rotWithShape="1">
+          <a:gsLst>
+            <a:gs pos="0">
+              <a:schemeClr val="phClr">
+                <a:tint val="93000"/>
+                <a:satMod val="150000"/>
+                <a:shade val="98000"/>
+                <a:lumMod val="102000"/>
+              </a:schemeClr>
+            </a:gs>
+            <a:gs pos="50000">
+              <a:schemeClr val="phClr">
+                <a:tint val="98000"/>
+                <a:satMod val="130000"/>
+                <a:shade val="90000"/>
+                <a:lumMod val="103000"/>
+              </a:schemeClr>
+            </a:gs>
+            <a:gs pos="100000">
+              <a:schemeClr val="phClr">
+                <a:shade val="63000"/>
+                <a:satMod val="120000"/>
+              </a:schemeClr>
+            </a:gs>
+          </a:gsLst>
+          <a:lin ang="5400000" scaled="0"/>
+        </a:gradFill>
+      </a:bgFillStyleLst>
+    </a:fmtScheme>
+  </a:themeElements>
+  <a:objectDefaults/>
+  <a:extraClrSchemeLst/>
+  <a:extLst>
+    <a:ext uri="{05A4C25C-085E-4340-85A3-A5531E510DB2}">
+      <thm15:themeFamily xmlns:thm15="http://schemas.microsoft.com/office/thememl/2012/main" name="Office Theme" id="{62F939B6-93AF-4DB8-9C6B-D6C7DFDC589F}" vid="{4A3C46E8-61CC-4603-A589-7422A47A8E4A}"/>
+    </a:ext>
+  </a:extLst>
+</a:theme>
 </file>
--- a/presentation/mvp .pptx
+++ b/presentation/mvp .pptx
@@ -5,18 +5,19 @@
     <p:sldMasterId id="2147483686" r:id="rId1"/>
   </p:sldMasterIdLst>
   <p:notesMasterIdLst>
-    <p:notesMasterId r:id="rId11"/>
+    <p:notesMasterId r:id="rId12"/>
   </p:notesMasterIdLst>
   <p:sldIdLst>
     <p:sldId id="256" r:id="rId2"/>
     <p:sldId id="286" r:id="rId3"/>
     <p:sldId id="291" r:id="rId4"/>
     <p:sldId id="287" r:id="rId5"/>
-    <p:sldId id="289" r:id="rId6"/>
-    <p:sldId id="288" r:id="rId7"/>
-    <p:sldId id="290" r:id="rId8"/>
-    <p:sldId id="261" r:id="rId9"/>
-    <p:sldId id="285" r:id="rId10"/>
+    <p:sldId id="288" r:id="rId6"/>
+    <p:sldId id="294" r:id="rId7"/>
+    <p:sldId id="293" r:id="rId8"/>
+    <p:sldId id="292" r:id="rId9"/>
+    <p:sldId id="261" r:id="rId10"/>
+    <p:sldId id="285" r:id="rId11"/>
   </p:sldIdLst>
   <p:sldSz cx="12192000" cy="6858000"/>
   <p:notesSz cx="6858000" cy="9144000"/>
@@ -205,7 +206,7 @@
           <a:p>
             <a:fld id="{668C48E3-7567-B94B-9019-BF6912A31FE8}" type="datetimeFigureOut">
               <a:rPr lang="en-US" smtClean="0"/>
-              <a:t>12/3/20</a:t>
+              <a:t>12/4/20</a:t>
             </a:fld>
             <a:endParaRPr lang="en-US"/>
           </a:p>
@@ -960,7 +961,7 @@
           <a:p>
             <a:fld id="{72345051-2045-45DA-935E-2E3CA1A69ADC}" type="datetimeFigureOut">
               <a:rPr lang="en-US" smtClean="0"/>
-              <a:t>12/3/20</a:t>
+              <a:t>12/4/20</a:t>
             </a:fld>
             <a:endParaRPr lang="en-US" dirty="0"/>
           </a:p>
@@ -1158,7 +1159,7 @@
           <a:p>
             <a:fld id="{72345051-2045-45DA-935E-2E3CA1A69ADC}" type="datetimeFigureOut">
               <a:rPr lang="en-US" smtClean="0"/>
-              <a:t>12/3/20</a:t>
+              <a:t>12/4/20</a:t>
             </a:fld>
             <a:endParaRPr lang="en-US"/>
           </a:p>
@@ -1366,7 +1367,7 @@
           <a:p>
             <a:fld id="{72345051-2045-45DA-935E-2E3CA1A69ADC}" type="datetimeFigureOut">
               <a:rPr lang="en-US" smtClean="0"/>
-              <a:t>12/3/20</a:t>
+              <a:t>12/4/20</a:t>
             </a:fld>
             <a:endParaRPr lang="en-US"/>
           </a:p>
@@ -1588,7 +1589,7 @@
           <a:p>
             <a:fld id="{72345051-2045-45DA-935E-2E3CA1A69ADC}" type="datetimeFigureOut">
               <a:rPr lang="en-US" smtClean="0"/>
-              <a:t>12/3/20</a:t>
+              <a:t>12/4/20</a:t>
             </a:fld>
             <a:endParaRPr lang="en-US"/>
           </a:p>
@@ -2499,7 +2500,7 @@
           <a:p>
             <a:fld id="{72345051-2045-45DA-935E-2E3CA1A69ADC}" type="datetimeFigureOut">
               <a:rPr lang="en-US" smtClean="0"/>
-              <a:t>12/3/20</a:t>
+              <a:t>12/4/20</a:t>
             </a:fld>
             <a:endParaRPr lang="en-US"/>
           </a:p>
@@ -3102,7 +3103,7 @@
           <a:p>
             <a:fld id="{72345051-2045-45DA-935E-2E3CA1A69ADC}" type="datetimeFigureOut">
               <a:rPr lang="en-US" smtClean="0"/>
-              <a:t>12/3/20</a:t>
+              <a:t>12/4/20</a:t>
             </a:fld>
             <a:endParaRPr lang="en-US"/>
           </a:p>
@@ -4150,7 +4151,7 @@
           <a:p>
             <a:fld id="{72345051-2045-45DA-935E-2E3CA1A69ADC}" type="datetimeFigureOut">
               <a:rPr lang="en-US" smtClean="0"/>
-              <a:t>12/3/20</a:t>
+              <a:t>12/4/20</a:t>
             </a:fld>
             <a:endParaRPr lang="en-US"/>
           </a:p>
@@ -4934,7 +4935,7 @@
           <a:p>
             <a:fld id="{72345051-2045-45DA-935E-2E3CA1A69ADC}" type="datetimeFigureOut">
               <a:rPr lang="en-US" smtClean="0"/>
-              <a:t>12/3/20</a:t>
+              <a:t>12/4/20</a:t>
             </a:fld>
             <a:endParaRPr lang="en-US"/>
           </a:p>
@@ -5383,7 +5384,7 @@
           <a:p>
             <a:fld id="{72345051-2045-45DA-935E-2E3CA1A69ADC}" type="datetimeFigureOut">
               <a:rPr lang="en-US" smtClean="0"/>
-              <a:t>12/3/20</a:t>
+              <a:t>12/4/20</a:t>
             </a:fld>
             <a:endParaRPr lang="en-US"/>
           </a:p>
@@ -5700,7 +5701,7 @@
           <a:p>
             <a:fld id="{72345051-2045-45DA-935E-2E3CA1A69ADC}" type="datetimeFigureOut">
               <a:rPr lang="en-US" smtClean="0"/>
-              <a:t>12/3/20</a:t>
+              <a:t>12/4/20</a:t>
             </a:fld>
             <a:endParaRPr lang="en-US"/>
           </a:p>
@@ -6328,7 +6329,7 @@
           <a:p>
             <a:fld id="{72345051-2045-45DA-935E-2E3CA1A69ADC}" type="datetimeFigureOut">
               <a:rPr lang="en-US" smtClean="0"/>
-              <a:t>12/3/20</a:t>
+              <a:t>12/4/20</a:t>
             </a:fld>
             <a:endParaRPr lang="en-US"/>
           </a:p>
@@ -6901,7 +6902,7 @@
           <a:p>
             <a:fld id="{72345051-2045-45DA-935E-2E3CA1A69ADC}" type="datetimeFigureOut">
               <a:rPr lang="en-US" smtClean="0"/>
-              <a:t>12/3/20</a:t>
+              <a:t>12/4/20</a:t>
             </a:fld>
             <a:endParaRPr lang="en-US" dirty="0"/>
           </a:p>
@@ -7419,7 +7420,7 @@
                 <a:latin typeface="Sanskrit Text" panose="020B0604020202020204" pitchFamily="34" charset="0"/>
                 <a:cs typeface="Sanskrit Text" panose="020B0604020202020204" pitchFamily="34" charset="0"/>
               </a:rPr>
-              <a:t>Credit Risk Prediction using Machine Learning</a:t>
+              <a:t>Loan Portfolio Risk using Machine Learning</a:t>
             </a:r>
           </a:p>
         </p:txBody>
@@ -7889,6 +7890,452 @@
 </p:sld>
 </file>
 
+<file path=ppt/slides/slide10.xml><?xml version="1.0" encoding="utf-8"?>
+<p:sld xmlns:a="http://schemas.openxmlformats.org/drawingml/2006/main" xmlns:r="http://schemas.openxmlformats.org/officeDocument/2006/relationships" xmlns:p="http://schemas.openxmlformats.org/presentationml/2006/main">
+  <p:cSld>
+    <p:spTree>
+      <p:nvGrpSpPr>
+        <p:cNvPr id="1" name=""/>
+        <p:cNvGrpSpPr/>
+        <p:nvPr/>
+      </p:nvGrpSpPr>
+      <p:grpSpPr>
+        <a:xfrm>
+          <a:off x="0" y="0"/>
+          <a:ext cx="0" cy="0"/>
+          <a:chOff x="0" y="0"/>
+          <a:chExt cx="0" cy="0"/>
+        </a:xfrm>
+      </p:grpSpPr>
+      <p:sp>
+        <p:nvSpPr>
+          <p:cNvPr id="2" name="Title 1">
+            <a:extLst>
+              <a:ext uri="{FF2B5EF4-FFF2-40B4-BE49-F238E27FC236}">
+                <a16:creationId xmlns:a16="http://schemas.microsoft.com/office/drawing/2014/main" id="{50A46AF8-ABF4-754C-98A2-31DDAF2A3E37}"/>
+              </a:ext>
+            </a:extLst>
+          </p:cNvPr>
+          <p:cNvSpPr>
+            <a:spLocks noGrp="1"/>
+          </p:cNvSpPr>
+          <p:nvPr>
+            <p:ph type="title"/>
+          </p:nvPr>
+        </p:nvSpPr>
+        <p:spPr/>
+        <p:txBody>
+          <a:bodyPr/>
+          <a:lstStyle/>
+          <a:p>
+            <a:pPr algn="ctr"/>
+            <a:r>
+              <a:rPr lang="en-US" dirty="0">
+                <a:latin typeface="Sanskrit Text" panose="02020503050405020304" pitchFamily="18" charset="0"/>
+                <a:cs typeface="Sanskrit Text" panose="02020503050405020304" pitchFamily="18" charset="0"/>
+              </a:rPr>
+              <a:t>Thanks!</a:t>
+            </a:r>
+          </a:p>
+        </p:txBody>
+      </p:sp>
+      <p:sp>
+        <p:nvSpPr>
+          <p:cNvPr id="3" name="Content Placeholder 2">
+            <a:extLst>
+              <a:ext uri="{FF2B5EF4-FFF2-40B4-BE49-F238E27FC236}">
+                <a16:creationId xmlns:a16="http://schemas.microsoft.com/office/drawing/2014/main" id="{AE9203F9-1002-3D4C-A4B9-C7E646F61F8D}"/>
+              </a:ext>
+            </a:extLst>
+          </p:cNvPr>
+          <p:cNvSpPr>
+            <a:spLocks noGrp="1"/>
+          </p:cNvSpPr>
+          <p:nvPr>
+            <p:ph idx="1"/>
+          </p:nvPr>
+        </p:nvSpPr>
+        <p:spPr>
+          <a:xfrm>
+            <a:off x="838200" y="1929384"/>
+            <a:ext cx="10515600" cy="1888990"/>
+          </a:xfrm>
+        </p:spPr>
+        <p:txBody>
+          <a:bodyPr/>
+          <a:lstStyle/>
+          <a:p>
+            <a:r>
+              <a:rPr lang="en-US" dirty="0">
+                <a:latin typeface="Sanskrit Text" panose="02020503050405020304" pitchFamily="18" charset="0"/>
+                <a:cs typeface="Sanskrit Text" panose="02020503050405020304" pitchFamily="18" charset="0"/>
+              </a:rPr>
+              <a:t>Open source tools:</a:t>
+            </a:r>
+          </a:p>
+        </p:txBody>
+      </p:sp>
+      <p:pic>
+        <p:nvPicPr>
+          <p:cNvPr id="4" name="Picture 2" descr="Courses - 0 TO 100 ACADEMY">
+            <a:extLst>
+              <a:ext uri="{FF2B5EF4-FFF2-40B4-BE49-F238E27FC236}">
+                <a16:creationId xmlns:a16="http://schemas.microsoft.com/office/drawing/2014/main" id="{DC051F4D-EDF2-BA42-94F8-A3D6D93BEBEB}"/>
+              </a:ext>
+            </a:extLst>
+          </p:cNvPr>
+          <p:cNvPicPr>
+            <a:picLocks noChangeAspect="1" noChangeArrowheads="1"/>
+          </p:cNvPicPr>
+          <p:nvPr/>
+        </p:nvPicPr>
+        <p:blipFill>
+          <a:blip r:embed="rId2">
+            <a:extLst>
+              <a:ext uri="{28A0092B-C50C-407E-A947-70E740481C1C}">
+                <a14:useLocalDpi xmlns:a14="http://schemas.microsoft.com/office/drawing/2010/main" val="0"/>
+              </a:ext>
+            </a:extLst>
+          </a:blip>
+          <a:srcRect/>
+          <a:stretch>
+            <a:fillRect/>
+          </a:stretch>
+        </p:blipFill>
+        <p:spPr bwMode="auto">
+          <a:xfrm>
+            <a:off x="4087944" y="3163658"/>
+            <a:ext cx="829649" cy="795285"/>
+          </a:xfrm>
+          <a:prstGeom prst="rect">
+            <a:avLst/>
+          </a:prstGeom>
+          <a:noFill/>
+          <a:extLst>
+            <a:ext uri="{909E8E84-426E-40DD-AFC4-6F175D3DCCD1}">
+              <a14:hiddenFill xmlns:a14="http://schemas.microsoft.com/office/drawing/2010/main">
+                <a:solidFill>
+                  <a:srgbClr val="FFFFFF"/>
+                </a:solidFill>
+              </a14:hiddenFill>
+            </a:ext>
+          </a:extLst>
+        </p:spPr>
+      </p:pic>
+      <p:pic>
+        <p:nvPicPr>
+          <p:cNvPr id="5" name="Picture 4" descr="scikit-learn Statistics on Twitter followers | Socialbakers">
+            <a:extLst>
+              <a:ext uri="{FF2B5EF4-FFF2-40B4-BE49-F238E27FC236}">
+                <a16:creationId xmlns:a16="http://schemas.microsoft.com/office/drawing/2014/main" id="{AB695731-7B17-E14F-93AB-BFBCE6B033B1}"/>
+              </a:ext>
+            </a:extLst>
+          </p:cNvPr>
+          <p:cNvPicPr>
+            <a:picLocks noChangeAspect="1" noChangeArrowheads="1"/>
+          </p:cNvPicPr>
+          <p:nvPr/>
+        </p:nvPicPr>
+        <p:blipFill>
+          <a:blip r:embed="rId3">
+            <a:extLst>
+              <a:ext uri="{28A0092B-C50C-407E-A947-70E740481C1C}">
+                <a14:useLocalDpi xmlns:a14="http://schemas.microsoft.com/office/drawing/2010/main" val="0"/>
+              </a:ext>
+            </a:extLst>
+          </a:blip>
+          <a:srcRect/>
+          <a:stretch>
+            <a:fillRect/>
+          </a:stretch>
+        </p:blipFill>
+        <p:spPr bwMode="auto">
+          <a:xfrm>
+            <a:off x="3195498" y="3163471"/>
+            <a:ext cx="778748" cy="778748"/>
+          </a:xfrm>
+          <a:prstGeom prst="rect">
+            <a:avLst/>
+          </a:prstGeom>
+          <a:noFill/>
+          <a:extLst>
+            <a:ext uri="{909E8E84-426E-40DD-AFC4-6F175D3DCCD1}">
+              <a14:hiddenFill xmlns:a14="http://schemas.microsoft.com/office/drawing/2010/main">
+                <a:solidFill>
+                  <a:srgbClr val="FFFFFF"/>
+                </a:solidFill>
+              </a14:hiddenFill>
+            </a:ext>
+          </a:extLst>
+        </p:spPr>
+      </p:pic>
+      <p:pic>
+        <p:nvPicPr>
+          <p:cNvPr id="6" name="Picture 8" descr="Announcing the release of seaborn 0.11 | by Michael Waskom | Medium">
+            <a:extLst>
+              <a:ext uri="{FF2B5EF4-FFF2-40B4-BE49-F238E27FC236}">
+                <a16:creationId xmlns:a16="http://schemas.microsoft.com/office/drawing/2014/main" id="{AFD331C5-AA89-8D49-AECF-56EEDD51A7E9}"/>
+              </a:ext>
+            </a:extLst>
+          </p:cNvPr>
+          <p:cNvPicPr>
+            <a:picLocks noChangeAspect="1" noChangeArrowheads="1"/>
+          </p:cNvPicPr>
+          <p:nvPr/>
+        </p:nvPicPr>
+        <p:blipFill>
+          <a:blip r:embed="rId4">
+            <a:extLst>
+              <a:ext uri="{28A0092B-C50C-407E-A947-70E740481C1C}">
+                <a14:useLocalDpi xmlns:a14="http://schemas.microsoft.com/office/drawing/2010/main" val="0"/>
+              </a:ext>
+            </a:extLst>
+          </a:blip>
+          <a:srcRect/>
+          <a:stretch>
+            <a:fillRect/>
+          </a:stretch>
+        </p:blipFill>
+        <p:spPr bwMode="auto">
+          <a:xfrm>
+            <a:off x="2638965" y="2640148"/>
+            <a:ext cx="1480863" cy="423948"/>
+          </a:xfrm>
+          <a:prstGeom prst="rect">
+            <a:avLst/>
+          </a:prstGeom>
+          <a:noFill/>
+          <a:extLst>
+            <a:ext uri="{909E8E84-426E-40DD-AFC4-6F175D3DCCD1}">
+              <a14:hiddenFill xmlns:a14="http://schemas.microsoft.com/office/drawing/2010/main">
+                <a:solidFill>
+                  <a:srgbClr val="FFFFFF"/>
+                </a:solidFill>
+              </a14:hiddenFill>
+            </a:ext>
+          </a:extLst>
+        </p:spPr>
+      </p:pic>
+      <p:pic>
+        <p:nvPicPr>
+          <p:cNvPr id="7" name="Picture 10" descr="How to create NumPy arrays from scratch? | by Tanu N Prabhu | Towards Data  Science">
+            <a:extLst>
+              <a:ext uri="{FF2B5EF4-FFF2-40B4-BE49-F238E27FC236}">
+                <a16:creationId xmlns:a16="http://schemas.microsoft.com/office/drawing/2014/main" id="{A26C8647-AC93-204C-8F71-22653AE63112}"/>
+              </a:ext>
+            </a:extLst>
+          </p:cNvPr>
+          <p:cNvPicPr>
+            <a:picLocks noChangeAspect="1" noChangeArrowheads="1"/>
+          </p:cNvPicPr>
+          <p:nvPr/>
+        </p:nvPicPr>
+        <p:blipFill>
+          <a:blip r:embed="rId5">
+            <a:extLst>
+              <a:ext uri="{28A0092B-C50C-407E-A947-70E740481C1C}">
+                <a14:useLocalDpi xmlns:a14="http://schemas.microsoft.com/office/drawing/2010/main" val="0"/>
+              </a:ext>
+            </a:extLst>
+          </a:blip>
+          <a:srcRect/>
+          <a:stretch>
+            <a:fillRect/>
+          </a:stretch>
+        </p:blipFill>
+        <p:spPr bwMode="auto">
+          <a:xfrm>
+            <a:off x="1708521" y="3374008"/>
+            <a:ext cx="1562784" cy="468836"/>
+          </a:xfrm>
+          <a:prstGeom prst="rect">
+            <a:avLst/>
+          </a:prstGeom>
+          <a:noFill/>
+          <a:extLst>
+            <a:ext uri="{909E8E84-426E-40DD-AFC4-6F175D3DCCD1}">
+              <a14:hiddenFill xmlns:a14="http://schemas.microsoft.com/office/drawing/2010/main">
+                <a:solidFill>
+                  <a:srgbClr val="FFFFFF"/>
+                </a:solidFill>
+              </a14:hiddenFill>
+            </a:ext>
+          </a:extLst>
+        </p:spPr>
+      </p:pic>
+      <p:pic>
+        <p:nvPicPr>
+          <p:cNvPr id="8" name="Picture 12" descr="Learn Pandas: A Complete Introduction for Beginners | Iqra Blogger %">
+            <a:extLst>
+              <a:ext uri="{FF2B5EF4-FFF2-40B4-BE49-F238E27FC236}">
+                <a16:creationId xmlns:a16="http://schemas.microsoft.com/office/drawing/2014/main" id="{07F4F9A2-9DD7-1641-9E3B-BDA5E0AFF4F9}"/>
+              </a:ext>
+            </a:extLst>
+          </p:cNvPr>
+          <p:cNvPicPr>
+            <a:picLocks noChangeAspect="1" noChangeArrowheads="1"/>
+          </p:cNvPicPr>
+          <p:nvPr/>
+        </p:nvPicPr>
+        <p:blipFill>
+          <a:blip r:embed="rId6">
+            <a:extLst>
+              <a:ext uri="{28A0092B-C50C-407E-A947-70E740481C1C}">
+                <a14:useLocalDpi xmlns:a14="http://schemas.microsoft.com/office/drawing/2010/main" val="0"/>
+              </a:ext>
+            </a:extLst>
+          </a:blip>
+          <a:srcRect/>
+          <a:stretch>
+            <a:fillRect/>
+          </a:stretch>
+        </p:blipFill>
+        <p:spPr bwMode="auto">
+          <a:xfrm>
+            <a:off x="1052341" y="2592609"/>
+            <a:ext cx="1365989" cy="466951"/>
+          </a:xfrm>
+          <a:prstGeom prst="rect">
+            <a:avLst/>
+          </a:prstGeom>
+          <a:noFill/>
+          <a:extLst>
+            <a:ext uri="{909E8E84-426E-40DD-AFC4-6F175D3DCCD1}">
+              <a14:hiddenFill xmlns:a14="http://schemas.microsoft.com/office/drawing/2010/main">
+                <a:solidFill>
+                  <a:srgbClr val="FFFFFF"/>
+                </a:solidFill>
+              </a14:hiddenFill>
+            </a:ext>
+          </a:extLst>
+        </p:spPr>
+      </p:pic>
+      <p:pic>
+        <p:nvPicPr>
+          <p:cNvPr id="9" name="Picture 14" descr="Google cloud - Free social media icons">
+            <a:extLst>
+              <a:ext uri="{FF2B5EF4-FFF2-40B4-BE49-F238E27FC236}">
+                <a16:creationId xmlns:a16="http://schemas.microsoft.com/office/drawing/2014/main" id="{B0A8A23D-F253-7349-B74F-2201497AB7CB}"/>
+              </a:ext>
+            </a:extLst>
+          </p:cNvPr>
+          <p:cNvPicPr>
+            <a:picLocks noChangeAspect="1" noChangeArrowheads="1"/>
+          </p:cNvPicPr>
+          <p:nvPr/>
+        </p:nvPicPr>
+        <p:blipFill>
+          <a:blip r:embed="rId7">
+            <a:extLst>
+              <a:ext uri="{28A0092B-C50C-407E-A947-70E740481C1C}">
+                <a14:useLocalDpi xmlns:a14="http://schemas.microsoft.com/office/drawing/2010/main" val="0"/>
+              </a:ext>
+            </a:extLst>
+          </a:blip>
+          <a:srcRect/>
+          <a:stretch>
+            <a:fillRect/>
+          </a:stretch>
+        </p:blipFill>
+        <p:spPr bwMode="auto">
+          <a:xfrm>
+            <a:off x="1052341" y="3284621"/>
+            <a:ext cx="536448" cy="536448"/>
+          </a:xfrm>
+          <a:prstGeom prst="rect">
+            <a:avLst/>
+          </a:prstGeom>
+          <a:noFill/>
+          <a:extLst>
+            <a:ext uri="{909E8E84-426E-40DD-AFC4-6F175D3DCCD1}">
+              <a14:hiddenFill xmlns:a14="http://schemas.microsoft.com/office/drawing/2010/main">
+                <a:solidFill>
+                  <a:srgbClr val="FFFFFF"/>
+                </a:solidFill>
+              </a14:hiddenFill>
+            </a:ext>
+          </a:extLst>
+        </p:spPr>
+      </p:pic>
+      <p:sp>
+        <p:nvSpPr>
+          <p:cNvPr id="10" name="TextBox 9">
+            <a:extLst>
+              <a:ext uri="{FF2B5EF4-FFF2-40B4-BE49-F238E27FC236}">
+                <a16:creationId xmlns:a16="http://schemas.microsoft.com/office/drawing/2014/main" id="{C2EFF84C-6951-F544-AD34-8ED3CCDB319B}"/>
+              </a:ext>
+            </a:extLst>
+          </p:cNvPr>
+          <p:cNvSpPr txBox="1"/>
+          <p:nvPr/>
+        </p:nvSpPr>
+        <p:spPr>
+          <a:xfrm>
+            <a:off x="1056256" y="4229773"/>
+            <a:ext cx="10297544" cy="954107"/>
+          </a:xfrm>
+          <a:prstGeom prst="rect">
+            <a:avLst/>
+          </a:prstGeom>
+          <a:noFill/>
+        </p:spPr>
+        <p:txBody>
+          <a:bodyPr wrap="square" rtlCol="0">
+            <a:spAutoFit/>
+          </a:bodyPr>
+          <a:lstStyle/>
+          <a:p>
+            <a:pPr marL="285750" indent="-285750">
+              <a:buFont typeface="Arial" panose="020B0604020202020204" pitchFamily="34" charset="0"/>
+              <a:buChar char="•"/>
+            </a:pPr>
+            <a:r>
+              <a:rPr lang="en-US" sz="2800" dirty="0">
+                <a:latin typeface="Sanskrit Text" panose="02020503050405020304" pitchFamily="18" charset="0"/>
+                <a:cs typeface="Sanskrit Text" panose="02020503050405020304" pitchFamily="18" charset="0"/>
+              </a:rPr>
+              <a:t>Questions?</a:t>
+            </a:r>
+          </a:p>
+          <a:p>
+            <a:pPr marL="742950" lvl="1" indent="-285750">
+              <a:buFont typeface="Arial" panose="020B0604020202020204" pitchFamily="34" charset="0"/>
+              <a:buChar char="•"/>
+            </a:pPr>
+            <a:r>
+              <a:rPr lang="en-US" sz="2800" dirty="0">
+                <a:latin typeface="Sanskrit Text" panose="02020503050405020304" pitchFamily="18" charset="0"/>
+                <a:cs typeface="Sanskrit Text" panose="02020503050405020304" pitchFamily="18" charset="0"/>
+              </a:rPr>
+              <a:t>Contact me at </a:t>
+            </a:r>
+            <a:r>
+              <a:rPr lang="en-US" sz="2800" dirty="0" err="1">
+                <a:latin typeface="Sanskrit Text" panose="02020503050405020304" pitchFamily="18" charset="0"/>
+                <a:cs typeface="Sanskrit Text" panose="02020503050405020304" pitchFamily="18" charset="0"/>
+              </a:rPr>
+              <a:t>md.ghsd@gmail.com</a:t>
+            </a:r>
+            <a:endParaRPr lang="en-US" sz="2800" dirty="0">
+              <a:latin typeface="Sanskrit Text" panose="02020503050405020304" pitchFamily="18" charset="0"/>
+              <a:cs typeface="Sanskrit Text" panose="02020503050405020304" pitchFamily="18" charset="0"/>
+            </a:endParaRPr>
+          </a:p>
+        </p:txBody>
+      </p:sp>
+    </p:spTree>
+    <p:extLst>
+      <p:ext uri="{BB962C8B-B14F-4D97-AF65-F5344CB8AC3E}">
+        <p14:creationId xmlns:p14="http://schemas.microsoft.com/office/powerpoint/2010/main" val="4233572500"/>
+      </p:ext>
+    </p:extLst>
+  </p:cSld>
+  <p:clrMapOvr>
+    <a:masterClrMapping/>
+  </p:clrMapOvr>
+</p:sld>
+</file>
+
 <file path=ppt/slides/slide2.xml><?xml version="1.0" encoding="utf-8"?>
 <p:sld xmlns:a="http://schemas.openxmlformats.org/drawingml/2006/main" xmlns:r="http://schemas.openxmlformats.org/officeDocument/2006/relationships" xmlns:p="http://schemas.openxmlformats.org/presentationml/2006/main">
   <p:cSld>
@@ -7925,16 +8372,16 @@
         <p:spPr/>
         <p:txBody>
           <a:bodyPr>
-            <a:normAutofit fontScale="90000"/>
+            <a:noAutofit/>
           </a:bodyPr>
           <a:lstStyle/>
           <a:p>
             <a:r>
-              <a:rPr lang="en-US" dirty="0">
+              <a:rPr lang="en-US" sz="4000" dirty="0">
                 <a:latin typeface="Sanskrit Text" panose="02020503050405020304" pitchFamily="18" charset="0"/>
                 <a:cs typeface="Sanskrit Text" panose="02020503050405020304" pitchFamily="18" charset="0"/>
               </a:rPr>
-              <a:t>Can I predict loan loss of a particular loan?</a:t>
+              <a:t>Can I predict the total loan loss of a bank’s loan portfolio? (create diagram slide)</a:t>
             </a:r>
           </a:p>
         </p:txBody>
@@ -7965,35 +8412,76 @@
                 <a:latin typeface="Sanskrit Text" panose="02020503050405020304" pitchFamily="18" charset="0"/>
                 <a:cs typeface="Sanskrit Text" panose="02020503050405020304" pitchFamily="18" charset="0"/>
               </a:rPr>
-              <a:t>Establish audience (in progress)</a:t>
-            </a:r>
-          </a:p>
-          <a:p>
+              <a:t>Objective:</a:t>
+            </a:r>
+          </a:p>
+          <a:p>
+            <a:pPr lvl="1"/>
             <a:r>
               <a:rPr lang="en-US" dirty="0">
                 <a:latin typeface="Sanskrit Text" panose="02020503050405020304" pitchFamily="18" charset="0"/>
                 <a:cs typeface="Sanskrit Text" panose="02020503050405020304" pitchFamily="18" charset="0"/>
               </a:rPr>
-              <a:t>What is the problem I trying to solve (in progress)</a:t>
-            </a:r>
-          </a:p>
-          <a:p>
+              <a:t>Predict which loans in a portfolio are “risky”</a:t>
+            </a:r>
+          </a:p>
+          <a:p>
+            <a:pPr lvl="2"/>
             <a:r>
               <a:rPr lang="en-US" dirty="0">
                 <a:latin typeface="Sanskrit Text" panose="02020503050405020304" pitchFamily="18" charset="0"/>
                 <a:cs typeface="Sanskrit Text" panose="02020503050405020304" pitchFamily="18" charset="0"/>
               </a:rPr>
-              <a:t>Interested in recall to capture all potential defaults</a:t>
-            </a:r>
-          </a:p>
-          <a:p>
-            <a:pPr lvl="1"/>
+              <a:t>Classification problem</a:t>
+            </a:r>
+          </a:p>
+          <a:p>
+            <a:pPr lvl="2"/>
             <a:r>
               <a:rPr lang="en-US" dirty="0">
                 <a:latin typeface="Sanskrit Text" panose="02020503050405020304" pitchFamily="18" charset="0"/>
                 <a:cs typeface="Sanskrit Text" panose="02020503050405020304" pitchFamily="18" charset="0"/>
               </a:rPr>
-              <a:t>False negatives more costly than false positives</a:t>
+              <a:t>Focus on recall to capture all risky loans</a:t>
+            </a:r>
+          </a:p>
+          <a:p>
+            <a:pPr lvl="1"/>
+            <a:r>
+              <a:rPr lang="en-US" dirty="0">
+                <a:latin typeface="Sanskrit Text" panose="02020503050405020304" pitchFamily="18" charset="0"/>
+                <a:cs typeface="Sanskrit Text" panose="02020503050405020304" pitchFamily="18" charset="0"/>
+              </a:rPr>
+              <a:t>Predict loan loss amount (in % of loan) using linear regression</a:t>
+            </a:r>
+          </a:p>
+          <a:p>
+            <a:pPr lvl="2"/>
+            <a:r>
+              <a:rPr lang="en-US" dirty="0">
+                <a:latin typeface="Sanskrit Text" panose="02020503050405020304" pitchFamily="18" charset="0"/>
+                <a:cs typeface="Sanskrit Text" panose="02020503050405020304" pitchFamily="18" charset="0"/>
+              </a:rPr>
+              <a:t>e.g.: 15% loan loss means 85% was paid back</a:t>
+            </a:r>
+          </a:p>
+          <a:p>
+            <a:pPr lvl="2"/>
+            <a:r>
+              <a:rPr lang="en-US" dirty="0">
+                <a:latin typeface="Sanskrit Text" panose="02020503050405020304" pitchFamily="18" charset="0"/>
+                <a:cs typeface="Sanskrit Text" panose="02020503050405020304" pitchFamily="18" charset="0"/>
+              </a:rPr>
+              <a:t>Linear regression problem</a:t>
+            </a:r>
+          </a:p>
+          <a:p>
+            <a:r>
+              <a:rPr lang="en-US" dirty="0">
+                <a:latin typeface="Sanskrit Text" panose="02020503050405020304" pitchFamily="18" charset="0"/>
+                <a:cs typeface="Sanskrit Text" panose="02020503050405020304" pitchFamily="18" charset="0"/>
+              </a:rPr>
+              <a:t>Establish audience (in progress)</a:t>
             </a:r>
           </a:p>
         </p:txBody>
@@ -8056,7 +8544,21 @@
                 <a:latin typeface="Sanskrit Text" panose="02020503050405020304" pitchFamily="18" charset="0"/>
                 <a:cs typeface="Sanskrit Text" panose="02020503050405020304" pitchFamily="18" charset="0"/>
               </a:rPr>
-              <a:t>Data</a:t>
+              <a:t>Data (include </a:t>
+            </a:r>
+            <a:r>
+              <a:rPr lang="en-US" dirty="0" err="1">
+                <a:latin typeface="Sanskrit Text" panose="02020503050405020304" pitchFamily="18" charset="0"/>
+                <a:cs typeface="Sanskrit Text" panose="02020503050405020304" pitchFamily="18" charset="0"/>
+              </a:rPr>
+              <a:t>dist</a:t>
+            </a:r>
+            <a:r>
+              <a:rPr lang="en-US" dirty="0">
+                <a:latin typeface="Sanskrit Text" panose="02020503050405020304" pitchFamily="18" charset="0"/>
+                <a:cs typeface="Sanskrit Text" panose="02020503050405020304" pitchFamily="18" charset="0"/>
+              </a:rPr>
+              <a:t> of losses)</a:t>
             </a:r>
           </a:p>
         </p:txBody>
@@ -8077,9 +8579,16 @@
             <p:ph idx="1"/>
           </p:nvPr>
         </p:nvSpPr>
-        <p:spPr/>
+        <p:spPr>
+          <a:xfrm>
+            <a:off x="838200" y="1929384"/>
+            <a:ext cx="10515600" cy="2138119"/>
+          </a:xfrm>
+        </p:spPr>
         <p:txBody>
-          <a:bodyPr/>
+          <a:bodyPr>
+            <a:normAutofit fontScale="92500" lnSpcReduction="20000"/>
+          </a:bodyPr>
           <a:lstStyle/>
           <a:p>
             <a:r>
@@ -8107,11 +8616,60 @@
                 <a:latin typeface="Sanskrit Text" panose="02020503050405020304" pitchFamily="18" charset="0"/>
                 <a:cs typeface="Sanskrit Text" panose="02020503050405020304" pitchFamily="18" charset="0"/>
               </a:rPr>
-              <a:t>Target: loss, from 0 to 100</a:t>
+              <a:t>Target: loan loss, from 0 to 100%</a:t>
+            </a:r>
+          </a:p>
+          <a:p>
+            <a:r>
+              <a:rPr lang="en-US" dirty="0">
+                <a:latin typeface="Sanskrit Text" panose="02020503050405020304" pitchFamily="18" charset="0"/>
+                <a:cs typeface="Sanskrit Text" panose="02020503050405020304" pitchFamily="18" charset="0"/>
+              </a:rPr>
+              <a:t>Distribution of loan loss</a:t>
+            </a:r>
+          </a:p>
+          <a:p>
+            <a:pPr lvl="1"/>
+            <a:r>
+              <a:rPr lang="en-US" dirty="0">
+                <a:latin typeface="Sanskrit Text" panose="02020503050405020304" pitchFamily="18" charset="0"/>
+                <a:cs typeface="Sanskrit Text" panose="02020503050405020304" pitchFamily="18" charset="0"/>
+              </a:rPr>
+              <a:t>Highly imbalanced</a:t>
             </a:r>
           </a:p>
         </p:txBody>
       </p:sp>
+      <p:pic>
+        <p:nvPicPr>
+          <p:cNvPr id="5" name="Picture 4" descr="Chart&#10;&#10;Description automatically generated">
+            <a:extLst>
+              <a:ext uri="{FF2B5EF4-FFF2-40B4-BE49-F238E27FC236}">
+                <a16:creationId xmlns:a16="http://schemas.microsoft.com/office/drawing/2014/main" id="{04B72D7A-3760-7044-AA71-8BB64320C3F4}"/>
+              </a:ext>
+            </a:extLst>
+          </p:cNvPr>
+          <p:cNvPicPr>
+            <a:picLocks noChangeAspect="1"/>
+          </p:cNvPicPr>
+          <p:nvPr/>
+        </p:nvPicPr>
+        <p:blipFill>
+          <a:blip r:embed="rId2"/>
+          <a:stretch>
+            <a:fillRect/>
+          </a:stretch>
+        </p:blipFill>
+        <p:spPr>
+          <a:xfrm>
+            <a:off x="5714610" y="3429000"/>
+            <a:ext cx="5121556" cy="3115173"/>
+          </a:xfrm>
+          <a:prstGeom prst="rect">
+            <a:avLst/>
+          </a:prstGeom>
+        </p:spPr>
+      </p:pic>
     </p:spTree>
     <p:extLst>
       <p:ext uri="{BB962C8B-B14F-4D97-AF65-F5344CB8AC3E}">
@@ -8168,7 +8726,7 @@
                 <a:latin typeface="Sanskrit Text" panose="02020503050405020304" pitchFamily="18" charset="0"/>
                 <a:cs typeface="Sanskrit Text" panose="02020503050405020304" pitchFamily="18" charset="0"/>
               </a:rPr>
-              <a:t>Methodology</a:t>
+              <a:t>Methodology (visualize)</a:t>
             </a:r>
           </a:p>
         </p:txBody>
@@ -8197,7 +8755,7 @@
         </p:spPr>
         <p:txBody>
           <a:bodyPr>
-            <a:normAutofit fontScale="92500" lnSpcReduction="10000"/>
+            <a:normAutofit/>
           </a:bodyPr>
           <a:lstStyle/>
           <a:p>
@@ -8250,7 +8808,7 @@
                 <a:latin typeface="Sanskrit Text" panose="02020503050405020304" pitchFamily="18" charset="0"/>
                 <a:cs typeface="Sanskrit Text" panose="02020503050405020304" pitchFamily="18" charset="0"/>
               </a:rPr>
-              <a:t>Data Preparation</a:t>
+              <a:t>Model Selection:</a:t>
             </a:r>
           </a:p>
           <a:p>
@@ -8260,7 +8818,7 @@
                 <a:latin typeface="Sanskrit Text" panose="02020503050405020304" pitchFamily="18" charset="0"/>
                 <a:cs typeface="Sanskrit Text" panose="02020503050405020304" pitchFamily="18" charset="0"/>
               </a:rPr>
-              <a:t>Feature Selection</a:t>
+              <a:t>Over/Undersampling</a:t>
             </a:r>
           </a:p>
           <a:p>
@@ -8270,40 +8828,36 @@
                 <a:latin typeface="Sanskrit Text" panose="02020503050405020304" pitchFamily="18" charset="0"/>
                 <a:cs typeface="Sanskrit Text" panose="02020503050405020304" pitchFamily="18" charset="0"/>
               </a:rPr>
-              <a:t>Feature Engineering</a:t>
-            </a:r>
-          </a:p>
-          <a:p>
+              <a:t>Hyperparameter tuning</a:t>
+            </a:r>
+          </a:p>
+          <a:p>
+            <a:pPr lvl="1"/>
             <a:r>
               <a:rPr lang="en-US" dirty="0">
                 <a:latin typeface="Sanskrit Text" panose="02020503050405020304" pitchFamily="18" charset="0"/>
                 <a:cs typeface="Sanskrit Text" panose="02020503050405020304" pitchFamily="18" charset="0"/>
               </a:rPr>
-              <a:t>For classification:</a:t>
-            </a:r>
-          </a:p>
-          <a:p>
-            <a:pPr lvl="1"/>
+              <a:t>Feature Selection/Engineering</a:t>
+            </a:r>
+          </a:p>
+          <a:p>
             <a:r>
               <a:rPr lang="en-US" dirty="0">
                 <a:latin typeface="Sanskrit Text" panose="02020503050405020304" pitchFamily="18" charset="0"/>
                 <a:cs typeface="Sanskrit Text" panose="02020503050405020304" pitchFamily="18" charset="0"/>
               </a:rPr>
-              <a:t>Over/</a:t>
-            </a:r>
-            <a:r>
-              <a:rPr lang="en-US" dirty="0" err="1">
-                <a:latin typeface="Sanskrit Text" panose="02020503050405020304" pitchFamily="18" charset="0"/>
-                <a:cs typeface="Sanskrit Text" panose="02020503050405020304" pitchFamily="18" charset="0"/>
-              </a:rPr>
-              <a:t>undersampling</a:t>
-            </a:r>
+              <a:t>Prediction Pipeline:</a:t>
+            </a:r>
+          </a:p>
+          <a:p>
+            <a:pPr lvl="1"/>
             <a:r>
               <a:rPr lang="en-US" dirty="0">
                 <a:latin typeface="Sanskrit Text" panose="02020503050405020304" pitchFamily="18" charset="0"/>
                 <a:cs typeface="Sanskrit Text" panose="02020503050405020304" pitchFamily="18" charset="0"/>
               </a:rPr>
-              <a:t> for Class Imbalance</a:t>
+              <a:t>Separate good loans from “risky” loans</a:t>
             </a:r>
           </a:p>
           <a:p>
@@ -8313,42 +8867,8 @@
                 <a:latin typeface="Sanskrit Text" panose="02020503050405020304" pitchFamily="18" charset="0"/>
                 <a:cs typeface="Sanskrit Text" panose="02020503050405020304" pitchFamily="18" charset="0"/>
               </a:rPr>
-              <a:t>Hyperparameter Tuning for </a:t>
-            </a:r>
-            <a:r>
-              <a:rPr lang="en-US" dirty="0" err="1">
-                <a:latin typeface="Sanskrit Text" panose="02020503050405020304" pitchFamily="18" charset="0"/>
-                <a:cs typeface="Sanskrit Text" panose="02020503050405020304" pitchFamily="18" charset="0"/>
-              </a:rPr>
-              <a:t>XGBoost</a:t>
-            </a:r>
-            <a:endParaRPr lang="en-US" dirty="0">
-              <a:latin typeface="Sanskrit Text" panose="02020503050405020304" pitchFamily="18" charset="0"/>
-              <a:cs typeface="Sanskrit Text" panose="02020503050405020304" pitchFamily="18" charset="0"/>
-            </a:endParaRPr>
-          </a:p>
-          <a:p>
-            <a:r>
-              <a:rPr lang="en-US" dirty="0">
-                <a:latin typeface="Sanskrit Text" panose="02020503050405020304" pitchFamily="18" charset="0"/>
-                <a:cs typeface="Sanskrit Text" panose="02020503050405020304" pitchFamily="18" charset="0"/>
-              </a:rPr>
-              <a:t>For Linear Regression:</a:t>
-            </a:r>
-          </a:p>
-          <a:p>
-            <a:pPr lvl="1"/>
-            <a:r>
-              <a:rPr lang="en-US">
-                <a:latin typeface="Sanskrit Text" panose="02020503050405020304" pitchFamily="18" charset="0"/>
-                <a:cs typeface="Sanskrit Text" panose="02020503050405020304" pitchFamily="18" charset="0"/>
-              </a:rPr>
-              <a:t>XGB Regressor</a:t>
-            </a:r>
-            <a:endParaRPr lang="en-US" dirty="0">
-              <a:latin typeface="Sanskrit Text" panose="02020503050405020304" pitchFamily="18" charset="0"/>
-              <a:cs typeface="Sanskrit Text" panose="02020503050405020304" pitchFamily="18" charset="0"/>
-            </a:endParaRPr>
+              <a:t>Predict loan loss percentage of “risky” loans</a:t>
+            </a:r>
           </a:p>
           <a:p>
             <a:pPr lvl="1"/>
@@ -8401,7 +8921,7 @@
           <p:cNvPr id="2" name="Title 1">
             <a:extLst>
               <a:ext uri="{FF2B5EF4-FFF2-40B4-BE49-F238E27FC236}">
-                <a16:creationId xmlns:a16="http://schemas.microsoft.com/office/drawing/2014/main" id="{BBED074E-3852-5746-A04F-0482AE64609F}"/>
+                <a16:creationId xmlns:a16="http://schemas.microsoft.com/office/drawing/2014/main" id="{0AA79B75-4C5E-C644-91E9-F6139C54B116}"/>
               </a:ext>
             </a:extLst>
           </p:cNvPr>
@@ -8422,55 +8942,1485 @@
                 <a:latin typeface="Sanskrit Text" panose="02020503050405020304" pitchFamily="18" charset="0"/>
                 <a:cs typeface="Sanskrit Text" panose="02020503050405020304" pitchFamily="18" charset="0"/>
               </a:rPr>
-              <a:t>Feature Engineering</a:t>
+              <a:t>Results (visualize better)</a:t>
             </a:r>
           </a:p>
         </p:txBody>
       </p:sp>
-      <p:sp>
-        <p:nvSpPr>
-          <p:cNvPr id="3" name="Content Placeholder 2">
-            <a:extLst>
-              <a:ext uri="{FF2B5EF4-FFF2-40B4-BE49-F238E27FC236}">
-                <a16:creationId xmlns:a16="http://schemas.microsoft.com/office/drawing/2014/main" id="{F665778D-7C59-B842-8E43-F5011DAA3C99}"/>
-              </a:ext>
-            </a:extLst>
-          </p:cNvPr>
-          <p:cNvSpPr>
-            <a:spLocks noGrp="1"/>
-          </p:cNvSpPr>
-          <p:nvPr>
-            <p:ph idx="1"/>
-          </p:nvPr>
-        </p:nvSpPr>
-        <p:spPr/>
-        <p:txBody>
-          <a:bodyPr/>
-          <a:lstStyle/>
-          <a:p>
-            <a:r>
-              <a:rPr lang="en-US" dirty="0">
-                <a:latin typeface="Sanskrit Text" panose="02020503050405020304" pitchFamily="18" charset="0"/>
-                <a:cs typeface="Sanskrit Text" panose="02020503050405020304" pitchFamily="18" charset="0"/>
-              </a:rPr>
-              <a:t>Improved models significantly</a:t>
-            </a:r>
-          </a:p>
-          <a:p>
-            <a:r>
-              <a:rPr lang="en-US" dirty="0">
-                <a:latin typeface="Sanskrit Text" panose="02020503050405020304" pitchFamily="18" charset="0"/>
-                <a:cs typeface="Sanskrit Text" panose="02020503050405020304" pitchFamily="18" charset="0"/>
-              </a:rPr>
-              <a:t>Transformed correlated features</a:t>
-            </a:r>
-          </a:p>
-        </p:txBody>
-      </p:sp>
+      <mc:AlternateContent xmlns:mc="http://schemas.openxmlformats.org/markup-compatibility/2006">
+        <mc:Choice xmlns:a14="http://schemas.microsoft.com/office/drawing/2010/main" Requires="a14">
+          <p:graphicFrame>
+            <p:nvGraphicFramePr>
+              <p:cNvPr id="3" name="Table 3">
+                <a:extLst>
+                  <a:ext uri="{FF2B5EF4-FFF2-40B4-BE49-F238E27FC236}">
+                    <a16:creationId xmlns:a16="http://schemas.microsoft.com/office/drawing/2014/main" id="{869D6A69-0C68-CC41-9CB7-7CF1B9B5A1F4}"/>
+                  </a:ext>
+                </a:extLst>
+              </p:cNvPr>
+              <p:cNvGraphicFramePr>
+                <a:graphicFrameLocks noGrp="1"/>
+              </p:cNvGraphicFramePr>
+              <p:nvPr>
+                <p:ph idx="1"/>
+                <p:extLst>
+                  <p:ext uri="{D42A27DB-BD31-4B8C-83A1-F6EECF244321}">
+                    <p14:modId xmlns:p14="http://schemas.microsoft.com/office/powerpoint/2010/main" val="602719662"/>
+                  </p:ext>
+                </p:extLst>
+              </p:nvPr>
+            </p:nvGraphicFramePr>
+            <p:xfrm>
+              <a:off x="838200" y="1928812"/>
+              <a:ext cx="10515600" cy="3937962"/>
+            </p:xfrm>
+            <a:graphic>
+              <a:graphicData uri="http://schemas.openxmlformats.org/drawingml/2006/table">
+                <a:tbl>
+                  <a:tblPr firstRow="1" bandRow="1">
+                    <a:tableStyleId>{5C22544A-7EE6-4342-B048-85BDC9FD1C3A}</a:tableStyleId>
+                  </a:tblPr>
+                  <a:tblGrid>
+                    <a:gridCol w="2103120">
+                      <a:extLst>
+                        <a:ext uri="{9D8B030D-6E8A-4147-A177-3AD203B41FA5}">
+                          <a16:colId xmlns:a16="http://schemas.microsoft.com/office/drawing/2014/main" val="228067030"/>
+                        </a:ext>
+                      </a:extLst>
+                    </a:gridCol>
+                    <a:gridCol w="1662211">
+                      <a:extLst>
+                        <a:ext uri="{9D8B030D-6E8A-4147-A177-3AD203B41FA5}">
+                          <a16:colId xmlns:a16="http://schemas.microsoft.com/office/drawing/2014/main" val="615966615"/>
+                        </a:ext>
+                      </a:extLst>
+                    </a:gridCol>
+                    <a:gridCol w="2196662">
+                      <a:extLst>
+                        <a:ext uri="{9D8B030D-6E8A-4147-A177-3AD203B41FA5}">
+                          <a16:colId xmlns:a16="http://schemas.microsoft.com/office/drawing/2014/main" val="3115467481"/>
+                        </a:ext>
+                      </a:extLst>
+                    </a:gridCol>
+                    <a:gridCol w="2270235">
+                      <a:extLst>
+                        <a:ext uri="{9D8B030D-6E8A-4147-A177-3AD203B41FA5}">
+                          <a16:colId xmlns:a16="http://schemas.microsoft.com/office/drawing/2014/main" val="904531307"/>
+                        </a:ext>
+                      </a:extLst>
+                    </a:gridCol>
+                    <a:gridCol w="2283372">
+                      <a:extLst>
+                        <a:ext uri="{9D8B030D-6E8A-4147-A177-3AD203B41FA5}">
+                          <a16:colId xmlns:a16="http://schemas.microsoft.com/office/drawing/2014/main" val="2468936438"/>
+                        </a:ext>
+                      </a:extLst>
+                    </a:gridCol>
+                  </a:tblGrid>
+                  <a:tr h="0">
+                    <a:tc>
+                      <a:txBody>
+                        <a:bodyPr/>
+                        <a:lstStyle/>
+                        <a:p>
+                          <a:pPr algn="ctr"/>
+                          <a:endParaRPr lang="en-US" dirty="0">
+                            <a:latin typeface="Sanskrit Text" panose="02020503050405020304" pitchFamily="18" charset="0"/>
+                            <a:cs typeface="Sanskrit Text" panose="02020503050405020304" pitchFamily="18" charset="0"/>
+                          </a:endParaRPr>
+                        </a:p>
+                      </a:txBody>
+                      <a:tcPr/>
+                    </a:tc>
+                    <a:tc>
+                      <a:txBody>
+                        <a:bodyPr/>
+                        <a:lstStyle/>
+                        <a:p>
+                          <a:pPr algn="ctr"/>
+                          <a:r>
+                            <a:rPr lang="en-US" dirty="0">
+                              <a:latin typeface="Sanskrit Text" panose="02020503050405020304" pitchFamily="18" charset="0"/>
+                              <a:cs typeface="Sanskrit Text" panose="02020503050405020304" pitchFamily="18" charset="0"/>
+                            </a:rPr>
+                            <a:t>Base Model: XGBoost</a:t>
+                          </a:r>
+                        </a:p>
+                      </a:txBody>
+                      <a:tcPr/>
+                    </a:tc>
+                    <a:tc>
+                      <a:txBody>
+                        <a:bodyPr/>
+                        <a:lstStyle/>
+                        <a:p>
+                          <a:pPr marL="0" marR="0" lvl="0" indent="0" algn="ctr" defTabSz="914400" rtl="0" eaLnBrk="1" fontAlgn="auto" latinLnBrk="0" hangingPunct="1">
+                            <a:lnSpc>
+                              <a:spcPct val="100000"/>
+                            </a:lnSpc>
+                            <a:spcBef>
+                              <a:spcPts val="0"/>
+                            </a:spcBef>
+                            <a:spcAft>
+                              <a:spcPts val="0"/>
+                            </a:spcAft>
+                            <a:buClrTx/>
+                            <a:buSzTx/>
+                            <a:buFontTx/>
+                            <a:buNone/>
+                            <a:tabLst/>
+                            <a:defRPr/>
+                          </a:pPr>
+                          <a:r>
+                            <a:rPr lang="en-US" dirty="0">
+                              <a:latin typeface="Sanskrit Text" panose="02020503050405020304" pitchFamily="18" charset="0"/>
+                              <a:cs typeface="Sanskrit Text" panose="02020503050405020304" pitchFamily="18" charset="0"/>
+                            </a:rPr>
+                            <a:t>Undersampling, Hyperparameter Tuning</a:t>
+                          </a:r>
+                        </a:p>
+                        <a:p>
+                          <a:pPr algn="ctr"/>
+                          <a:endParaRPr lang="en-US" dirty="0">
+                            <a:latin typeface="Sanskrit Text" panose="02020503050405020304" pitchFamily="18" charset="0"/>
+                            <a:cs typeface="Sanskrit Text" panose="02020503050405020304" pitchFamily="18" charset="0"/>
+                          </a:endParaRPr>
+                        </a:p>
+                      </a:txBody>
+                      <a:tcPr/>
+                    </a:tc>
+                    <a:tc>
+                      <a:txBody>
+                        <a:bodyPr/>
+                        <a:lstStyle/>
+                        <a:p>
+                          <a:pPr algn="ctr"/>
+                          <a:r>
+                            <a:rPr lang="en-US" dirty="0">
+                              <a:latin typeface="Sanskrit Text" panose="02020503050405020304" pitchFamily="18" charset="0"/>
+                              <a:cs typeface="Sanskrit Text" panose="02020503050405020304" pitchFamily="18" charset="0"/>
+                            </a:rPr>
+                            <a:t>Feature Selection (top 300 feature importance scores)</a:t>
+                          </a:r>
+                        </a:p>
+                      </a:txBody>
+                      <a:tcPr/>
+                    </a:tc>
+                    <a:tc>
+                      <a:txBody>
+                        <a:bodyPr/>
+                        <a:lstStyle/>
+                        <a:p>
+                          <a:pPr algn="ctr"/>
+                          <a:r>
+                            <a:rPr lang="en-US" dirty="0">
+                              <a:latin typeface="Sanskrit Text" panose="02020503050405020304" pitchFamily="18" charset="0"/>
+                              <a:cs typeface="Sanskrit Text" panose="02020503050405020304" pitchFamily="18" charset="0"/>
+                            </a:rPr>
+                            <a:t>Feature Engineering</a:t>
+                          </a:r>
+                        </a:p>
+                      </a:txBody>
+                      <a:tcPr/>
+                    </a:tc>
+                    <a:extLst>
+                      <a:ext uri="{0D108BD9-81ED-4DB2-BD59-A6C34878D82A}">
+                        <a16:rowId xmlns:a16="http://schemas.microsoft.com/office/drawing/2014/main" val="3355560846"/>
+                      </a:ext>
+                    </a:extLst>
+                  </a:tr>
+                  <a:tr h="551661">
+                    <a:tc>
+                      <a:txBody>
+                        <a:bodyPr/>
+                        <a:lstStyle/>
+                        <a:p>
+                          <a:pPr algn="ctr"/>
+                          <a:r>
+                            <a:rPr lang="en-US" dirty="0">
+                              <a:latin typeface="Sanskrit Text" panose="02020503050405020304" pitchFamily="18" charset="0"/>
+                              <a:cs typeface="Sanskrit Text" panose="02020503050405020304" pitchFamily="18" charset="0"/>
+                            </a:rPr>
+                            <a:t>Recall</a:t>
+                          </a:r>
+                        </a:p>
+                      </a:txBody>
+                      <a:tcPr/>
+                    </a:tc>
+                    <a:tc>
+                      <a:txBody>
+                        <a:bodyPr/>
+                        <a:lstStyle/>
+                        <a:p>
+                          <a:pPr algn="ctr"/>
+                          <a:r>
+                            <a:rPr lang="en-US" dirty="0">
+                              <a:latin typeface="Sanskrit Text" panose="02020503050405020304" pitchFamily="18" charset="0"/>
+                              <a:cs typeface="Sanskrit Text" panose="02020503050405020304" pitchFamily="18" charset="0"/>
+                            </a:rPr>
+                            <a:t>0.02</a:t>
+                          </a:r>
+                        </a:p>
+                      </a:txBody>
+                      <a:tcPr/>
+                    </a:tc>
+                    <a:tc>
+                      <a:txBody>
+                        <a:bodyPr/>
+                        <a:lstStyle/>
+                        <a:p>
+                          <a:pPr algn="ctr"/>
+                          <a:r>
+                            <a:rPr lang="en-US" dirty="0">
+                              <a:latin typeface="Sanskrit Text" panose="02020503050405020304" pitchFamily="18" charset="0"/>
+                              <a:cs typeface="Sanskrit Text" panose="02020503050405020304" pitchFamily="18" charset="0"/>
+                            </a:rPr>
+                            <a:t>0.82</a:t>
+                          </a:r>
+                        </a:p>
+                      </a:txBody>
+                      <a:tcPr/>
+                    </a:tc>
+                    <a:tc>
+                      <a:txBody>
+                        <a:bodyPr/>
+                        <a:lstStyle/>
+                        <a:p>
+                          <a:pPr algn="ctr"/>
+                          <a:r>
+                            <a:rPr lang="en-US" dirty="0">
+                              <a:latin typeface="Sanskrit Text" panose="02020503050405020304" pitchFamily="18" charset="0"/>
+                              <a:cs typeface="Sanskrit Text" panose="02020503050405020304" pitchFamily="18" charset="0"/>
+                            </a:rPr>
+                            <a:t>0.85</a:t>
+                          </a:r>
+                        </a:p>
+                      </a:txBody>
+                      <a:tcPr/>
+                    </a:tc>
+                    <a:tc>
+                      <a:txBody>
+                        <a:bodyPr/>
+                        <a:lstStyle/>
+                        <a:p>
+                          <a:pPr algn="ctr"/>
+                          <a:r>
+                            <a:rPr lang="en-US" dirty="0">
+                              <a:latin typeface="Sanskrit Text" panose="02020503050405020304" pitchFamily="18" charset="0"/>
+                              <a:cs typeface="Sanskrit Text" panose="02020503050405020304" pitchFamily="18" charset="0"/>
+                            </a:rPr>
+                            <a:t>In progress</a:t>
+                          </a:r>
+                        </a:p>
+                      </a:txBody>
+                      <a:tcPr/>
+                    </a:tc>
+                    <a:extLst>
+                      <a:ext uri="{0D108BD9-81ED-4DB2-BD59-A6C34878D82A}">
+                        <a16:rowId xmlns:a16="http://schemas.microsoft.com/office/drawing/2014/main" val="4005409758"/>
+                      </a:ext>
+                    </a:extLst>
+                  </a:tr>
+                  <a:tr h="551661">
+                    <a:tc>
+                      <a:txBody>
+                        <a:bodyPr/>
+                        <a:lstStyle/>
+                        <a:p>
+                          <a:pPr algn="ctr"/>
+                          <a:r>
+                            <a:rPr lang="en-US">
+                              <a:latin typeface="Sanskrit Text" panose="02020503050405020304" pitchFamily="18" charset="0"/>
+                              <a:cs typeface="Sanskrit Text" panose="02020503050405020304" pitchFamily="18" charset="0"/>
+                            </a:rPr>
+                            <a:t>ROC AUC</a:t>
+                          </a:r>
+                          <a:endParaRPr lang="en-US" dirty="0">
+                            <a:latin typeface="Sanskrit Text" panose="02020503050405020304" pitchFamily="18" charset="0"/>
+                            <a:cs typeface="Sanskrit Text" panose="02020503050405020304" pitchFamily="18" charset="0"/>
+                          </a:endParaRPr>
+                        </a:p>
+                      </a:txBody>
+                      <a:tcPr/>
+                    </a:tc>
+                    <a:tc>
+                      <a:txBody>
+                        <a:bodyPr/>
+                        <a:lstStyle/>
+                        <a:p>
+                          <a:pPr algn="ctr"/>
+                          <a:r>
+                            <a:rPr lang="en-US" dirty="0">
+                              <a:latin typeface="Sanskrit Text" panose="02020503050405020304" pitchFamily="18" charset="0"/>
+                              <a:cs typeface="Sanskrit Text" panose="02020503050405020304" pitchFamily="18" charset="0"/>
+                            </a:rPr>
+                            <a:t>0.69</a:t>
+                          </a:r>
+                        </a:p>
+                      </a:txBody>
+                      <a:tcPr/>
+                    </a:tc>
+                    <a:tc>
+                      <a:txBody>
+                        <a:bodyPr/>
+                        <a:lstStyle/>
+                        <a:p>
+                          <a:pPr algn="ctr"/>
+                          <a:r>
+                            <a:rPr lang="en-US" dirty="0">
+                              <a:latin typeface="Sanskrit Text" panose="02020503050405020304" pitchFamily="18" charset="0"/>
+                              <a:cs typeface="Sanskrit Text" panose="02020503050405020304" pitchFamily="18" charset="0"/>
+                            </a:rPr>
+                            <a:t>0.69</a:t>
+                          </a:r>
+                        </a:p>
+                      </a:txBody>
+                      <a:tcPr/>
+                    </a:tc>
+                    <a:tc>
+                      <a:txBody>
+                        <a:bodyPr/>
+                        <a:lstStyle/>
+                        <a:p>
+                          <a:pPr algn="ctr"/>
+                          <a:r>
+                            <a:rPr lang="en-US" dirty="0">
+                              <a:latin typeface="Sanskrit Text" panose="02020503050405020304" pitchFamily="18" charset="0"/>
+                              <a:cs typeface="Sanskrit Text" panose="02020503050405020304" pitchFamily="18" charset="0"/>
+                            </a:rPr>
+                            <a:t>0.68</a:t>
+                          </a:r>
+                        </a:p>
+                      </a:txBody>
+                      <a:tcPr/>
+                    </a:tc>
+                    <a:tc>
+                      <a:txBody>
+                        <a:bodyPr/>
+                        <a:lstStyle/>
+                        <a:p>
+                          <a:pPr marL="0" marR="0" lvl="0" indent="0" algn="ctr" defTabSz="914400" rtl="0" eaLnBrk="1" fontAlgn="auto" latinLnBrk="0" hangingPunct="1">
+                            <a:lnSpc>
+                              <a:spcPct val="100000"/>
+                            </a:lnSpc>
+                            <a:spcBef>
+                              <a:spcPts val="0"/>
+                            </a:spcBef>
+                            <a:spcAft>
+                              <a:spcPts val="0"/>
+                            </a:spcAft>
+                            <a:buClrTx/>
+                            <a:buSzTx/>
+                            <a:buFontTx/>
+                            <a:buNone/>
+                            <a:tabLst/>
+                            <a:defRPr/>
+                          </a:pPr>
+                          <a:r>
+                            <a:rPr lang="en-US" dirty="0">
+                              <a:latin typeface="Sanskrit Text" panose="02020503050405020304" pitchFamily="18" charset="0"/>
+                              <a:cs typeface="Sanskrit Text" panose="02020503050405020304" pitchFamily="18" charset="0"/>
+                            </a:rPr>
+                            <a:t>In progress</a:t>
+                          </a:r>
+                        </a:p>
+                        <a:p>
+                          <a:pPr algn="ctr"/>
+                          <a:endParaRPr lang="en-US" dirty="0">
+                            <a:latin typeface="Sanskrit Text" panose="02020503050405020304" pitchFamily="18" charset="0"/>
+                            <a:cs typeface="Sanskrit Text" panose="02020503050405020304" pitchFamily="18" charset="0"/>
+                          </a:endParaRPr>
+                        </a:p>
+                      </a:txBody>
+                      <a:tcPr/>
+                    </a:tc>
+                    <a:extLst>
+                      <a:ext uri="{0D108BD9-81ED-4DB2-BD59-A6C34878D82A}">
+                        <a16:rowId xmlns:a16="http://schemas.microsoft.com/office/drawing/2014/main" val="2596339206"/>
+                      </a:ext>
+                    </a:extLst>
+                  </a:tr>
+                  <a:tr h="0">
+                    <a:tc>
+                      <a:txBody>
+                        <a:bodyPr/>
+                        <a:lstStyle/>
+                        <a:p>
+                          <a:pPr algn="ctr"/>
+                          <a:endParaRPr lang="en-US" dirty="0">
+                            <a:latin typeface="Sanskrit Text" panose="02020503050405020304" pitchFamily="18" charset="0"/>
+                            <a:cs typeface="Sanskrit Text" panose="02020503050405020304" pitchFamily="18" charset="0"/>
+                          </a:endParaRPr>
+                        </a:p>
+                      </a:txBody>
+                      <a:tcPr>
+                        <a:solidFill>
+                          <a:schemeClr val="accent1"/>
+                        </a:solidFill>
+                      </a:tcPr>
+                    </a:tc>
+                    <a:tc>
+                      <a:txBody>
+                        <a:bodyPr/>
+                        <a:lstStyle/>
+                        <a:p>
+                          <a:pPr algn="ctr"/>
+                          <a:endParaRPr lang="en-US" dirty="0">
+                            <a:latin typeface="Sanskrit Text" panose="02020503050405020304" pitchFamily="18" charset="0"/>
+                            <a:cs typeface="Sanskrit Text" panose="02020503050405020304" pitchFamily="18" charset="0"/>
+                          </a:endParaRPr>
+                        </a:p>
+                      </a:txBody>
+                      <a:tcPr>
+                        <a:solidFill>
+                          <a:schemeClr val="accent1"/>
+                        </a:solidFill>
+                      </a:tcPr>
+                    </a:tc>
+                    <a:tc>
+                      <a:txBody>
+                        <a:bodyPr/>
+                        <a:lstStyle/>
+                        <a:p>
+                          <a:pPr algn="ctr"/>
+                          <a:endParaRPr lang="en-US" dirty="0">
+                            <a:latin typeface="Sanskrit Text" panose="02020503050405020304" pitchFamily="18" charset="0"/>
+                            <a:cs typeface="Sanskrit Text" panose="02020503050405020304" pitchFamily="18" charset="0"/>
+                          </a:endParaRPr>
+                        </a:p>
+                      </a:txBody>
+                      <a:tcPr>
+                        <a:solidFill>
+                          <a:schemeClr val="accent1"/>
+                        </a:solidFill>
+                      </a:tcPr>
+                    </a:tc>
+                    <a:tc>
+                      <a:txBody>
+                        <a:bodyPr/>
+                        <a:lstStyle/>
+                        <a:p>
+                          <a:pPr algn="ctr"/>
+                          <a:endParaRPr lang="en-US" dirty="0">
+                            <a:latin typeface="Sanskrit Text" panose="02020503050405020304" pitchFamily="18" charset="0"/>
+                            <a:cs typeface="Sanskrit Text" panose="02020503050405020304" pitchFamily="18" charset="0"/>
+                          </a:endParaRPr>
+                        </a:p>
+                      </a:txBody>
+                      <a:tcPr>
+                        <a:solidFill>
+                          <a:schemeClr val="accent1"/>
+                        </a:solidFill>
+                      </a:tcPr>
+                    </a:tc>
+                    <a:tc>
+                      <a:txBody>
+                        <a:bodyPr/>
+                        <a:lstStyle/>
+                        <a:p>
+                          <a:pPr algn="ctr"/>
+                          <a:endParaRPr lang="en-US" dirty="0">
+                            <a:latin typeface="Sanskrit Text" panose="02020503050405020304" pitchFamily="18" charset="0"/>
+                            <a:cs typeface="Sanskrit Text" panose="02020503050405020304" pitchFamily="18" charset="0"/>
+                          </a:endParaRPr>
+                        </a:p>
+                      </a:txBody>
+                      <a:tcPr>
+                        <a:solidFill>
+                          <a:schemeClr val="accent1"/>
+                        </a:solidFill>
+                      </a:tcPr>
+                    </a:tc>
+                    <a:extLst>
+                      <a:ext uri="{0D108BD9-81ED-4DB2-BD59-A6C34878D82A}">
+                        <a16:rowId xmlns:a16="http://schemas.microsoft.com/office/drawing/2014/main" val="97745172"/>
+                      </a:ext>
+                    </a:extLst>
+                  </a:tr>
+                  <a:tr h="551661">
+                    <a:tc>
+                      <a:txBody>
+                        <a:bodyPr/>
+                        <a:lstStyle/>
+                        <a:p>
+                          <a:pPr algn="ctr"/>
+                          <a14:m>
+                            <m:oMathPara xmlns:m="http://schemas.openxmlformats.org/officeDocument/2006/math">
+                              <m:oMathParaPr>
+                                <m:jc m:val="centerGroup"/>
+                              </m:oMathParaPr>
+                              <m:oMath xmlns:m="http://schemas.openxmlformats.org/officeDocument/2006/math">
+                                <m:sSup>
+                                  <m:sSupPr>
+                                    <m:ctrlPr>
+                                      <a:rPr lang="en-US" i="1" smtClean="0">
+                                        <a:latin typeface="Cambria Math" panose="02040503050406030204" pitchFamily="18" charset="0"/>
+                                        <a:cs typeface="Sanskrit Text" panose="02020503050405020304" pitchFamily="18" charset="0"/>
+                                      </a:rPr>
+                                    </m:ctrlPr>
+                                  </m:sSupPr>
+                                  <m:e>
+                                    <m:r>
+                                      <a:rPr lang="en-US" b="0" i="1" smtClean="0">
+                                        <a:latin typeface="Cambria Math" panose="02040503050406030204" pitchFamily="18" charset="0"/>
+                                        <a:cs typeface="Sanskrit Text" panose="02020503050405020304" pitchFamily="18" charset="0"/>
+                                      </a:rPr>
+                                      <m:t>𝑅</m:t>
+                                    </m:r>
+                                  </m:e>
+                                  <m:sup>
+                                    <m:r>
+                                      <a:rPr lang="en-US" b="0" i="1" smtClean="0">
+                                        <a:latin typeface="Cambria Math" panose="02040503050406030204" pitchFamily="18" charset="0"/>
+                                        <a:cs typeface="Sanskrit Text" panose="02020503050405020304" pitchFamily="18" charset="0"/>
+                                      </a:rPr>
+                                      <m:t>2</m:t>
+                                    </m:r>
+                                  </m:sup>
+                                </m:sSup>
+                              </m:oMath>
+                            </m:oMathPara>
+                          </a14:m>
+                          <a:endParaRPr lang="en-US" dirty="0">
+                            <a:latin typeface="Sanskrit Text" panose="02020503050405020304" pitchFamily="18" charset="0"/>
+                            <a:cs typeface="Sanskrit Text" panose="02020503050405020304" pitchFamily="18" charset="0"/>
+                          </a:endParaRPr>
+                        </a:p>
+                      </a:txBody>
+                      <a:tcPr/>
+                    </a:tc>
+                    <a:tc>
+                      <a:txBody>
+                        <a:bodyPr/>
+                        <a:lstStyle/>
+                        <a:p>
+                          <a:pPr algn="ctr"/>
+                          <a:r>
+                            <a:rPr lang="en-US" dirty="0">
+                              <a:latin typeface="Sanskrit Text" panose="02020503050405020304" pitchFamily="18" charset="0"/>
+                              <a:cs typeface="Sanskrit Text" panose="02020503050405020304" pitchFamily="18" charset="0"/>
+                            </a:rPr>
+                            <a:t>-39.9</a:t>
+                          </a:r>
+                        </a:p>
+                      </a:txBody>
+                      <a:tcPr/>
+                    </a:tc>
+                    <a:tc>
+                      <a:txBody>
+                        <a:bodyPr/>
+                        <a:lstStyle/>
+                        <a:p>
+                          <a:pPr algn="ctr"/>
+                          <a:r>
+                            <a:rPr lang="en-US" dirty="0">
+                              <a:latin typeface="Sanskrit Text" panose="02020503050405020304" pitchFamily="18" charset="0"/>
+                              <a:cs typeface="Sanskrit Text" panose="02020503050405020304" pitchFamily="18" charset="0"/>
+                            </a:rPr>
+                            <a:t>-.002</a:t>
+                          </a:r>
+                        </a:p>
+                      </a:txBody>
+                      <a:tcPr/>
+                    </a:tc>
+                    <a:tc>
+                      <a:txBody>
+                        <a:bodyPr/>
+                        <a:lstStyle/>
+                        <a:p>
+                          <a:pPr algn="ctr"/>
+                          <a:r>
+                            <a:rPr lang="en-US" dirty="0">
+                              <a:latin typeface="Sanskrit Text" panose="02020503050405020304" pitchFamily="18" charset="0"/>
+                              <a:cs typeface="Sanskrit Text" panose="02020503050405020304" pitchFamily="18" charset="0"/>
+                            </a:rPr>
+                            <a:t>0.002</a:t>
+                          </a:r>
+                        </a:p>
+                      </a:txBody>
+                      <a:tcPr/>
+                    </a:tc>
+                    <a:tc>
+                      <a:txBody>
+                        <a:bodyPr/>
+                        <a:lstStyle/>
+                        <a:p>
+                          <a:pPr marL="0" marR="0" lvl="0" indent="0" algn="ctr" defTabSz="914400" rtl="0" eaLnBrk="1" fontAlgn="auto" latinLnBrk="0" hangingPunct="1">
+                            <a:lnSpc>
+                              <a:spcPct val="100000"/>
+                            </a:lnSpc>
+                            <a:spcBef>
+                              <a:spcPts val="0"/>
+                            </a:spcBef>
+                            <a:spcAft>
+                              <a:spcPts val="0"/>
+                            </a:spcAft>
+                            <a:buClrTx/>
+                            <a:buSzTx/>
+                            <a:buFontTx/>
+                            <a:buNone/>
+                            <a:tabLst/>
+                            <a:defRPr/>
+                          </a:pPr>
+                          <a:r>
+                            <a:rPr lang="en-US" dirty="0">
+                              <a:latin typeface="Sanskrit Text" panose="02020503050405020304" pitchFamily="18" charset="0"/>
+                              <a:cs typeface="Sanskrit Text" panose="02020503050405020304" pitchFamily="18" charset="0"/>
+                            </a:rPr>
+                            <a:t>In progress</a:t>
+                          </a:r>
+                        </a:p>
+                        <a:p>
+                          <a:pPr algn="ctr"/>
+                          <a:endParaRPr lang="en-US" dirty="0">
+                            <a:latin typeface="Sanskrit Text" panose="02020503050405020304" pitchFamily="18" charset="0"/>
+                            <a:cs typeface="Sanskrit Text" panose="02020503050405020304" pitchFamily="18" charset="0"/>
+                          </a:endParaRPr>
+                        </a:p>
+                      </a:txBody>
+                      <a:tcPr/>
+                    </a:tc>
+                    <a:extLst>
+                      <a:ext uri="{0D108BD9-81ED-4DB2-BD59-A6C34878D82A}">
+                        <a16:rowId xmlns:a16="http://schemas.microsoft.com/office/drawing/2014/main" val="2526693871"/>
+                      </a:ext>
+                    </a:extLst>
+                  </a:tr>
+                  <a:tr h="551661">
+                    <a:tc>
+                      <a:txBody>
+                        <a:bodyPr/>
+                        <a:lstStyle/>
+                        <a:p>
+                          <a:pPr algn="ctr"/>
+                          <a:r>
+                            <a:rPr lang="en-US" dirty="0">
+                              <a:latin typeface="Sanskrit Text" panose="02020503050405020304" pitchFamily="18" charset="0"/>
+                              <a:cs typeface="Sanskrit Text" panose="02020503050405020304" pitchFamily="18" charset="0"/>
+                            </a:rPr>
+                            <a:t>MAE</a:t>
+                          </a:r>
+                        </a:p>
+                      </a:txBody>
+                      <a:tcPr/>
+                    </a:tc>
+                    <a:tc>
+                      <a:txBody>
+                        <a:bodyPr/>
+                        <a:lstStyle/>
+                        <a:p>
+                          <a:pPr algn="ctr"/>
+                          <a:r>
+                            <a:rPr lang="en-US" dirty="0">
+                              <a:latin typeface="Sanskrit Text" panose="02020503050405020304" pitchFamily="18" charset="0"/>
+                              <a:cs typeface="Sanskrit Text" panose="02020503050405020304" pitchFamily="18" charset="0"/>
+                            </a:rPr>
+                            <a:t>8.8</a:t>
+                          </a:r>
+                        </a:p>
+                      </a:txBody>
+                      <a:tcPr/>
+                    </a:tc>
+                    <a:tc>
+                      <a:txBody>
+                        <a:bodyPr/>
+                        <a:lstStyle/>
+                        <a:p>
+                          <a:pPr algn="ctr"/>
+                          <a:r>
+                            <a:rPr lang="en-US" dirty="0">
+                              <a:latin typeface="Sanskrit Text" panose="02020503050405020304" pitchFamily="18" charset="0"/>
+                              <a:cs typeface="Sanskrit Text" panose="02020503050405020304" pitchFamily="18" charset="0"/>
+                            </a:rPr>
+                            <a:t>1.48</a:t>
+                          </a:r>
+                        </a:p>
+                      </a:txBody>
+                      <a:tcPr/>
+                    </a:tc>
+                    <a:tc>
+                      <a:txBody>
+                        <a:bodyPr/>
+                        <a:lstStyle/>
+                        <a:p>
+                          <a:pPr algn="ctr"/>
+                          <a:r>
+                            <a:rPr lang="en-US" dirty="0">
+                              <a:latin typeface="Sanskrit Text" panose="02020503050405020304" pitchFamily="18" charset="0"/>
+                              <a:cs typeface="Sanskrit Text" panose="02020503050405020304" pitchFamily="18" charset="0"/>
+                            </a:rPr>
+                            <a:t>1.61</a:t>
+                          </a:r>
+                        </a:p>
+                      </a:txBody>
+                      <a:tcPr/>
+                    </a:tc>
+                    <a:tc>
+                      <a:txBody>
+                        <a:bodyPr/>
+                        <a:lstStyle/>
+                        <a:p>
+                          <a:pPr marL="0" marR="0" lvl="0" indent="0" algn="ctr" defTabSz="914400" rtl="0" eaLnBrk="1" fontAlgn="auto" latinLnBrk="0" hangingPunct="1">
+                            <a:lnSpc>
+                              <a:spcPct val="100000"/>
+                            </a:lnSpc>
+                            <a:spcBef>
+                              <a:spcPts val="0"/>
+                            </a:spcBef>
+                            <a:spcAft>
+                              <a:spcPts val="0"/>
+                            </a:spcAft>
+                            <a:buClrTx/>
+                            <a:buSzTx/>
+                            <a:buFontTx/>
+                            <a:buNone/>
+                            <a:tabLst/>
+                            <a:defRPr/>
+                          </a:pPr>
+                          <a:r>
+                            <a:rPr lang="en-US" dirty="0">
+                              <a:latin typeface="Sanskrit Text" panose="02020503050405020304" pitchFamily="18" charset="0"/>
+                              <a:cs typeface="Sanskrit Text" panose="02020503050405020304" pitchFamily="18" charset="0"/>
+                            </a:rPr>
+                            <a:t>In progress</a:t>
+                          </a:r>
+                        </a:p>
+                      </a:txBody>
+                      <a:tcPr/>
+                    </a:tc>
+                    <a:extLst>
+                      <a:ext uri="{0D108BD9-81ED-4DB2-BD59-A6C34878D82A}">
+                        <a16:rowId xmlns:a16="http://schemas.microsoft.com/office/drawing/2014/main" val="3864313353"/>
+                      </a:ext>
+                    </a:extLst>
+                  </a:tr>
+                </a:tbl>
+              </a:graphicData>
+            </a:graphic>
+          </p:graphicFrame>
+        </mc:Choice>
+        <mc:Fallback>
+          <p:graphicFrame>
+            <p:nvGraphicFramePr>
+              <p:cNvPr id="3" name="Table 3">
+                <a:extLst>
+                  <a:ext uri="{FF2B5EF4-FFF2-40B4-BE49-F238E27FC236}">
+                    <a16:creationId xmlns:a16="http://schemas.microsoft.com/office/drawing/2014/main" id="{869D6A69-0C68-CC41-9CB7-7CF1B9B5A1F4}"/>
+                  </a:ext>
+                </a:extLst>
+              </p:cNvPr>
+              <p:cNvGraphicFramePr>
+                <a:graphicFrameLocks noGrp="1"/>
+              </p:cNvGraphicFramePr>
+              <p:nvPr>
+                <p:ph idx="1"/>
+                <p:extLst>
+                  <p:ext uri="{D42A27DB-BD31-4B8C-83A1-F6EECF244321}">
+                    <p14:modId xmlns:p14="http://schemas.microsoft.com/office/powerpoint/2010/main" val="602719662"/>
+                  </p:ext>
+                </p:extLst>
+              </p:nvPr>
+            </p:nvGraphicFramePr>
+            <p:xfrm>
+              <a:off x="838200" y="1928812"/>
+              <a:ext cx="10515600" cy="3937962"/>
+            </p:xfrm>
+            <a:graphic>
+              <a:graphicData uri="http://schemas.openxmlformats.org/drawingml/2006/table">
+                <a:tbl>
+                  <a:tblPr firstRow="1" bandRow="1">
+                    <a:tableStyleId>{5C22544A-7EE6-4342-B048-85BDC9FD1C3A}</a:tableStyleId>
+                  </a:tblPr>
+                  <a:tblGrid>
+                    <a:gridCol w="2103120">
+                      <a:extLst>
+                        <a:ext uri="{9D8B030D-6E8A-4147-A177-3AD203B41FA5}">
+                          <a16:colId xmlns:a16="http://schemas.microsoft.com/office/drawing/2014/main" val="228067030"/>
+                        </a:ext>
+                      </a:extLst>
+                    </a:gridCol>
+                    <a:gridCol w="1662211">
+                      <a:extLst>
+                        <a:ext uri="{9D8B030D-6E8A-4147-A177-3AD203B41FA5}">
+                          <a16:colId xmlns:a16="http://schemas.microsoft.com/office/drawing/2014/main" val="615966615"/>
+                        </a:ext>
+                      </a:extLst>
+                    </a:gridCol>
+                    <a:gridCol w="2196662">
+                      <a:extLst>
+                        <a:ext uri="{9D8B030D-6E8A-4147-A177-3AD203B41FA5}">
+                          <a16:colId xmlns:a16="http://schemas.microsoft.com/office/drawing/2014/main" val="3115467481"/>
+                        </a:ext>
+                      </a:extLst>
+                    </a:gridCol>
+                    <a:gridCol w="2270235">
+                      <a:extLst>
+                        <a:ext uri="{9D8B030D-6E8A-4147-A177-3AD203B41FA5}">
+                          <a16:colId xmlns:a16="http://schemas.microsoft.com/office/drawing/2014/main" val="904531307"/>
+                        </a:ext>
+                      </a:extLst>
+                    </a:gridCol>
+                    <a:gridCol w="2283372">
+                      <a:extLst>
+                        <a:ext uri="{9D8B030D-6E8A-4147-A177-3AD203B41FA5}">
+                          <a16:colId xmlns:a16="http://schemas.microsoft.com/office/drawing/2014/main" val="2468936438"/>
+                        </a:ext>
+                      </a:extLst>
+                    </a:gridCol>
+                  </a:tblGrid>
+                  <a:tr h="1188720">
+                    <a:tc>
+                      <a:txBody>
+                        <a:bodyPr/>
+                        <a:lstStyle/>
+                        <a:p>
+                          <a:pPr algn="ctr"/>
+                          <a:endParaRPr lang="en-US" dirty="0">
+                            <a:latin typeface="Sanskrit Text" panose="02020503050405020304" pitchFamily="18" charset="0"/>
+                            <a:cs typeface="Sanskrit Text" panose="02020503050405020304" pitchFamily="18" charset="0"/>
+                          </a:endParaRPr>
+                        </a:p>
+                      </a:txBody>
+                      <a:tcPr/>
+                    </a:tc>
+                    <a:tc>
+                      <a:txBody>
+                        <a:bodyPr/>
+                        <a:lstStyle/>
+                        <a:p>
+                          <a:pPr algn="ctr"/>
+                          <a:r>
+                            <a:rPr lang="en-US" dirty="0">
+                              <a:latin typeface="Sanskrit Text" panose="02020503050405020304" pitchFamily="18" charset="0"/>
+                              <a:cs typeface="Sanskrit Text" panose="02020503050405020304" pitchFamily="18" charset="0"/>
+                            </a:rPr>
+                            <a:t>Base Model: XGBoost</a:t>
+                          </a:r>
+                        </a:p>
+                      </a:txBody>
+                      <a:tcPr/>
+                    </a:tc>
+                    <a:tc>
+                      <a:txBody>
+                        <a:bodyPr/>
+                        <a:lstStyle/>
+                        <a:p>
+                          <a:pPr marL="0" marR="0" lvl="0" indent="0" algn="ctr" defTabSz="914400" rtl="0" eaLnBrk="1" fontAlgn="auto" latinLnBrk="0" hangingPunct="1">
+                            <a:lnSpc>
+                              <a:spcPct val="100000"/>
+                            </a:lnSpc>
+                            <a:spcBef>
+                              <a:spcPts val="0"/>
+                            </a:spcBef>
+                            <a:spcAft>
+                              <a:spcPts val="0"/>
+                            </a:spcAft>
+                            <a:buClrTx/>
+                            <a:buSzTx/>
+                            <a:buFontTx/>
+                            <a:buNone/>
+                            <a:tabLst/>
+                            <a:defRPr/>
+                          </a:pPr>
+                          <a:r>
+                            <a:rPr lang="en-US" dirty="0">
+                              <a:latin typeface="Sanskrit Text" panose="02020503050405020304" pitchFamily="18" charset="0"/>
+                              <a:cs typeface="Sanskrit Text" panose="02020503050405020304" pitchFamily="18" charset="0"/>
+                            </a:rPr>
+                            <a:t>Undersampling, Hyperparameter Tuning</a:t>
+                          </a:r>
+                        </a:p>
+                        <a:p>
+                          <a:pPr algn="ctr"/>
+                          <a:endParaRPr lang="en-US" dirty="0">
+                            <a:latin typeface="Sanskrit Text" panose="02020503050405020304" pitchFamily="18" charset="0"/>
+                            <a:cs typeface="Sanskrit Text" panose="02020503050405020304" pitchFamily="18" charset="0"/>
+                          </a:endParaRPr>
+                        </a:p>
+                      </a:txBody>
+                      <a:tcPr/>
+                    </a:tc>
+                    <a:tc>
+                      <a:txBody>
+                        <a:bodyPr/>
+                        <a:lstStyle/>
+                        <a:p>
+                          <a:pPr algn="ctr"/>
+                          <a:r>
+                            <a:rPr lang="en-US" dirty="0">
+                              <a:latin typeface="Sanskrit Text" panose="02020503050405020304" pitchFamily="18" charset="0"/>
+                              <a:cs typeface="Sanskrit Text" panose="02020503050405020304" pitchFamily="18" charset="0"/>
+                            </a:rPr>
+                            <a:t>Feature Selection (top 300 feature importance scores)</a:t>
+                          </a:r>
+                        </a:p>
+                      </a:txBody>
+                      <a:tcPr/>
+                    </a:tc>
+                    <a:tc>
+                      <a:txBody>
+                        <a:bodyPr/>
+                        <a:lstStyle/>
+                        <a:p>
+                          <a:pPr algn="ctr"/>
+                          <a:r>
+                            <a:rPr lang="en-US" dirty="0">
+                              <a:latin typeface="Sanskrit Text" panose="02020503050405020304" pitchFamily="18" charset="0"/>
+                              <a:cs typeface="Sanskrit Text" panose="02020503050405020304" pitchFamily="18" charset="0"/>
+                            </a:rPr>
+                            <a:t>Feature Engineering</a:t>
+                          </a:r>
+                        </a:p>
+                      </a:txBody>
+                      <a:tcPr/>
+                    </a:tc>
+                    <a:extLst>
+                      <a:ext uri="{0D108BD9-81ED-4DB2-BD59-A6C34878D82A}">
+                        <a16:rowId xmlns:a16="http://schemas.microsoft.com/office/drawing/2014/main" val="3355560846"/>
+                      </a:ext>
+                    </a:extLst>
+                  </a:tr>
+                  <a:tr h="551661">
+                    <a:tc>
+                      <a:txBody>
+                        <a:bodyPr/>
+                        <a:lstStyle/>
+                        <a:p>
+                          <a:pPr algn="ctr"/>
+                          <a:r>
+                            <a:rPr lang="en-US" dirty="0">
+                              <a:latin typeface="Sanskrit Text" panose="02020503050405020304" pitchFamily="18" charset="0"/>
+                              <a:cs typeface="Sanskrit Text" panose="02020503050405020304" pitchFamily="18" charset="0"/>
+                            </a:rPr>
+                            <a:t>Recall</a:t>
+                          </a:r>
+                        </a:p>
+                      </a:txBody>
+                      <a:tcPr/>
+                    </a:tc>
+                    <a:tc>
+                      <a:txBody>
+                        <a:bodyPr/>
+                        <a:lstStyle/>
+                        <a:p>
+                          <a:pPr algn="ctr"/>
+                          <a:r>
+                            <a:rPr lang="en-US" dirty="0">
+                              <a:latin typeface="Sanskrit Text" panose="02020503050405020304" pitchFamily="18" charset="0"/>
+                              <a:cs typeface="Sanskrit Text" panose="02020503050405020304" pitchFamily="18" charset="0"/>
+                            </a:rPr>
+                            <a:t>0.02</a:t>
+                          </a:r>
+                        </a:p>
+                      </a:txBody>
+                      <a:tcPr/>
+                    </a:tc>
+                    <a:tc>
+                      <a:txBody>
+                        <a:bodyPr/>
+                        <a:lstStyle/>
+                        <a:p>
+                          <a:pPr algn="ctr"/>
+                          <a:r>
+                            <a:rPr lang="en-US" dirty="0">
+                              <a:latin typeface="Sanskrit Text" panose="02020503050405020304" pitchFamily="18" charset="0"/>
+                              <a:cs typeface="Sanskrit Text" panose="02020503050405020304" pitchFamily="18" charset="0"/>
+                            </a:rPr>
+                            <a:t>0.82</a:t>
+                          </a:r>
+                        </a:p>
+                      </a:txBody>
+                      <a:tcPr/>
+                    </a:tc>
+                    <a:tc>
+                      <a:txBody>
+                        <a:bodyPr/>
+                        <a:lstStyle/>
+                        <a:p>
+                          <a:pPr algn="ctr"/>
+                          <a:r>
+                            <a:rPr lang="en-US" dirty="0">
+                              <a:latin typeface="Sanskrit Text" panose="02020503050405020304" pitchFamily="18" charset="0"/>
+                              <a:cs typeface="Sanskrit Text" panose="02020503050405020304" pitchFamily="18" charset="0"/>
+                            </a:rPr>
+                            <a:t>0.85</a:t>
+                          </a:r>
+                        </a:p>
+                      </a:txBody>
+                      <a:tcPr/>
+                    </a:tc>
+                    <a:tc>
+                      <a:txBody>
+                        <a:bodyPr/>
+                        <a:lstStyle/>
+                        <a:p>
+                          <a:pPr algn="ctr"/>
+                          <a:r>
+                            <a:rPr lang="en-US" dirty="0">
+                              <a:latin typeface="Sanskrit Text" panose="02020503050405020304" pitchFamily="18" charset="0"/>
+                              <a:cs typeface="Sanskrit Text" panose="02020503050405020304" pitchFamily="18" charset="0"/>
+                            </a:rPr>
+                            <a:t>In progress</a:t>
+                          </a:r>
+                        </a:p>
+                      </a:txBody>
+                      <a:tcPr/>
+                    </a:tc>
+                    <a:extLst>
+                      <a:ext uri="{0D108BD9-81ED-4DB2-BD59-A6C34878D82A}">
+                        <a16:rowId xmlns:a16="http://schemas.microsoft.com/office/drawing/2014/main" val="4005409758"/>
+                      </a:ext>
+                    </a:extLst>
+                  </a:tr>
+                  <a:tr h="640080">
+                    <a:tc>
+                      <a:txBody>
+                        <a:bodyPr/>
+                        <a:lstStyle/>
+                        <a:p>
+                          <a:pPr algn="ctr"/>
+                          <a:r>
+                            <a:rPr lang="en-US">
+                              <a:latin typeface="Sanskrit Text" panose="02020503050405020304" pitchFamily="18" charset="0"/>
+                              <a:cs typeface="Sanskrit Text" panose="02020503050405020304" pitchFamily="18" charset="0"/>
+                            </a:rPr>
+                            <a:t>ROC AUC</a:t>
+                          </a:r>
+                          <a:endParaRPr lang="en-US" dirty="0">
+                            <a:latin typeface="Sanskrit Text" panose="02020503050405020304" pitchFamily="18" charset="0"/>
+                            <a:cs typeface="Sanskrit Text" panose="02020503050405020304" pitchFamily="18" charset="0"/>
+                          </a:endParaRPr>
+                        </a:p>
+                      </a:txBody>
+                      <a:tcPr/>
+                    </a:tc>
+                    <a:tc>
+                      <a:txBody>
+                        <a:bodyPr/>
+                        <a:lstStyle/>
+                        <a:p>
+                          <a:pPr algn="ctr"/>
+                          <a:r>
+                            <a:rPr lang="en-US" dirty="0">
+                              <a:latin typeface="Sanskrit Text" panose="02020503050405020304" pitchFamily="18" charset="0"/>
+                              <a:cs typeface="Sanskrit Text" panose="02020503050405020304" pitchFamily="18" charset="0"/>
+                            </a:rPr>
+                            <a:t>0.69</a:t>
+                          </a:r>
+                        </a:p>
+                      </a:txBody>
+                      <a:tcPr/>
+                    </a:tc>
+                    <a:tc>
+                      <a:txBody>
+                        <a:bodyPr/>
+                        <a:lstStyle/>
+                        <a:p>
+                          <a:pPr algn="ctr"/>
+                          <a:r>
+                            <a:rPr lang="en-US" dirty="0">
+                              <a:latin typeface="Sanskrit Text" panose="02020503050405020304" pitchFamily="18" charset="0"/>
+                              <a:cs typeface="Sanskrit Text" panose="02020503050405020304" pitchFamily="18" charset="0"/>
+                            </a:rPr>
+                            <a:t>0.69</a:t>
+                          </a:r>
+                        </a:p>
+                      </a:txBody>
+                      <a:tcPr/>
+                    </a:tc>
+                    <a:tc>
+                      <a:txBody>
+                        <a:bodyPr/>
+                        <a:lstStyle/>
+                        <a:p>
+                          <a:pPr algn="ctr"/>
+                          <a:r>
+                            <a:rPr lang="en-US" dirty="0">
+                              <a:latin typeface="Sanskrit Text" panose="02020503050405020304" pitchFamily="18" charset="0"/>
+                              <a:cs typeface="Sanskrit Text" panose="02020503050405020304" pitchFamily="18" charset="0"/>
+                            </a:rPr>
+                            <a:t>0.68</a:t>
+                          </a:r>
+                        </a:p>
+                      </a:txBody>
+                      <a:tcPr/>
+                    </a:tc>
+                    <a:tc>
+                      <a:txBody>
+                        <a:bodyPr/>
+                        <a:lstStyle/>
+                        <a:p>
+                          <a:pPr marL="0" marR="0" lvl="0" indent="0" algn="ctr" defTabSz="914400" rtl="0" eaLnBrk="1" fontAlgn="auto" latinLnBrk="0" hangingPunct="1">
+                            <a:lnSpc>
+                              <a:spcPct val="100000"/>
+                            </a:lnSpc>
+                            <a:spcBef>
+                              <a:spcPts val="0"/>
+                            </a:spcBef>
+                            <a:spcAft>
+                              <a:spcPts val="0"/>
+                            </a:spcAft>
+                            <a:buClrTx/>
+                            <a:buSzTx/>
+                            <a:buFontTx/>
+                            <a:buNone/>
+                            <a:tabLst/>
+                            <a:defRPr/>
+                          </a:pPr>
+                          <a:r>
+                            <a:rPr lang="en-US" dirty="0">
+                              <a:latin typeface="Sanskrit Text" panose="02020503050405020304" pitchFamily="18" charset="0"/>
+                              <a:cs typeface="Sanskrit Text" panose="02020503050405020304" pitchFamily="18" charset="0"/>
+                            </a:rPr>
+                            <a:t>In progress</a:t>
+                          </a:r>
+                        </a:p>
+                        <a:p>
+                          <a:pPr algn="ctr"/>
+                          <a:endParaRPr lang="en-US" dirty="0">
+                            <a:latin typeface="Sanskrit Text" panose="02020503050405020304" pitchFamily="18" charset="0"/>
+                            <a:cs typeface="Sanskrit Text" panose="02020503050405020304" pitchFamily="18" charset="0"/>
+                          </a:endParaRPr>
+                        </a:p>
+                      </a:txBody>
+                      <a:tcPr/>
+                    </a:tc>
+                    <a:extLst>
+                      <a:ext uri="{0D108BD9-81ED-4DB2-BD59-A6C34878D82A}">
+                        <a16:rowId xmlns:a16="http://schemas.microsoft.com/office/drawing/2014/main" val="2596339206"/>
+                      </a:ext>
+                    </a:extLst>
+                  </a:tr>
+                  <a:tr h="365760">
+                    <a:tc>
+                      <a:txBody>
+                        <a:bodyPr/>
+                        <a:lstStyle/>
+                        <a:p>
+                          <a:pPr algn="ctr"/>
+                          <a:endParaRPr lang="en-US" dirty="0">
+                            <a:latin typeface="Sanskrit Text" panose="02020503050405020304" pitchFamily="18" charset="0"/>
+                            <a:cs typeface="Sanskrit Text" panose="02020503050405020304" pitchFamily="18" charset="0"/>
+                          </a:endParaRPr>
+                        </a:p>
+                      </a:txBody>
+                      <a:tcPr>
+                        <a:solidFill>
+                          <a:schemeClr val="accent1"/>
+                        </a:solidFill>
+                      </a:tcPr>
+                    </a:tc>
+                    <a:tc>
+                      <a:txBody>
+                        <a:bodyPr/>
+                        <a:lstStyle/>
+                        <a:p>
+                          <a:pPr algn="ctr"/>
+                          <a:endParaRPr lang="en-US" dirty="0">
+                            <a:latin typeface="Sanskrit Text" panose="02020503050405020304" pitchFamily="18" charset="0"/>
+                            <a:cs typeface="Sanskrit Text" panose="02020503050405020304" pitchFamily="18" charset="0"/>
+                          </a:endParaRPr>
+                        </a:p>
+                      </a:txBody>
+                      <a:tcPr>
+                        <a:solidFill>
+                          <a:schemeClr val="accent1"/>
+                        </a:solidFill>
+                      </a:tcPr>
+                    </a:tc>
+                    <a:tc>
+                      <a:txBody>
+                        <a:bodyPr/>
+                        <a:lstStyle/>
+                        <a:p>
+                          <a:pPr algn="ctr"/>
+                          <a:endParaRPr lang="en-US" dirty="0">
+                            <a:latin typeface="Sanskrit Text" panose="02020503050405020304" pitchFamily="18" charset="0"/>
+                            <a:cs typeface="Sanskrit Text" panose="02020503050405020304" pitchFamily="18" charset="0"/>
+                          </a:endParaRPr>
+                        </a:p>
+                      </a:txBody>
+                      <a:tcPr>
+                        <a:solidFill>
+                          <a:schemeClr val="accent1"/>
+                        </a:solidFill>
+                      </a:tcPr>
+                    </a:tc>
+                    <a:tc>
+                      <a:txBody>
+                        <a:bodyPr/>
+                        <a:lstStyle/>
+                        <a:p>
+                          <a:pPr algn="ctr"/>
+                          <a:endParaRPr lang="en-US" dirty="0">
+                            <a:latin typeface="Sanskrit Text" panose="02020503050405020304" pitchFamily="18" charset="0"/>
+                            <a:cs typeface="Sanskrit Text" panose="02020503050405020304" pitchFamily="18" charset="0"/>
+                          </a:endParaRPr>
+                        </a:p>
+                      </a:txBody>
+                      <a:tcPr>
+                        <a:solidFill>
+                          <a:schemeClr val="accent1"/>
+                        </a:solidFill>
+                      </a:tcPr>
+                    </a:tc>
+                    <a:tc>
+                      <a:txBody>
+                        <a:bodyPr/>
+                        <a:lstStyle/>
+                        <a:p>
+                          <a:pPr algn="ctr"/>
+                          <a:endParaRPr lang="en-US" dirty="0">
+                            <a:latin typeface="Sanskrit Text" panose="02020503050405020304" pitchFamily="18" charset="0"/>
+                            <a:cs typeface="Sanskrit Text" panose="02020503050405020304" pitchFamily="18" charset="0"/>
+                          </a:endParaRPr>
+                        </a:p>
+                      </a:txBody>
+                      <a:tcPr>
+                        <a:solidFill>
+                          <a:schemeClr val="accent1"/>
+                        </a:solidFill>
+                      </a:tcPr>
+                    </a:tc>
+                    <a:extLst>
+                      <a:ext uri="{0D108BD9-81ED-4DB2-BD59-A6C34878D82A}">
+                        <a16:rowId xmlns:a16="http://schemas.microsoft.com/office/drawing/2014/main" val="97745172"/>
+                      </a:ext>
+                    </a:extLst>
+                  </a:tr>
+                  <a:tr h="640080">
+                    <a:tc>
+                      <a:txBody>
+                        <a:bodyPr/>
+                        <a:lstStyle/>
+                        <a:p>
+                          <a:endParaRPr lang="en-US"/>
+                        </a:p>
+                      </a:txBody>
+                      <a:tcPr>
+                        <a:blipFill>
+                          <a:blip r:embed="rId2"/>
+                          <a:stretch>
+                            <a:fillRect l="-602" t="-438000" r="-400602" b="-92000"/>
+                          </a:stretch>
+                        </a:blipFill>
+                      </a:tcPr>
+                    </a:tc>
+                    <a:tc>
+                      <a:txBody>
+                        <a:bodyPr/>
+                        <a:lstStyle/>
+                        <a:p>
+                          <a:pPr algn="ctr"/>
+                          <a:r>
+                            <a:rPr lang="en-US" dirty="0">
+                              <a:latin typeface="Sanskrit Text" panose="02020503050405020304" pitchFamily="18" charset="0"/>
+                              <a:cs typeface="Sanskrit Text" panose="02020503050405020304" pitchFamily="18" charset="0"/>
+                            </a:rPr>
+                            <a:t>-39.9</a:t>
+                          </a:r>
+                        </a:p>
+                      </a:txBody>
+                      <a:tcPr/>
+                    </a:tc>
+                    <a:tc>
+                      <a:txBody>
+                        <a:bodyPr/>
+                        <a:lstStyle/>
+                        <a:p>
+                          <a:pPr algn="ctr"/>
+                          <a:r>
+                            <a:rPr lang="en-US" dirty="0">
+                              <a:latin typeface="Sanskrit Text" panose="02020503050405020304" pitchFamily="18" charset="0"/>
+                              <a:cs typeface="Sanskrit Text" panose="02020503050405020304" pitchFamily="18" charset="0"/>
+                            </a:rPr>
+                            <a:t>-.002</a:t>
+                          </a:r>
+                        </a:p>
+                      </a:txBody>
+                      <a:tcPr/>
+                    </a:tc>
+                    <a:tc>
+                      <a:txBody>
+                        <a:bodyPr/>
+                        <a:lstStyle/>
+                        <a:p>
+                          <a:pPr algn="ctr"/>
+                          <a:r>
+                            <a:rPr lang="en-US" dirty="0">
+                              <a:latin typeface="Sanskrit Text" panose="02020503050405020304" pitchFamily="18" charset="0"/>
+                              <a:cs typeface="Sanskrit Text" panose="02020503050405020304" pitchFamily="18" charset="0"/>
+                            </a:rPr>
+                            <a:t>0.002</a:t>
+                          </a:r>
+                        </a:p>
+                      </a:txBody>
+                      <a:tcPr/>
+                    </a:tc>
+                    <a:tc>
+                      <a:txBody>
+                        <a:bodyPr/>
+                        <a:lstStyle/>
+                        <a:p>
+                          <a:pPr marL="0" marR="0" lvl="0" indent="0" algn="ctr" defTabSz="914400" rtl="0" eaLnBrk="1" fontAlgn="auto" latinLnBrk="0" hangingPunct="1">
+                            <a:lnSpc>
+                              <a:spcPct val="100000"/>
+                            </a:lnSpc>
+                            <a:spcBef>
+                              <a:spcPts val="0"/>
+                            </a:spcBef>
+                            <a:spcAft>
+                              <a:spcPts val="0"/>
+                            </a:spcAft>
+                            <a:buClrTx/>
+                            <a:buSzTx/>
+                            <a:buFontTx/>
+                            <a:buNone/>
+                            <a:tabLst/>
+                            <a:defRPr/>
+                          </a:pPr>
+                          <a:r>
+                            <a:rPr lang="en-US" dirty="0">
+                              <a:latin typeface="Sanskrit Text" panose="02020503050405020304" pitchFamily="18" charset="0"/>
+                              <a:cs typeface="Sanskrit Text" panose="02020503050405020304" pitchFamily="18" charset="0"/>
+                            </a:rPr>
+                            <a:t>In progress</a:t>
+                          </a:r>
+                        </a:p>
+                        <a:p>
+                          <a:pPr algn="ctr"/>
+                          <a:endParaRPr lang="en-US" dirty="0">
+                            <a:latin typeface="Sanskrit Text" panose="02020503050405020304" pitchFamily="18" charset="0"/>
+                            <a:cs typeface="Sanskrit Text" panose="02020503050405020304" pitchFamily="18" charset="0"/>
+                          </a:endParaRPr>
+                        </a:p>
+                      </a:txBody>
+                      <a:tcPr/>
+                    </a:tc>
+                    <a:extLst>
+                      <a:ext uri="{0D108BD9-81ED-4DB2-BD59-A6C34878D82A}">
+                        <a16:rowId xmlns:a16="http://schemas.microsoft.com/office/drawing/2014/main" val="2526693871"/>
+                      </a:ext>
+                    </a:extLst>
+                  </a:tr>
+                  <a:tr h="551661">
+                    <a:tc>
+                      <a:txBody>
+                        <a:bodyPr/>
+                        <a:lstStyle/>
+                        <a:p>
+                          <a:pPr algn="ctr"/>
+                          <a:r>
+                            <a:rPr lang="en-US" dirty="0">
+                              <a:latin typeface="Sanskrit Text" panose="02020503050405020304" pitchFamily="18" charset="0"/>
+                              <a:cs typeface="Sanskrit Text" panose="02020503050405020304" pitchFamily="18" charset="0"/>
+                            </a:rPr>
+                            <a:t>MAE</a:t>
+                          </a:r>
+                        </a:p>
+                      </a:txBody>
+                      <a:tcPr/>
+                    </a:tc>
+                    <a:tc>
+                      <a:txBody>
+                        <a:bodyPr/>
+                        <a:lstStyle/>
+                        <a:p>
+                          <a:pPr algn="ctr"/>
+                          <a:r>
+                            <a:rPr lang="en-US" dirty="0">
+                              <a:latin typeface="Sanskrit Text" panose="02020503050405020304" pitchFamily="18" charset="0"/>
+                              <a:cs typeface="Sanskrit Text" panose="02020503050405020304" pitchFamily="18" charset="0"/>
+                            </a:rPr>
+                            <a:t>8.8</a:t>
+                          </a:r>
+                        </a:p>
+                      </a:txBody>
+                      <a:tcPr/>
+                    </a:tc>
+                    <a:tc>
+                      <a:txBody>
+                        <a:bodyPr/>
+                        <a:lstStyle/>
+                        <a:p>
+                          <a:pPr algn="ctr"/>
+                          <a:r>
+                            <a:rPr lang="en-US" dirty="0">
+                              <a:latin typeface="Sanskrit Text" panose="02020503050405020304" pitchFamily="18" charset="0"/>
+                              <a:cs typeface="Sanskrit Text" panose="02020503050405020304" pitchFamily="18" charset="0"/>
+                            </a:rPr>
+                            <a:t>1.48</a:t>
+                          </a:r>
+                        </a:p>
+                      </a:txBody>
+                      <a:tcPr/>
+                    </a:tc>
+                    <a:tc>
+                      <a:txBody>
+                        <a:bodyPr/>
+                        <a:lstStyle/>
+                        <a:p>
+                          <a:pPr algn="ctr"/>
+                          <a:r>
+                            <a:rPr lang="en-US" dirty="0">
+                              <a:latin typeface="Sanskrit Text" panose="02020503050405020304" pitchFamily="18" charset="0"/>
+                              <a:cs typeface="Sanskrit Text" panose="02020503050405020304" pitchFamily="18" charset="0"/>
+                            </a:rPr>
+                            <a:t>1.61</a:t>
+                          </a:r>
+                        </a:p>
+                      </a:txBody>
+                      <a:tcPr/>
+                    </a:tc>
+                    <a:tc>
+                      <a:txBody>
+                        <a:bodyPr/>
+                        <a:lstStyle/>
+                        <a:p>
+                          <a:pPr marL="0" marR="0" lvl="0" indent="0" algn="ctr" defTabSz="914400" rtl="0" eaLnBrk="1" fontAlgn="auto" latinLnBrk="0" hangingPunct="1">
+                            <a:lnSpc>
+                              <a:spcPct val="100000"/>
+                            </a:lnSpc>
+                            <a:spcBef>
+                              <a:spcPts val="0"/>
+                            </a:spcBef>
+                            <a:spcAft>
+                              <a:spcPts val="0"/>
+                            </a:spcAft>
+                            <a:buClrTx/>
+                            <a:buSzTx/>
+                            <a:buFontTx/>
+                            <a:buNone/>
+                            <a:tabLst/>
+                            <a:defRPr/>
+                          </a:pPr>
+                          <a:r>
+                            <a:rPr lang="en-US" dirty="0">
+                              <a:latin typeface="Sanskrit Text" panose="02020503050405020304" pitchFamily="18" charset="0"/>
+                              <a:cs typeface="Sanskrit Text" panose="02020503050405020304" pitchFamily="18" charset="0"/>
+                            </a:rPr>
+                            <a:t>In progress</a:t>
+                          </a:r>
+                        </a:p>
+                      </a:txBody>
+                      <a:tcPr/>
+                    </a:tc>
+                    <a:extLst>
+                      <a:ext uri="{0D108BD9-81ED-4DB2-BD59-A6C34878D82A}">
+                        <a16:rowId xmlns:a16="http://schemas.microsoft.com/office/drawing/2014/main" val="3864313353"/>
+                      </a:ext>
+                    </a:extLst>
+                  </a:tr>
+                </a:tbl>
+              </a:graphicData>
+            </a:graphic>
+          </p:graphicFrame>
+        </mc:Fallback>
+      </mc:AlternateContent>
     </p:spTree>
     <p:extLst>
       <p:ext uri="{BB962C8B-B14F-4D97-AF65-F5344CB8AC3E}">
-        <p14:creationId xmlns:p14="http://schemas.microsoft.com/office/powerpoint/2010/main" val="497860811"/>
+        <p14:creationId xmlns:p14="http://schemas.microsoft.com/office/powerpoint/2010/main" val="1996548817"/>
       </p:ext>
     </p:extLst>
   </p:cSld>
@@ -8523,17 +10473,17 @@
                 <a:latin typeface="Sanskrit Text" panose="02020503050405020304" pitchFamily="18" charset="0"/>
                 <a:cs typeface="Sanskrit Text" panose="02020503050405020304" pitchFamily="18" charset="0"/>
               </a:rPr>
-              <a:t>Results/Metrics</a:t>
+              <a:t>Results</a:t>
             </a:r>
           </a:p>
         </p:txBody>
       </p:sp>
       <p:sp>
         <p:nvSpPr>
-          <p:cNvPr id="6" name="Content Placeholder 5">
+          <p:cNvPr id="5" name="Content Placeholder 4">
             <a:extLst>
               <a:ext uri="{FF2B5EF4-FFF2-40B4-BE49-F238E27FC236}">
-                <a16:creationId xmlns:a16="http://schemas.microsoft.com/office/drawing/2014/main" id="{E9AEC062-B789-BC48-93A6-05FBD88C9210}"/>
+                <a16:creationId xmlns:a16="http://schemas.microsoft.com/office/drawing/2014/main" id="{3EB84E46-8D55-834E-A754-6A1A5F757D8D}"/>
               </a:ext>
             </a:extLst>
           </p:cNvPr>
@@ -8549,6 +10499,55 @@
           <a:bodyPr/>
           <a:lstStyle/>
           <a:p>
+            <a:r>
+              <a:rPr lang="en-US" dirty="0">
+                <a:latin typeface="Sanskrit Text" panose="02020503050405020304" pitchFamily="18" charset="0"/>
+                <a:cs typeface="Sanskrit Text" panose="02020503050405020304" pitchFamily="18" charset="0"/>
+              </a:rPr>
+              <a:t>Predicted # of risky loans: 13,067</a:t>
+            </a:r>
+          </a:p>
+          <a:p>
+            <a:pPr lvl="1"/>
+            <a:r>
+              <a:rPr lang="en-US" dirty="0">
+                <a:latin typeface="Sanskrit Text" panose="02020503050405020304" pitchFamily="18" charset="0"/>
+                <a:cs typeface="Sanskrit Text" panose="02020503050405020304" pitchFamily="18" charset="0"/>
+              </a:rPr>
+              <a:t>ADD % of portfolio</a:t>
+            </a:r>
+          </a:p>
+          <a:p>
+            <a:r>
+              <a:rPr lang="en-US" dirty="0">
+                <a:latin typeface="Sanskrit Text" panose="02020503050405020304" pitchFamily="18" charset="0"/>
+                <a:cs typeface="Sanskrit Text" panose="02020503050405020304" pitchFamily="18" charset="0"/>
+              </a:rPr>
+              <a:t>Predicted average portfolio loan loss: 1%</a:t>
+            </a:r>
+          </a:p>
+          <a:p>
+            <a:pPr lvl="1"/>
+            <a:r>
+              <a:rPr lang="en-US" dirty="0">
+                <a:latin typeface="Sanskrit Text" panose="02020503050405020304" pitchFamily="18" charset="0"/>
+                <a:cs typeface="Sanskrit Text" panose="02020503050405020304" pitchFamily="18" charset="0"/>
+              </a:rPr>
+              <a:t>Compare to actual portfolio loan loss</a:t>
+            </a:r>
+          </a:p>
+          <a:p>
+            <a:pPr lvl="1"/>
+            <a:r>
+              <a:rPr lang="en-US" dirty="0">
+                <a:latin typeface="Sanskrit Text" panose="02020503050405020304" pitchFamily="18" charset="0"/>
+                <a:cs typeface="Sanskrit Text" panose="02020503050405020304" pitchFamily="18" charset="0"/>
+              </a:rPr>
+              <a:t>Seems low…</a:t>
+            </a:r>
+          </a:p>
+          <a:p>
+            <a:pPr lvl="1"/>
             <a:endParaRPr lang="en-US" dirty="0">
               <a:latin typeface="Sanskrit Text" panose="02020503050405020304" pitchFamily="18" charset="0"/>
               <a:cs typeface="Sanskrit Text" panose="02020503050405020304" pitchFamily="18" charset="0"/>
@@ -8559,7 +10558,7 @@
     </p:spTree>
     <p:extLst>
       <p:ext uri="{BB962C8B-B14F-4D97-AF65-F5344CB8AC3E}">
-        <p14:creationId xmlns:p14="http://schemas.microsoft.com/office/powerpoint/2010/main" val="1996548817"/>
+        <p14:creationId xmlns:p14="http://schemas.microsoft.com/office/powerpoint/2010/main" val="2761092756"/>
       </p:ext>
     </p:extLst>
   </p:cSld>
@@ -8604,7 +10603,9 @@
         </p:nvSpPr>
         <p:spPr/>
         <p:txBody>
-          <a:bodyPr/>
+          <a:bodyPr>
+            <a:normAutofit fontScale="90000"/>
+          </a:bodyPr>
           <a:lstStyle/>
           <a:p>
             <a:r>
@@ -8612,82 +10613,170 @@
                 <a:latin typeface="Sanskrit Text" panose="02020503050405020304" pitchFamily="18" charset="0"/>
                 <a:cs typeface="Sanskrit Text" panose="02020503050405020304" pitchFamily="18" charset="0"/>
               </a:rPr>
-              <a:t>Why do Banks care?</a:t>
+              <a:t>Results (residual plots) REMOVE SLIDE</a:t>
+            </a:r>
+          </a:p>
+        </p:txBody>
+      </p:sp>
+      <p:pic>
+        <p:nvPicPr>
+          <p:cNvPr id="7" name="Content Placeholder 6">
+            <a:extLst>
+              <a:ext uri="{FF2B5EF4-FFF2-40B4-BE49-F238E27FC236}">
+                <a16:creationId xmlns:a16="http://schemas.microsoft.com/office/drawing/2014/main" id="{8ADE6DB2-F4F3-8D42-8F21-17C8952D5037}"/>
+              </a:ext>
+              <a:ext uri="{C183D7F6-B498-43B3-948B-1728B52AA6E4}">
+                <adec:decorative xmlns:adec="http://schemas.microsoft.com/office/drawing/2017/decorative" val="1"/>
+              </a:ext>
+            </a:extLst>
+          </p:cNvPr>
+          <p:cNvPicPr>
+            <a:picLocks noGrp="1" noChangeAspect="1"/>
+          </p:cNvPicPr>
+          <p:nvPr>
+            <p:ph idx="1"/>
+          </p:nvPr>
+        </p:nvPicPr>
+        <p:blipFill>
+          <a:blip r:embed="rId2"/>
+          <a:stretch>
+            <a:fillRect/>
+          </a:stretch>
+        </p:blipFill>
+        <p:spPr>
+          <a:xfrm>
+            <a:off x="454346" y="2876350"/>
+            <a:ext cx="5318013" cy="3396587"/>
+          </a:xfrm>
+        </p:spPr>
+      </p:pic>
+      <p:sp>
+        <p:nvSpPr>
+          <p:cNvPr id="8" name="TextBox 7">
+            <a:extLst>
+              <a:ext uri="{FF2B5EF4-FFF2-40B4-BE49-F238E27FC236}">
+                <a16:creationId xmlns:a16="http://schemas.microsoft.com/office/drawing/2014/main" id="{F6DC4472-963A-8F46-80AD-8A78A52E4B8A}"/>
+              </a:ext>
+            </a:extLst>
+          </p:cNvPr>
+          <p:cNvSpPr txBox="1"/>
+          <p:nvPr/>
+        </p:nvSpPr>
+        <p:spPr>
+          <a:xfrm>
+            <a:off x="1962469" y="2464969"/>
+            <a:ext cx="2301765" cy="369332"/>
+          </a:xfrm>
+          <a:prstGeom prst="rect">
+            <a:avLst/>
+          </a:prstGeom>
+          <a:noFill/>
+        </p:spPr>
+        <p:txBody>
+          <a:bodyPr wrap="square" rtlCol="0">
+            <a:spAutoFit/>
+          </a:bodyPr>
+          <a:lstStyle/>
+          <a:p>
+            <a:pPr algn="ctr"/>
+            <a:r>
+              <a:rPr lang="en-US" dirty="0">
+                <a:latin typeface="Sanskrit Text" panose="02020503050405020304" pitchFamily="18" charset="0"/>
+                <a:cs typeface="Sanskrit Text" panose="02020503050405020304" pitchFamily="18" charset="0"/>
+              </a:rPr>
+              <a:t>Base Model</a:t>
             </a:r>
           </a:p>
         </p:txBody>
       </p:sp>
       <p:sp>
         <p:nvSpPr>
-          <p:cNvPr id="3" name="Content Placeholder 2">
+          <p:cNvPr id="9" name="TextBox 8">
             <a:extLst>
               <a:ext uri="{FF2B5EF4-FFF2-40B4-BE49-F238E27FC236}">
-                <a16:creationId xmlns:a16="http://schemas.microsoft.com/office/drawing/2014/main" id="{E4CDD73E-F784-5643-9AA2-36939D1492E8}"/>
+                <a16:creationId xmlns:a16="http://schemas.microsoft.com/office/drawing/2014/main" id="{331A949B-E468-6A41-8C7A-0C5FED7959EA}"/>
               </a:ext>
             </a:extLst>
           </p:cNvPr>
-          <p:cNvSpPr>
-            <a:spLocks noGrp="1"/>
-          </p:cNvSpPr>
-          <p:nvPr>
-            <p:ph idx="1"/>
-          </p:nvPr>
+          <p:cNvSpPr txBox="1"/>
+          <p:nvPr/>
         </p:nvSpPr>
-        <p:spPr/>
+        <p:spPr>
+          <a:xfrm>
+            <a:off x="7669727" y="2464969"/>
+            <a:ext cx="2914189" cy="369332"/>
+          </a:xfrm>
+          <a:prstGeom prst="rect">
+            <a:avLst/>
+          </a:prstGeom>
+          <a:noFill/>
+        </p:spPr>
         <p:txBody>
-          <a:bodyPr/>
+          <a:bodyPr wrap="square" rtlCol="0">
+            <a:spAutoFit/>
+          </a:bodyPr>
           <a:lstStyle/>
           <a:p>
+            <a:pPr algn="ctr"/>
             <a:r>
               <a:rPr lang="en-US" dirty="0">
                 <a:latin typeface="Sanskrit Text" panose="02020503050405020304" pitchFamily="18" charset="0"/>
                 <a:cs typeface="Sanskrit Text" panose="02020503050405020304" pitchFamily="18" charset="0"/>
               </a:rPr>
-              <a:t>Loans are the largest portion of any bank’s business</a:t>
-            </a:r>
-          </a:p>
-          <a:p>
+              <a:t>Optimal Model (so far </a:t>
+            </a:r>
+            <a:r>
+              <a:rPr lang="en-US" dirty="0">
+                <a:latin typeface="Sanskrit Text" panose="02020503050405020304" pitchFamily="18" charset="0"/>
+                <a:cs typeface="Sanskrit Text" panose="02020503050405020304" pitchFamily="18" charset="0"/>
+                <a:sym typeface="Wingdings" pitchFamily="2" charset="2"/>
+              </a:rPr>
+              <a:t></a:t>
+            </a:r>
             <a:r>
               <a:rPr lang="en-US" dirty="0">
                 <a:latin typeface="Sanskrit Text" panose="02020503050405020304" pitchFamily="18" charset="0"/>
                 <a:cs typeface="Sanskrit Text" panose="02020503050405020304" pitchFamily="18" charset="0"/>
               </a:rPr>
-              <a:t>Preventive measures</a:t>
-            </a:r>
-          </a:p>
-          <a:p>
-            <a:r>
-              <a:rPr lang="en-US" dirty="0">
-                <a:latin typeface="Sanskrit Text" panose="02020503050405020304" pitchFamily="18" charset="0"/>
-                <a:cs typeface="Sanskrit Text" panose="02020503050405020304" pitchFamily="18" charset="0"/>
-              </a:rPr>
-              <a:t>Capital reserves requirements</a:t>
-            </a:r>
-          </a:p>
-          <a:p>
-            <a:r>
-              <a:rPr lang="en-US" dirty="0">
-                <a:latin typeface="Sanskrit Text" panose="02020503050405020304" pitchFamily="18" charset="0"/>
-                <a:cs typeface="Sanskrit Text" panose="02020503050405020304" pitchFamily="18" charset="0"/>
-              </a:rPr>
-              <a:t>Increase profits</a:t>
-            </a:r>
-          </a:p>
-          <a:p>
-            <a:r>
-              <a:rPr lang="en-US" dirty="0">
-                <a:latin typeface="Sanskrit Text" panose="02020503050405020304" pitchFamily="18" charset="0"/>
-                <a:cs typeface="Sanskrit Text" panose="02020503050405020304" pitchFamily="18" charset="0"/>
-              </a:rPr>
-              <a:t>Decrease risks</a:t>
+              <a:t>)</a:t>
             </a:r>
           </a:p>
         </p:txBody>
       </p:sp>
+      <p:pic>
+        <p:nvPicPr>
+          <p:cNvPr id="4" name="Picture 3" descr="Chart&#10;&#10;Description automatically generated">
+            <a:extLst>
+              <a:ext uri="{FF2B5EF4-FFF2-40B4-BE49-F238E27FC236}">
+                <a16:creationId xmlns:a16="http://schemas.microsoft.com/office/drawing/2014/main" id="{0D14A61A-2EBD-B748-ABE0-A8C78C4FB676}"/>
+              </a:ext>
+            </a:extLst>
+          </p:cNvPr>
+          <p:cNvPicPr>
+            <a:picLocks noChangeAspect="1"/>
+          </p:cNvPicPr>
+          <p:nvPr/>
+        </p:nvPicPr>
+        <p:blipFill>
+          <a:blip r:embed="rId3"/>
+          <a:stretch>
+            <a:fillRect/>
+          </a:stretch>
+        </p:blipFill>
+        <p:spPr>
+          <a:xfrm>
+            <a:off x="6332284" y="2876350"/>
+            <a:ext cx="5188434" cy="3524451"/>
+          </a:xfrm>
+          <a:prstGeom prst="rect">
+            <a:avLst/>
+          </a:prstGeom>
+        </p:spPr>
+      </p:pic>
     </p:spTree>
     <p:extLst>
       <p:ext uri="{BB962C8B-B14F-4D97-AF65-F5344CB8AC3E}">
-        <p14:creationId xmlns:p14="http://schemas.microsoft.com/office/powerpoint/2010/main" val="3993413614"/>
+        <p14:creationId xmlns:p14="http://schemas.microsoft.com/office/powerpoint/2010/main" val="1322365031"/>
       </p:ext>
     </p:extLst>
   </p:cSld>
@@ -8719,7 +10808,7 @@
           <p:cNvPr id="2" name="Title 1">
             <a:extLst>
               <a:ext uri="{FF2B5EF4-FFF2-40B4-BE49-F238E27FC236}">
-                <a16:creationId xmlns:a16="http://schemas.microsoft.com/office/drawing/2014/main" id="{3A79EB82-8B22-264A-B3C9-564083CCBFB5}"/>
+                <a16:creationId xmlns:a16="http://schemas.microsoft.com/office/drawing/2014/main" id="{BBED074E-3852-5746-A04F-0482AE64609F}"/>
               </a:ext>
             </a:extLst>
           </p:cNvPr>
@@ -8732,7 +10821,9 @@
         </p:nvSpPr>
         <p:spPr/>
         <p:txBody>
-          <a:bodyPr/>
+          <a:bodyPr>
+            <a:normAutofit fontScale="90000"/>
+          </a:bodyPr>
           <a:lstStyle/>
           <a:p>
             <a:r>
@@ -8740,7 +10831,7 @@
                 <a:latin typeface="Sanskrit Text" panose="02020503050405020304" pitchFamily="18" charset="0"/>
                 <a:cs typeface="Sanskrit Text" panose="02020503050405020304" pitchFamily="18" charset="0"/>
               </a:rPr>
-              <a:t>Next Steps</a:t>
+              <a:t>Banks are the end-user (move to beginning)</a:t>
             </a:r>
           </a:p>
         </p:txBody>
@@ -8750,7 +10841,7 @@
           <p:cNvPr id="3" name="Content Placeholder 2">
             <a:extLst>
               <a:ext uri="{FF2B5EF4-FFF2-40B4-BE49-F238E27FC236}">
-                <a16:creationId xmlns:a16="http://schemas.microsoft.com/office/drawing/2014/main" id="{81E54D86-4BAF-7447-8F43-45C8DDFAB442}"/>
+                <a16:creationId xmlns:a16="http://schemas.microsoft.com/office/drawing/2014/main" id="{F665778D-7C59-B842-8E43-F5011DAA3C99}"/>
               </a:ext>
             </a:extLst>
           </p:cNvPr>
@@ -8761,9 +10852,16 @@
             <p:ph idx="1"/>
           </p:nvPr>
         </p:nvSpPr>
-        <p:spPr/>
+        <p:spPr>
+          <a:xfrm>
+            <a:off x="838200" y="1929384"/>
+            <a:ext cx="10515600" cy="4650092"/>
+          </a:xfrm>
+        </p:spPr>
         <p:txBody>
-          <a:bodyPr/>
+          <a:bodyPr>
+            <a:normAutofit/>
+          </a:bodyPr>
           <a:lstStyle/>
           <a:p>
             <a:r>
@@ -8771,29 +10869,88 @@
                 <a:latin typeface="Sanskrit Text" panose="02020503050405020304" pitchFamily="18" charset="0"/>
                 <a:cs typeface="Sanskrit Text" panose="02020503050405020304" pitchFamily="18" charset="0"/>
               </a:rPr>
-              <a:t>Create </a:t>
-            </a:r>
-            <a:r>
-              <a:rPr lang="en-US" dirty="0" err="1">
-                <a:latin typeface="Sanskrit Text" panose="02020503050405020304" pitchFamily="18" charset="0"/>
-                <a:cs typeface="Sanskrit Text" panose="02020503050405020304" pitchFamily="18" charset="0"/>
-              </a:rPr>
-              <a:t>streamlit</a:t>
-            </a:r>
+              <a:t>A list of potential risky loans and loan loss amount</a:t>
+            </a:r>
+          </a:p>
+          <a:p>
             <a:r>
               <a:rPr lang="en-US" dirty="0">
                 <a:latin typeface="Sanskrit Text" panose="02020503050405020304" pitchFamily="18" charset="0"/>
                 <a:cs typeface="Sanskrit Text" panose="02020503050405020304" pitchFamily="18" charset="0"/>
               </a:rPr>
-              <a:t> app containing process and results</a:t>
-            </a:r>
+              <a:t>Extremely useful for banks:</a:t>
+            </a:r>
+          </a:p>
+          <a:p>
+            <a:pPr lvl="1"/>
+            <a:r>
+              <a:rPr lang="en-US" dirty="0">
+                <a:latin typeface="Sanskrit Text" panose="02020503050405020304" pitchFamily="18" charset="0"/>
+                <a:cs typeface="Sanskrit Text" panose="02020503050405020304" pitchFamily="18" charset="0"/>
+              </a:rPr>
+              <a:t>Loans are the largest portion of any bank’s business</a:t>
+            </a:r>
+          </a:p>
+          <a:p>
+            <a:pPr lvl="1"/>
+            <a:r>
+              <a:rPr lang="en-US" dirty="0">
+                <a:latin typeface="Sanskrit Text" panose="02020503050405020304" pitchFamily="18" charset="0"/>
+                <a:cs typeface="Sanskrit Text" panose="02020503050405020304" pitchFamily="18" charset="0"/>
+              </a:rPr>
+              <a:t>Preventive measures</a:t>
+            </a:r>
+          </a:p>
+          <a:p>
+            <a:pPr lvl="1"/>
+            <a:r>
+              <a:rPr lang="en-US" dirty="0">
+                <a:latin typeface="Sanskrit Text" panose="02020503050405020304" pitchFamily="18" charset="0"/>
+                <a:cs typeface="Sanskrit Text" panose="02020503050405020304" pitchFamily="18" charset="0"/>
+              </a:rPr>
+              <a:t>Capital reserves requirements</a:t>
+            </a:r>
+          </a:p>
+          <a:p>
+            <a:pPr lvl="1"/>
+            <a:r>
+              <a:rPr lang="en-US" dirty="0">
+                <a:latin typeface="Sanskrit Text" panose="02020503050405020304" pitchFamily="18" charset="0"/>
+                <a:cs typeface="Sanskrit Text" panose="02020503050405020304" pitchFamily="18" charset="0"/>
+              </a:rPr>
+              <a:t>Increase profits</a:t>
+            </a:r>
+          </a:p>
+          <a:p>
+            <a:pPr lvl="1"/>
+            <a:r>
+              <a:rPr lang="en-US" dirty="0">
+                <a:latin typeface="Sanskrit Text" panose="02020503050405020304" pitchFamily="18" charset="0"/>
+                <a:cs typeface="Sanskrit Text" panose="02020503050405020304" pitchFamily="18" charset="0"/>
+              </a:rPr>
+              <a:t>Decrease risks</a:t>
+            </a:r>
+          </a:p>
+          <a:p>
+            <a:pPr lvl="1"/>
+            <a:endParaRPr lang="en-US" dirty="0">
+              <a:latin typeface="Sanskrit Text" panose="02020503050405020304" pitchFamily="18" charset="0"/>
+              <a:cs typeface="Sanskrit Text" panose="02020503050405020304" pitchFamily="18" charset="0"/>
+            </a:endParaRPr>
+          </a:p>
+          <a:p>
+            <a:pPr lvl="1"/>
+            <a:endParaRPr lang="en-US" dirty="0">
+              <a:latin typeface="Sanskrit Text" panose="02020503050405020304" pitchFamily="18" charset="0"/>
+              <a:cs typeface="Sanskrit Text" panose="02020503050405020304" pitchFamily="18" charset="0"/>
+            </a:endParaRPr>
           </a:p>
         </p:txBody>
       </p:sp>
     </p:spTree>
     <p:extLst>
       <p:ext uri="{BB962C8B-B14F-4D97-AF65-F5344CB8AC3E}">
-        <p14:creationId xmlns:p14="http://schemas.microsoft.com/office/powerpoint/2010/main" val="2850634392"/>
+        <p14:creationId xmlns:p14="http://schemas.microsoft.com/office/powerpoint/2010/main" val="2802666808"/>
       </p:ext>
     </p:extLst>
   </p:cSld>
@@ -8825,7 +10982,7 @@
           <p:cNvPr id="2" name="Title 1">
             <a:extLst>
               <a:ext uri="{FF2B5EF4-FFF2-40B4-BE49-F238E27FC236}">
-                <a16:creationId xmlns:a16="http://schemas.microsoft.com/office/drawing/2014/main" id="{50A46AF8-ABF4-754C-98A2-31DDAF2A3E37}"/>
+                <a16:creationId xmlns:a16="http://schemas.microsoft.com/office/drawing/2014/main" id="{3A79EB82-8B22-264A-B3C9-564083CCBFB5}"/>
               </a:ext>
             </a:extLst>
           </p:cNvPr>
@@ -8841,13 +10998,12 @@
           <a:bodyPr/>
           <a:lstStyle/>
           <a:p>
-            <a:pPr algn="ctr"/>
             <a:r>
               <a:rPr lang="en-US" dirty="0">
                 <a:latin typeface="Sanskrit Text" panose="02020503050405020304" pitchFamily="18" charset="0"/>
                 <a:cs typeface="Sanskrit Text" panose="02020503050405020304" pitchFamily="18" charset="0"/>
               </a:rPr>
-              <a:t>Thanks!</a:t>
+              <a:t>Next Steps</a:t>
             </a:r>
           </a:p>
         </p:txBody>
@@ -8857,7 +11013,7 @@
           <p:cNvPr id="3" name="Content Placeholder 2">
             <a:extLst>
               <a:ext uri="{FF2B5EF4-FFF2-40B4-BE49-F238E27FC236}">
-                <a16:creationId xmlns:a16="http://schemas.microsoft.com/office/drawing/2014/main" id="{AE9203F9-1002-3D4C-A4B9-C7E646F61F8D}"/>
+                <a16:creationId xmlns:a16="http://schemas.microsoft.com/office/drawing/2014/main" id="{81E54D86-4BAF-7447-8F43-45C8DDFAB442}"/>
               </a:ext>
             </a:extLst>
           </p:cNvPr>
@@ -8868,12 +11024,7 @@
             <p:ph idx="1"/>
           </p:nvPr>
         </p:nvSpPr>
-        <p:spPr>
-          <a:xfrm>
-            <a:off x="838200" y="1929384"/>
-            <a:ext cx="10515600" cy="1888990"/>
-          </a:xfrm>
-        </p:spPr>
+        <p:spPr/>
         <p:txBody>
           <a:bodyPr/>
           <a:lstStyle/>
@@ -8883,353 +11034,54 @@
                 <a:latin typeface="Sanskrit Text" panose="02020503050405020304" pitchFamily="18" charset="0"/>
                 <a:cs typeface="Sanskrit Text" panose="02020503050405020304" pitchFamily="18" charset="0"/>
               </a:rPr>
-              <a:t>Acknowledgements:</a:t>
-            </a:r>
-          </a:p>
-        </p:txBody>
-      </p:sp>
-      <p:pic>
-        <p:nvPicPr>
-          <p:cNvPr id="4" name="Picture 2" descr="Courses - 0 TO 100 ACADEMY">
-            <a:extLst>
-              <a:ext uri="{FF2B5EF4-FFF2-40B4-BE49-F238E27FC236}">
-                <a16:creationId xmlns:a16="http://schemas.microsoft.com/office/drawing/2014/main" id="{DC051F4D-EDF2-BA42-94F8-A3D6D93BEBEB}"/>
-              </a:ext>
-            </a:extLst>
-          </p:cNvPr>
-          <p:cNvPicPr>
-            <a:picLocks noChangeAspect="1" noChangeArrowheads="1"/>
-          </p:cNvPicPr>
-          <p:nvPr/>
-        </p:nvPicPr>
-        <p:blipFill>
-          <a:blip r:embed="rId2">
-            <a:extLst>
-              <a:ext uri="{28A0092B-C50C-407E-A947-70E740481C1C}">
-                <a14:useLocalDpi xmlns:a14="http://schemas.microsoft.com/office/drawing/2010/main" val="0"/>
-              </a:ext>
-            </a:extLst>
-          </a:blip>
-          <a:srcRect/>
-          <a:stretch>
-            <a:fillRect/>
-          </a:stretch>
-        </p:blipFill>
-        <p:spPr bwMode="auto">
-          <a:xfrm>
-            <a:off x="4087944" y="3163658"/>
-            <a:ext cx="829649" cy="795285"/>
-          </a:xfrm>
-          <a:prstGeom prst="rect">
-            <a:avLst/>
-          </a:prstGeom>
-          <a:noFill/>
-          <a:extLst>
-            <a:ext uri="{909E8E84-426E-40DD-AFC4-6F175D3DCCD1}">
-              <a14:hiddenFill xmlns:a14="http://schemas.microsoft.com/office/drawing/2010/main">
-                <a:solidFill>
-                  <a:srgbClr val="FFFFFF"/>
-                </a:solidFill>
-              </a14:hiddenFill>
-            </a:ext>
-          </a:extLst>
-        </p:spPr>
-      </p:pic>
-      <p:pic>
-        <p:nvPicPr>
-          <p:cNvPr id="5" name="Picture 4" descr="scikit-learn Statistics on Twitter followers | Socialbakers">
-            <a:extLst>
-              <a:ext uri="{FF2B5EF4-FFF2-40B4-BE49-F238E27FC236}">
-                <a16:creationId xmlns:a16="http://schemas.microsoft.com/office/drawing/2014/main" id="{AB695731-7B17-E14F-93AB-BFBCE6B033B1}"/>
-              </a:ext>
-            </a:extLst>
-          </p:cNvPr>
-          <p:cNvPicPr>
-            <a:picLocks noChangeAspect="1" noChangeArrowheads="1"/>
-          </p:cNvPicPr>
-          <p:nvPr/>
-        </p:nvPicPr>
-        <p:blipFill>
-          <a:blip r:embed="rId3">
-            <a:extLst>
-              <a:ext uri="{28A0092B-C50C-407E-A947-70E740481C1C}">
-                <a14:useLocalDpi xmlns:a14="http://schemas.microsoft.com/office/drawing/2010/main" val="0"/>
-              </a:ext>
-            </a:extLst>
-          </a:blip>
-          <a:srcRect/>
-          <a:stretch>
-            <a:fillRect/>
-          </a:stretch>
-        </p:blipFill>
-        <p:spPr bwMode="auto">
-          <a:xfrm>
-            <a:off x="3195498" y="3163471"/>
-            <a:ext cx="778748" cy="778748"/>
-          </a:xfrm>
-          <a:prstGeom prst="rect">
-            <a:avLst/>
-          </a:prstGeom>
-          <a:noFill/>
-          <a:extLst>
-            <a:ext uri="{909E8E84-426E-40DD-AFC4-6F175D3DCCD1}">
-              <a14:hiddenFill xmlns:a14="http://schemas.microsoft.com/office/drawing/2010/main">
-                <a:solidFill>
-                  <a:srgbClr val="FFFFFF"/>
-                </a:solidFill>
-              </a14:hiddenFill>
-            </a:ext>
-          </a:extLst>
-        </p:spPr>
-      </p:pic>
-      <p:pic>
-        <p:nvPicPr>
-          <p:cNvPr id="6" name="Picture 8" descr="Announcing the release of seaborn 0.11 | by Michael Waskom | Medium">
-            <a:extLst>
-              <a:ext uri="{FF2B5EF4-FFF2-40B4-BE49-F238E27FC236}">
-                <a16:creationId xmlns:a16="http://schemas.microsoft.com/office/drawing/2014/main" id="{AFD331C5-AA89-8D49-AECF-56EEDD51A7E9}"/>
-              </a:ext>
-            </a:extLst>
-          </p:cNvPr>
-          <p:cNvPicPr>
-            <a:picLocks noChangeAspect="1" noChangeArrowheads="1"/>
-          </p:cNvPicPr>
-          <p:nvPr/>
-        </p:nvPicPr>
-        <p:blipFill>
-          <a:blip r:embed="rId4">
-            <a:extLst>
-              <a:ext uri="{28A0092B-C50C-407E-A947-70E740481C1C}">
-                <a14:useLocalDpi xmlns:a14="http://schemas.microsoft.com/office/drawing/2010/main" val="0"/>
-              </a:ext>
-            </a:extLst>
-          </a:blip>
-          <a:srcRect/>
-          <a:stretch>
-            <a:fillRect/>
-          </a:stretch>
-        </p:blipFill>
-        <p:spPr bwMode="auto">
-          <a:xfrm>
-            <a:off x="2638965" y="2640148"/>
-            <a:ext cx="1480863" cy="423948"/>
-          </a:xfrm>
-          <a:prstGeom prst="rect">
-            <a:avLst/>
-          </a:prstGeom>
-          <a:noFill/>
-          <a:extLst>
-            <a:ext uri="{909E8E84-426E-40DD-AFC4-6F175D3DCCD1}">
-              <a14:hiddenFill xmlns:a14="http://schemas.microsoft.com/office/drawing/2010/main">
-                <a:solidFill>
-                  <a:srgbClr val="FFFFFF"/>
-                </a:solidFill>
-              </a14:hiddenFill>
-            </a:ext>
-          </a:extLst>
-        </p:spPr>
-      </p:pic>
-      <p:pic>
-        <p:nvPicPr>
-          <p:cNvPr id="7" name="Picture 10" descr="How to create NumPy arrays from scratch? | by Tanu N Prabhu | Towards Data  Science">
-            <a:extLst>
-              <a:ext uri="{FF2B5EF4-FFF2-40B4-BE49-F238E27FC236}">
-                <a16:creationId xmlns:a16="http://schemas.microsoft.com/office/drawing/2014/main" id="{A26C8647-AC93-204C-8F71-22653AE63112}"/>
-              </a:ext>
-            </a:extLst>
-          </p:cNvPr>
-          <p:cNvPicPr>
-            <a:picLocks noChangeAspect="1" noChangeArrowheads="1"/>
-          </p:cNvPicPr>
-          <p:nvPr/>
-        </p:nvPicPr>
-        <p:blipFill>
-          <a:blip r:embed="rId5">
-            <a:extLst>
-              <a:ext uri="{28A0092B-C50C-407E-A947-70E740481C1C}">
-                <a14:useLocalDpi xmlns:a14="http://schemas.microsoft.com/office/drawing/2010/main" val="0"/>
-              </a:ext>
-            </a:extLst>
-          </a:blip>
-          <a:srcRect/>
-          <a:stretch>
-            <a:fillRect/>
-          </a:stretch>
-        </p:blipFill>
-        <p:spPr bwMode="auto">
-          <a:xfrm>
-            <a:off x="1708521" y="3374008"/>
-            <a:ext cx="1562784" cy="468836"/>
-          </a:xfrm>
-          <a:prstGeom prst="rect">
-            <a:avLst/>
-          </a:prstGeom>
-          <a:noFill/>
-          <a:extLst>
-            <a:ext uri="{909E8E84-426E-40DD-AFC4-6F175D3DCCD1}">
-              <a14:hiddenFill xmlns:a14="http://schemas.microsoft.com/office/drawing/2010/main">
-                <a:solidFill>
-                  <a:srgbClr val="FFFFFF"/>
-                </a:solidFill>
-              </a14:hiddenFill>
-            </a:ext>
-          </a:extLst>
-        </p:spPr>
-      </p:pic>
-      <p:pic>
-        <p:nvPicPr>
-          <p:cNvPr id="8" name="Picture 12" descr="Learn Pandas: A Complete Introduction for Beginners | Iqra Blogger %">
-            <a:extLst>
-              <a:ext uri="{FF2B5EF4-FFF2-40B4-BE49-F238E27FC236}">
-                <a16:creationId xmlns:a16="http://schemas.microsoft.com/office/drawing/2014/main" id="{07F4F9A2-9DD7-1641-9E3B-BDA5E0AFF4F9}"/>
-              </a:ext>
-            </a:extLst>
-          </p:cNvPr>
-          <p:cNvPicPr>
-            <a:picLocks noChangeAspect="1" noChangeArrowheads="1"/>
-          </p:cNvPicPr>
-          <p:nvPr/>
-        </p:nvPicPr>
-        <p:blipFill>
-          <a:blip r:embed="rId6">
-            <a:extLst>
-              <a:ext uri="{28A0092B-C50C-407E-A947-70E740481C1C}">
-                <a14:useLocalDpi xmlns:a14="http://schemas.microsoft.com/office/drawing/2010/main" val="0"/>
-              </a:ext>
-            </a:extLst>
-          </a:blip>
-          <a:srcRect/>
-          <a:stretch>
-            <a:fillRect/>
-          </a:stretch>
-        </p:blipFill>
-        <p:spPr bwMode="auto">
-          <a:xfrm>
-            <a:off x="1052341" y="2592609"/>
-            <a:ext cx="1365989" cy="466951"/>
-          </a:xfrm>
-          <a:prstGeom prst="rect">
-            <a:avLst/>
-          </a:prstGeom>
-          <a:noFill/>
-          <a:extLst>
-            <a:ext uri="{909E8E84-426E-40DD-AFC4-6F175D3DCCD1}">
-              <a14:hiddenFill xmlns:a14="http://schemas.microsoft.com/office/drawing/2010/main">
-                <a:solidFill>
-                  <a:srgbClr val="FFFFFF"/>
-                </a:solidFill>
-              </a14:hiddenFill>
-            </a:ext>
-          </a:extLst>
-        </p:spPr>
-      </p:pic>
-      <p:pic>
-        <p:nvPicPr>
-          <p:cNvPr id="9" name="Picture 14" descr="Google cloud - Free social media icons">
-            <a:extLst>
-              <a:ext uri="{FF2B5EF4-FFF2-40B4-BE49-F238E27FC236}">
-                <a16:creationId xmlns:a16="http://schemas.microsoft.com/office/drawing/2014/main" id="{B0A8A23D-F253-7349-B74F-2201497AB7CB}"/>
-              </a:ext>
-            </a:extLst>
-          </p:cNvPr>
-          <p:cNvPicPr>
-            <a:picLocks noChangeAspect="1" noChangeArrowheads="1"/>
-          </p:cNvPicPr>
-          <p:nvPr/>
-        </p:nvPicPr>
-        <p:blipFill>
-          <a:blip r:embed="rId7">
-            <a:extLst>
-              <a:ext uri="{28A0092B-C50C-407E-A947-70E740481C1C}">
-                <a14:useLocalDpi xmlns:a14="http://schemas.microsoft.com/office/drawing/2010/main" val="0"/>
-              </a:ext>
-            </a:extLst>
-          </a:blip>
-          <a:srcRect/>
-          <a:stretch>
-            <a:fillRect/>
-          </a:stretch>
-        </p:blipFill>
-        <p:spPr bwMode="auto">
-          <a:xfrm>
-            <a:off x="1052341" y="3284621"/>
-            <a:ext cx="536448" cy="536448"/>
-          </a:xfrm>
-          <a:prstGeom prst="rect">
-            <a:avLst/>
-          </a:prstGeom>
-          <a:noFill/>
-          <a:extLst>
-            <a:ext uri="{909E8E84-426E-40DD-AFC4-6F175D3DCCD1}">
-              <a14:hiddenFill xmlns:a14="http://schemas.microsoft.com/office/drawing/2010/main">
-                <a:solidFill>
-                  <a:srgbClr val="FFFFFF"/>
-                </a:solidFill>
-              </a14:hiddenFill>
-            </a:ext>
-          </a:extLst>
-        </p:spPr>
-      </p:pic>
-      <p:sp>
-        <p:nvSpPr>
-          <p:cNvPr id="10" name="TextBox 9">
-            <a:extLst>
-              <a:ext uri="{FF2B5EF4-FFF2-40B4-BE49-F238E27FC236}">
-                <a16:creationId xmlns:a16="http://schemas.microsoft.com/office/drawing/2014/main" id="{C2EFF84C-6951-F544-AD34-8ED3CCDB319B}"/>
-              </a:ext>
-            </a:extLst>
-          </p:cNvPr>
-          <p:cNvSpPr txBox="1"/>
-          <p:nvPr/>
-        </p:nvSpPr>
-        <p:spPr>
-          <a:xfrm>
-            <a:off x="1056256" y="4229773"/>
-            <a:ext cx="10297544" cy="954107"/>
-          </a:xfrm>
-          <a:prstGeom prst="rect">
-            <a:avLst/>
-          </a:prstGeom>
-          <a:noFill/>
-        </p:spPr>
-        <p:txBody>
-          <a:bodyPr wrap="square" rtlCol="0">
-            <a:spAutoFit/>
-          </a:bodyPr>
-          <a:lstStyle/>
-          <a:p>
-            <a:pPr marL="285750" indent="-285750">
-              <a:buFont typeface="Arial" panose="020B0604020202020204" pitchFamily="34" charset="0"/>
-              <a:buChar char="•"/>
-            </a:pPr>
-            <a:r>
-              <a:rPr lang="en-US" sz="2800" dirty="0">
+              <a:t>Improve models via feature engineering</a:t>
+            </a:r>
+          </a:p>
+          <a:p>
+            <a:pPr lvl="1"/>
+            <a:r>
+              <a:rPr lang="en-US" dirty="0">
                 <a:latin typeface="Sanskrit Text" panose="02020503050405020304" pitchFamily="18" charset="0"/>
                 <a:cs typeface="Sanskrit Text" panose="02020503050405020304" pitchFamily="18" charset="0"/>
               </a:rPr>
-              <a:t>Questions?</a:t>
-            </a:r>
-          </a:p>
-          <a:p>
-            <a:pPr marL="742950" lvl="1" indent="-285750">
-              <a:buFont typeface="Arial" panose="020B0604020202020204" pitchFamily="34" charset="0"/>
-              <a:buChar char="•"/>
-            </a:pPr>
-            <a:r>
-              <a:rPr lang="en-US" sz="2800" dirty="0">
+              <a:t>Linear model’s R-squared is concerning</a:t>
+            </a:r>
+          </a:p>
+          <a:p>
+            <a:r>
+              <a:rPr lang="en-US" dirty="0">
                 <a:latin typeface="Sanskrit Text" panose="02020503050405020304" pitchFamily="18" charset="0"/>
                 <a:cs typeface="Sanskrit Text" panose="02020503050405020304" pitchFamily="18" charset="0"/>
               </a:rPr>
-              <a:t>Contact me at </a:t>
-            </a:r>
-            <a:r>
-              <a:rPr lang="en-US" sz="2800" dirty="0" err="1">
+              <a:t>Create </a:t>
+            </a:r>
+            <a:r>
+              <a:rPr lang="en-US" dirty="0" err="1">
                 <a:latin typeface="Sanskrit Text" panose="02020503050405020304" pitchFamily="18" charset="0"/>
                 <a:cs typeface="Sanskrit Text" panose="02020503050405020304" pitchFamily="18" charset="0"/>
               </a:rPr>
-              <a:t>md.ghsd@gmail.com</a:t>
-            </a:r>
-            <a:endParaRPr lang="en-US" sz="2800" dirty="0">
+              <a:t>streamlit</a:t>
+            </a:r>
+            <a:r>
+              <a:rPr lang="en-US" dirty="0">
+                <a:latin typeface="Sanskrit Text" panose="02020503050405020304" pitchFamily="18" charset="0"/>
+                <a:cs typeface="Sanskrit Text" panose="02020503050405020304" pitchFamily="18" charset="0"/>
+              </a:rPr>
+              <a:t> app containing process and results</a:t>
+            </a:r>
+          </a:p>
+          <a:p>
+            <a:pPr lvl="1"/>
+            <a:r>
+              <a:rPr lang="en-US" dirty="0">
+                <a:latin typeface="Sanskrit Text" panose="02020503050405020304" pitchFamily="18" charset="0"/>
+                <a:cs typeface="Sanskrit Text" panose="02020503050405020304" pitchFamily="18" charset="0"/>
+              </a:rPr>
+              <a:t>If time permits…</a:t>
+            </a:r>
+          </a:p>
+          <a:p>
+            <a:endParaRPr lang="en-US" dirty="0">
               <a:latin typeface="Sanskrit Text" panose="02020503050405020304" pitchFamily="18" charset="0"/>
               <a:cs typeface="Sanskrit Text" panose="02020503050405020304" pitchFamily="18" charset="0"/>
             </a:endParaRPr>
@@ -9239,7 +11091,7 @@
     </p:spTree>
     <p:extLst>
       <p:ext uri="{BB962C8B-B14F-4D97-AF65-F5344CB8AC3E}">
-        <p14:creationId xmlns:p14="http://schemas.microsoft.com/office/powerpoint/2010/main" val="4233572500"/>
+        <p14:creationId xmlns:p14="http://schemas.microsoft.com/office/powerpoint/2010/main" val="2850634392"/>
       </p:ext>
     </p:extLst>
   </p:cSld>
